--- a/Web3D2013-Dec3D/Web3D2013Presentation.pptx
+++ b/Web3D2013-Dec3D/Web3D2013Presentation.pptx
@@ -126,7 +126,7 @@
   </p:defaultTextStyle>
   <p:extLst>
     <p:ext uri="{EFAFB233-063F-42B5-8137-9DF3F51BA10A}">
-      <p15:sldGuideLst xmlns:p15="http://schemas.microsoft.com/office/powerpoint/2012/main">
+      <p15:sldGuideLst xmlns:p15="http://schemas.microsoft.com/office/powerpoint/2012/main" xmlns="">
         <p15:guide id="1" orient="horz" pos="2160">
           <p15:clr>
             <a:srgbClr val="A4A3A4"/>
@@ -140,7 +140,7 @@
       </p15:sldGuideLst>
     </p:ext>
     <p:ext uri="{2D200454-40CA-4A62-9FC3-DE9A4176ACB9}">
-      <p15:notesGuideLst xmlns:p15="http://schemas.microsoft.com/office/powerpoint/2012/main"/>
+      <p15:notesGuideLst xmlns:p15="http://schemas.microsoft.com/office/powerpoint/2012/main" xmlns=""/>
     </p:ext>
   </p:extLst>
 </p:presentation>
@@ -229,7 +229,7 @@
             <a:fld id="{D6322035-7D7D-4458-9192-7BFC7F8F28FB}" type="datetimeFigureOut">
               <a:rPr lang="en-US" smtClean="0"/>
               <a:pPr/>
-              <a:t>6/11/2013</a:t>
+              <a:t>6/19/2013</a:t>
             </a:fld>
             <a:endParaRPr lang="en-US"/>
           </a:p>
@@ -296,7 +296,7 @@
             <a:fld id="{4FAC2626-9701-4336-AB7B-937426DE8CE1}" type="slidenum">
               <a:rPr lang="en-US" smtClean="0"/>
               <a:pPr/>
-              <a:t>‹#›</a:t>
+              <a:t>‹Nr.›</a:t>
             </a:fld>
             <a:endParaRPr lang="en-US"/>
           </a:p>
@@ -305,7 +305,7 @@
     </p:spTree>
     <p:extLst>
       <p:ext uri="{BB962C8B-B14F-4D97-AF65-F5344CB8AC3E}">
-        <p14:creationId xmlns:p14="http://schemas.microsoft.com/office/powerpoint/2010/main" val="3917507118"/>
+        <p14:creationId xmlns:p14="http://schemas.microsoft.com/office/powerpoint/2010/main" xmlns="" val="3917507118"/>
       </p:ext>
     </p:extLst>
   </p:cSld>
@@ -396,7 +396,7 @@
             <a:fld id="{941582D0-2F87-47CB-91DC-E925C3C7CC4D}" type="datetimeFigureOut">
               <a:rPr lang="en-US" smtClean="0"/>
               <a:pPr/>
-              <a:t>6/11/2013</a:t>
+              <a:t>6/19/2013</a:t>
             </a:fld>
             <a:endParaRPr lang="en-US"/>
           </a:p>
@@ -556,7 +556,7 @@
             <a:fld id="{6483879A-ACFB-4F44-BA93-40F2237C1EEC}" type="slidenum">
               <a:rPr lang="en-US" smtClean="0"/>
               <a:pPr/>
-              <a:t>‹#›</a:t>
+              <a:t>‹Nr.›</a:t>
             </a:fld>
             <a:endParaRPr lang="en-US"/>
           </a:p>
@@ -565,7 +565,7 @@
     </p:spTree>
     <p:extLst>
       <p:ext uri="{BB962C8B-B14F-4D97-AF65-F5344CB8AC3E}">
-        <p14:creationId xmlns:p14="http://schemas.microsoft.com/office/powerpoint/2010/main" val="3625258110"/>
+        <p14:creationId xmlns:p14="http://schemas.microsoft.com/office/powerpoint/2010/main" xmlns="" val="3625258110"/>
       </p:ext>
     </p:extLst>
   </p:cSld>
@@ -745,7 +745,7 @@
     </p:spTree>
     <p:extLst>
       <p:ext uri="{BB962C8B-B14F-4D97-AF65-F5344CB8AC3E}">
-        <p14:creationId xmlns:p14="http://schemas.microsoft.com/office/powerpoint/2010/main" val="600426170"/>
+        <p14:creationId xmlns:p14="http://schemas.microsoft.com/office/powerpoint/2010/main" xmlns="" val="600426170"/>
       </p:ext>
     </p:extLst>
   </p:cSld>
@@ -830,7 +830,7 @@
     </p:spTree>
     <p:extLst>
       <p:ext uri="{BB962C8B-B14F-4D97-AF65-F5344CB8AC3E}">
-        <p14:creationId xmlns:p14="http://schemas.microsoft.com/office/powerpoint/2010/main" val="1727202921"/>
+        <p14:creationId xmlns:p14="http://schemas.microsoft.com/office/powerpoint/2010/main" xmlns="" val="1727202921"/>
       </p:ext>
     </p:extLst>
   </p:cSld>
@@ -915,7 +915,7 @@
     </p:spTree>
     <p:extLst>
       <p:ext uri="{BB962C8B-B14F-4D97-AF65-F5344CB8AC3E}">
-        <p14:creationId xmlns:p14="http://schemas.microsoft.com/office/powerpoint/2010/main" val="2405428526"/>
+        <p14:creationId xmlns:p14="http://schemas.microsoft.com/office/powerpoint/2010/main" xmlns="" val="2405428526"/>
       </p:ext>
     </p:extLst>
   </p:cSld>
@@ -1005,7 +1005,7 @@
     </p:spTree>
     <p:extLst>
       <p:ext uri="{BB962C8B-B14F-4D97-AF65-F5344CB8AC3E}">
-        <p14:creationId xmlns:p14="http://schemas.microsoft.com/office/powerpoint/2010/main" val="2089411291"/>
+        <p14:creationId xmlns:p14="http://schemas.microsoft.com/office/powerpoint/2010/main" xmlns="" val="2089411291"/>
       </p:ext>
     </p:extLst>
   </p:cSld>
@@ -1090,7 +1090,7 @@
     </p:spTree>
     <p:extLst>
       <p:ext uri="{BB962C8B-B14F-4D97-AF65-F5344CB8AC3E}">
-        <p14:creationId xmlns:p14="http://schemas.microsoft.com/office/powerpoint/2010/main" val="3107323670"/>
+        <p14:creationId xmlns:p14="http://schemas.microsoft.com/office/powerpoint/2010/main" xmlns="" val="3107323670"/>
       </p:ext>
     </p:extLst>
   </p:cSld>
@@ -1188,7 +1188,7 @@
     </p:spTree>
     <p:extLst>
       <p:ext uri="{BB962C8B-B14F-4D97-AF65-F5344CB8AC3E}">
-        <p14:creationId xmlns:p14="http://schemas.microsoft.com/office/powerpoint/2010/main" val="106924194"/>
+        <p14:creationId xmlns:p14="http://schemas.microsoft.com/office/powerpoint/2010/main" xmlns="" val="106924194"/>
       </p:ext>
     </p:extLst>
   </p:cSld>
@@ -1273,7 +1273,7 @@
     </p:spTree>
     <p:extLst>
       <p:ext uri="{BB962C8B-B14F-4D97-AF65-F5344CB8AC3E}">
-        <p14:creationId xmlns:p14="http://schemas.microsoft.com/office/powerpoint/2010/main" val="3083984785"/>
+        <p14:creationId xmlns:p14="http://schemas.microsoft.com/office/powerpoint/2010/main" xmlns="" val="3083984785"/>
       </p:ext>
     </p:extLst>
   </p:cSld>
@@ -1358,7 +1358,7 @@
     </p:spTree>
     <p:extLst>
       <p:ext uri="{BB962C8B-B14F-4D97-AF65-F5344CB8AC3E}">
-        <p14:creationId xmlns:p14="http://schemas.microsoft.com/office/powerpoint/2010/main" val="3642180973"/>
+        <p14:creationId xmlns:p14="http://schemas.microsoft.com/office/powerpoint/2010/main" xmlns="" val="3642180973"/>
       </p:ext>
     </p:extLst>
   </p:cSld>
@@ -1443,7 +1443,7 @@
     </p:spTree>
     <p:extLst>
       <p:ext uri="{BB962C8B-B14F-4D97-AF65-F5344CB8AC3E}">
-        <p14:creationId xmlns:p14="http://schemas.microsoft.com/office/powerpoint/2010/main" val="2078330808"/>
+        <p14:creationId xmlns:p14="http://schemas.microsoft.com/office/powerpoint/2010/main" xmlns="" val="2078330808"/>
       </p:ext>
     </p:extLst>
   </p:cSld>
@@ -1528,7 +1528,7 @@
     </p:spTree>
     <p:extLst>
       <p:ext uri="{BB962C8B-B14F-4D97-AF65-F5344CB8AC3E}">
-        <p14:creationId xmlns:p14="http://schemas.microsoft.com/office/powerpoint/2010/main" val="2727644080"/>
+        <p14:creationId xmlns:p14="http://schemas.microsoft.com/office/powerpoint/2010/main" xmlns="" val="2727644080"/>
       </p:ext>
     </p:extLst>
   </p:cSld>
@@ -1613,7 +1613,7 @@
     </p:spTree>
     <p:extLst>
       <p:ext uri="{BB962C8B-B14F-4D97-AF65-F5344CB8AC3E}">
-        <p14:creationId xmlns:p14="http://schemas.microsoft.com/office/powerpoint/2010/main" val="1266234494"/>
+        <p14:creationId xmlns:p14="http://schemas.microsoft.com/office/powerpoint/2010/main" xmlns="" val="1266234494"/>
       </p:ext>
     </p:extLst>
   </p:cSld>
@@ -1652,7 +1652,7 @@
           <a:blip r:embed="rId2" cstate="print">
             <a:extLst>
               <a:ext uri="{28A0092B-C50C-407E-A947-70E740481C1C}">
-                <a14:useLocalDpi xmlns:a14="http://schemas.microsoft.com/office/drawing/2010/main" val="0"/>
+                <a14:useLocalDpi xmlns:a14="http://schemas.microsoft.com/office/drawing/2010/main" xmlns="" val="0"/>
               </a:ext>
             </a:extLst>
           </a:blip>
@@ -1831,18 +1831,18 @@
     </p:spTree>
     <p:extLst>
       <p:ext uri="{BB962C8B-B14F-4D97-AF65-F5344CB8AC3E}">
-        <p14:creationId xmlns:p14="http://schemas.microsoft.com/office/powerpoint/2010/main" val="2781634679"/>
+        <p14:creationId xmlns:p14="http://schemas.microsoft.com/office/powerpoint/2010/main" xmlns="" val="2781634679"/>
       </p:ext>
     </p:extLst>
   </p:cSld>
   <p:clrMapOvr>
     <a:masterClrMapping/>
   </p:clrMapOvr>
-  <mc:AlternateContent xmlns:mc="http://schemas.openxmlformats.org/markup-compatibility/2006" xmlns:p14="http://schemas.microsoft.com/office/powerpoint/2010/main">
-    <mc:Choice Requires="p14">
+  <mc:AlternateContent xmlns:mc="http://schemas.openxmlformats.org/markup-compatibility/2006">
+    <mc:Choice xmlns:p14="http://schemas.microsoft.com/office/powerpoint/2010/main" xmlns="" Requires="p14">
       <p:transition p14:dur="0"/>
     </mc:Choice>
-    <mc:Fallback xmlns="">
+    <mc:Fallback>
       <p:transition/>
     </mc:Fallback>
   </mc:AlternateContent>
@@ -1885,7 +1885,7 @@
           <a:blip r:embed="rId2" cstate="print">
             <a:extLst>
               <a:ext uri="{28A0092B-C50C-407E-A947-70E740481C1C}">
-                <a14:useLocalDpi xmlns:a14="http://schemas.microsoft.com/office/drawing/2010/main" val="0"/>
+                <a14:useLocalDpi xmlns:a14="http://schemas.microsoft.com/office/drawing/2010/main" xmlns="" val="0"/>
               </a:ext>
             </a:extLst>
           </a:blip>
@@ -1944,18 +1944,18 @@
     </p:spTree>
     <p:extLst>
       <p:ext uri="{BB962C8B-B14F-4D97-AF65-F5344CB8AC3E}">
-        <p14:creationId xmlns:p14="http://schemas.microsoft.com/office/powerpoint/2010/main" val="3076526567"/>
+        <p14:creationId xmlns:p14="http://schemas.microsoft.com/office/powerpoint/2010/main" xmlns="" val="3076526567"/>
       </p:ext>
     </p:extLst>
   </p:cSld>
   <p:clrMapOvr>
     <a:masterClrMapping/>
   </p:clrMapOvr>
-  <mc:AlternateContent xmlns:mc="http://schemas.openxmlformats.org/markup-compatibility/2006" xmlns:p14="http://schemas.microsoft.com/office/powerpoint/2010/main">
-    <mc:Choice Requires="p14">
+  <mc:AlternateContent xmlns:mc="http://schemas.openxmlformats.org/markup-compatibility/2006">
+    <mc:Choice xmlns:p14="http://schemas.microsoft.com/office/powerpoint/2010/main" xmlns="" Requires="p14">
       <p:transition p14:dur="0"/>
     </mc:Choice>
-    <mc:Fallback xmlns="">
+    <mc:Fallback>
       <p:transition/>
     </mc:Fallback>
   </mc:AlternateContent>
@@ -2064,18 +2064,18 @@
     </p:spTree>
     <p:extLst>
       <p:ext uri="{BB962C8B-B14F-4D97-AF65-F5344CB8AC3E}">
-        <p14:creationId xmlns:p14="http://schemas.microsoft.com/office/powerpoint/2010/main" val="2549443191"/>
+        <p14:creationId xmlns:p14="http://schemas.microsoft.com/office/powerpoint/2010/main" xmlns="" val="2549443191"/>
       </p:ext>
     </p:extLst>
   </p:cSld>
   <p:clrMapOvr>
     <a:masterClrMapping/>
   </p:clrMapOvr>
-  <mc:AlternateContent xmlns:mc="http://schemas.openxmlformats.org/markup-compatibility/2006" xmlns:p14="http://schemas.microsoft.com/office/powerpoint/2010/main">
-    <mc:Choice Requires="p14">
+  <mc:AlternateContent xmlns:mc="http://schemas.openxmlformats.org/markup-compatibility/2006">
+    <mc:Choice xmlns:p14="http://schemas.microsoft.com/office/powerpoint/2010/main" xmlns="" Requires="p14">
       <p:transition p14:dur="0"/>
     </mc:Choice>
-    <mc:Fallback xmlns="">
+    <mc:Fallback>
       <p:transition/>
     </mc:Fallback>
   </mc:AlternateContent>
@@ -2109,18 +2109,18 @@
     </p:spTree>
     <p:extLst>
       <p:ext uri="{BB962C8B-B14F-4D97-AF65-F5344CB8AC3E}">
-        <p14:creationId xmlns:p14="http://schemas.microsoft.com/office/powerpoint/2010/main" val="2203047849"/>
+        <p14:creationId xmlns:p14="http://schemas.microsoft.com/office/powerpoint/2010/main" xmlns="" val="2203047849"/>
       </p:ext>
     </p:extLst>
   </p:cSld>
   <p:clrMapOvr>
     <a:masterClrMapping/>
   </p:clrMapOvr>
-  <mc:AlternateContent xmlns:mc="http://schemas.openxmlformats.org/markup-compatibility/2006" xmlns:p14="http://schemas.microsoft.com/office/powerpoint/2010/main">
-    <mc:Choice Requires="p14">
+  <mc:AlternateContent xmlns:mc="http://schemas.openxmlformats.org/markup-compatibility/2006">
+    <mc:Choice xmlns:p14="http://schemas.microsoft.com/office/powerpoint/2010/main" xmlns="" Requires="p14">
       <p:transition p14:dur="0"/>
     </mc:Choice>
-    <mc:Fallback xmlns="">
+    <mc:Fallback>
       <p:transition/>
     </mc:Fallback>
   </mc:AlternateContent>
@@ -2216,7 +2216,7 @@
           <a:blip r:embed="rId6" cstate="print">
             <a:extLst>
               <a:ext uri="{28A0092B-C50C-407E-A947-70E740481C1C}">
-                <a14:useLocalDpi xmlns:a14="http://schemas.microsoft.com/office/drawing/2010/main" val="0"/>
+                <a14:useLocalDpi xmlns:a14="http://schemas.microsoft.com/office/drawing/2010/main" xmlns="" val="0"/>
               </a:ext>
             </a:extLst>
           </a:blip>
@@ -2512,7 +2512,7 @@
     </p:spTree>
     <p:extLst>
       <p:ext uri="{BB962C8B-B14F-4D97-AF65-F5344CB8AC3E}">
-        <p14:creationId xmlns:p14="http://schemas.microsoft.com/office/powerpoint/2010/main" val="3441083178"/>
+        <p14:creationId xmlns:p14="http://schemas.microsoft.com/office/powerpoint/2010/main" xmlns="" val="3441083178"/>
       </p:ext>
     </p:extLst>
   </p:cSld>
@@ -2523,11 +2523,11 @@
     <p:sldLayoutId id="2147484040" r:id="rId3"/>
     <p:sldLayoutId id="2147484041" r:id="rId4"/>
   </p:sldLayoutIdLst>
-  <mc:AlternateContent xmlns:mc="http://schemas.openxmlformats.org/markup-compatibility/2006" xmlns:p14="http://schemas.microsoft.com/office/powerpoint/2010/main">
-    <mc:Choice Requires="p14">
+  <mc:AlternateContent xmlns:mc="http://schemas.openxmlformats.org/markup-compatibility/2006">
+    <mc:Choice xmlns:p14="http://schemas.microsoft.com/office/powerpoint/2010/main" xmlns="" Requires="p14">
       <p:transition p14:dur="0"/>
     </mc:Choice>
-    <mc:Fallback xmlns="">
+    <mc:Fallback>
       <p:transition/>
     </mc:Fallback>
   </mc:AlternateContent>
@@ -3117,18 +3117,18 @@
     </p:spTree>
     <p:extLst>
       <p:ext uri="{BB962C8B-B14F-4D97-AF65-F5344CB8AC3E}">
-        <p14:creationId xmlns:p14="http://schemas.microsoft.com/office/powerpoint/2010/main" val="1904904095"/>
+        <p14:creationId xmlns:p14="http://schemas.microsoft.com/office/powerpoint/2010/main" xmlns="" val="1904904095"/>
       </p:ext>
     </p:extLst>
   </p:cSld>
   <p:clrMapOvr>
     <a:masterClrMapping/>
   </p:clrMapOvr>
-  <mc:AlternateContent xmlns:mc="http://schemas.openxmlformats.org/markup-compatibility/2006" xmlns:p14="http://schemas.microsoft.com/office/powerpoint/2010/main">
-    <mc:Choice Requires="p14">
+  <mc:AlternateContent xmlns:mc="http://schemas.openxmlformats.org/markup-compatibility/2006">
+    <mc:Choice xmlns:p14="http://schemas.microsoft.com/office/powerpoint/2010/main" xmlns="" Requires="p14">
       <p:transition p14:dur="0"/>
     </mc:Choice>
-    <mc:Fallback xmlns="">
+    <mc:Fallback>
       <p:transition/>
     </mc:Fallback>
   </mc:AlternateContent>
@@ -3307,18 +3307,18 @@
     </p:spTree>
     <p:extLst>
       <p:ext uri="{BB962C8B-B14F-4D97-AF65-F5344CB8AC3E}">
-        <p14:creationId xmlns:p14="http://schemas.microsoft.com/office/powerpoint/2010/main" val="3200889008"/>
+        <p14:creationId xmlns:p14="http://schemas.microsoft.com/office/powerpoint/2010/main" xmlns="" val="3200889008"/>
       </p:ext>
     </p:extLst>
   </p:cSld>
   <p:clrMapOvr>
     <a:masterClrMapping/>
   </p:clrMapOvr>
-  <mc:AlternateContent xmlns:mc="http://schemas.openxmlformats.org/markup-compatibility/2006" xmlns:p14="http://schemas.microsoft.com/office/powerpoint/2010/main">
-    <mc:Choice Requires="p14">
+  <mc:AlternateContent xmlns:mc="http://schemas.openxmlformats.org/markup-compatibility/2006">
+    <mc:Choice xmlns:p14="http://schemas.microsoft.com/office/powerpoint/2010/main" xmlns="" Requires="p14">
       <p:transition p14:dur="0"/>
     </mc:Choice>
-    <mc:Fallback xmlns="">
+    <mc:Fallback>
       <p:transition/>
     </mc:Fallback>
   </mc:AlternateContent>
@@ -3394,7 +3394,7 @@
           <a:blip r:embed="rId3">
             <a:extLst>
               <a:ext uri="{28A0092B-C50C-407E-A947-70E740481C1C}">
-                <a14:useLocalDpi xmlns:a14="http://schemas.microsoft.com/office/drawing/2010/main" val="0"/>
+                <a14:useLocalDpi xmlns:a14="http://schemas.microsoft.com/office/drawing/2010/main" xmlns="" val="0"/>
               </a:ext>
             </a:extLst>
           </a:blip>
@@ -3412,18 +3412,18 @@
     </p:spTree>
     <p:extLst>
       <p:ext uri="{BB962C8B-B14F-4D97-AF65-F5344CB8AC3E}">
-        <p14:creationId xmlns:p14="http://schemas.microsoft.com/office/powerpoint/2010/main" val="922523166"/>
+        <p14:creationId xmlns:p14="http://schemas.microsoft.com/office/powerpoint/2010/main" xmlns="" val="922523166"/>
       </p:ext>
     </p:extLst>
   </p:cSld>
   <p:clrMapOvr>
     <a:masterClrMapping/>
   </p:clrMapOvr>
-  <mc:AlternateContent xmlns:mc="http://schemas.openxmlformats.org/markup-compatibility/2006" xmlns:p14="http://schemas.microsoft.com/office/powerpoint/2010/main">
-    <mc:Choice Requires="p14">
+  <mc:AlternateContent xmlns:mc="http://schemas.openxmlformats.org/markup-compatibility/2006">
+    <mc:Choice xmlns:p14="http://schemas.microsoft.com/office/powerpoint/2010/main" xmlns="" Requires="p14">
       <p:transition p14:dur="0"/>
     </mc:Choice>
-    <mc:Fallback xmlns="">
+    <mc:Fallback>
       <p:transition/>
     </mc:Fallback>
   </mc:AlternateContent>
@@ -3479,18 +3479,18 @@
     </p:spTree>
     <p:extLst>
       <p:ext uri="{BB962C8B-B14F-4D97-AF65-F5344CB8AC3E}">
-        <p14:creationId xmlns:p14="http://schemas.microsoft.com/office/powerpoint/2010/main" val="4102748782"/>
+        <p14:creationId xmlns:p14="http://schemas.microsoft.com/office/powerpoint/2010/main" xmlns="" val="4102748782"/>
       </p:ext>
     </p:extLst>
   </p:cSld>
   <p:clrMapOvr>
     <a:masterClrMapping/>
   </p:clrMapOvr>
-  <mc:AlternateContent xmlns:mc="http://schemas.openxmlformats.org/markup-compatibility/2006" xmlns:p14="http://schemas.microsoft.com/office/powerpoint/2010/main">
-    <mc:Choice Requires="p14">
+  <mc:AlternateContent xmlns:mc="http://schemas.openxmlformats.org/markup-compatibility/2006">
+    <mc:Choice xmlns:p14="http://schemas.microsoft.com/office/powerpoint/2010/main" xmlns="" Requires="p14">
       <p:transition p14:dur="0"/>
     </mc:Choice>
-    <mc:Fallback xmlns="">
+    <mc:Fallback>
       <p:transition/>
     </mc:Fallback>
   </mc:AlternateContent>
@@ -3624,18 +3624,18 @@
     </p:spTree>
     <p:extLst>
       <p:ext uri="{BB962C8B-B14F-4D97-AF65-F5344CB8AC3E}">
-        <p14:creationId xmlns:p14="http://schemas.microsoft.com/office/powerpoint/2010/main" val="997690693"/>
+        <p14:creationId xmlns:p14="http://schemas.microsoft.com/office/powerpoint/2010/main" xmlns="" val="997690693"/>
       </p:ext>
     </p:extLst>
   </p:cSld>
   <p:clrMapOvr>
     <a:masterClrMapping/>
   </p:clrMapOvr>
-  <mc:AlternateContent xmlns:mc="http://schemas.openxmlformats.org/markup-compatibility/2006" xmlns:p14="http://schemas.microsoft.com/office/powerpoint/2010/main">
-    <mc:Choice Requires="p14">
+  <mc:AlternateContent xmlns:mc="http://schemas.openxmlformats.org/markup-compatibility/2006">
+    <mc:Choice xmlns:p14="http://schemas.microsoft.com/office/powerpoint/2010/main" xmlns="" Requires="p14">
       <p:transition p14:dur="0"/>
     </mc:Choice>
-    <mc:Fallback xmlns="">
+    <mc:Fallback>
       <p:transition/>
     </mc:Fallback>
   </mc:AlternateContent>
@@ -3960,18 +3960,18 @@
     </p:spTree>
     <p:extLst>
       <p:ext uri="{BB962C8B-B14F-4D97-AF65-F5344CB8AC3E}">
-        <p14:creationId xmlns:p14="http://schemas.microsoft.com/office/powerpoint/2010/main" val="2874016700"/>
+        <p14:creationId xmlns:p14="http://schemas.microsoft.com/office/powerpoint/2010/main" xmlns="" val="2874016700"/>
       </p:ext>
     </p:extLst>
   </p:cSld>
   <p:clrMapOvr>
     <a:masterClrMapping/>
   </p:clrMapOvr>
-  <mc:AlternateContent xmlns:mc="http://schemas.openxmlformats.org/markup-compatibility/2006" xmlns:p14="http://schemas.microsoft.com/office/powerpoint/2010/main">
-    <mc:Choice Requires="p14">
+  <mc:AlternateContent xmlns:mc="http://schemas.openxmlformats.org/markup-compatibility/2006">
+    <mc:Choice xmlns:p14="http://schemas.microsoft.com/office/powerpoint/2010/main" xmlns="" Requires="p14">
       <p:transition p14:dur="0"/>
     </mc:Choice>
-    <mc:Fallback xmlns="">
+    <mc:Fallback>
       <p:transition/>
     </mc:Fallback>
   </mc:AlternateContent>
@@ -4044,7 +4044,6 @@
               <a:rPr lang="en-US" dirty="0" smtClean="0"/>
               <a:t>Declarative vs. Imperative</a:t>
             </a:r>
-            <a:endParaRPr lang="en-US" dirty="0" smtClean="0"/>
           </a:p>
           <a:p>
             <a:r>
@@ -4063,11 +4062,7 @@
           <a:p>
             <a:r>
               <a:rPr lang="en-US" dirty="0" smtClean="0"/>
-              <a:t>Ultimate </a:t>
-            </a:r>
-            <a:r>
-              <a:rPr lang="en-US" dirty="0" smtClean="0"/>
-              <a:t>goal: 3D </a:t>
+              <a:t>Ultimate goal: 3D </a:t>
             </a:r>
             <a:r>
               <a:rPr lang="en-US" dirty="0"/>
@@ -4182,18 +4177,18 @@
     </p:spTree>
     <p:extLst>
       <p:ext uri="{BB962C8B-B14F-4D97-AF65-F5344CB8AC3E}">
-        <p14:creationId xmlns:p14="http://schemas.microsoft.com/office/powerpoint/2010/main" val="18305828"/>
+        <p14:creationId xmlns:p14="http://schemas.microsoft.com/office/powerpoint/2010/main" xmlns="" val="18305828"/>
       </p:ext>
     </p:extLst>
   </p:cSld>
   <p:clrMapOvr>
     <a:masterClrMapping/>
   </p:clrMapOvr>
-  <mc:AlternateContent xmlns:mc="http://schemas.openxmlformats.org/markup-compatibility/2006" xmlns:p14="http://schemas.microsoft.com/office/powerpoint/2010/main">
-    <mc:Choice Requires="p14">
+  <mc:AlternateContent xmlns:mc="http://schemas.openxmlformats.org/markup-compatibility/2006">
+    <mc:Choice xmlns:p14="http://schemas.microsoft.com/office/powerpoint/2010/main" xmlns="" Requires="p14">
       <p:transition p14:dur="0"/>
     </mc:Choice>
-    <mc:Fallback xmlns="">
+    <mc:Fallback>
       <p:transition/>
     </mc:Fallback>
   </mc:AlternateContent>
@@ -4261,7 +4256,7 @@
           <a:blip r:embed="rId2">
             <a:extLst>
               <a:ext uri="{28A0092B-C50C-407E-A947-70E740481C1C}">
-                <a14:useLocalDpi xmlns:a14="http://schemas.microsoft.com/office/drawing/2010/main" val="0"/>
+                <a14:useLocalDpi xmlns:a14="http://schemas.microsoft.com/office/drawing/2010/main" xmlns="" val="0"/>
               </a:ext>
             </a:extLst>
           </a:blip>
@@ -4279,18 +4274,18 @@
     </p:spTree>
     <p:extLst>
       <p:ext uri="{BB962C8B-B14F-4D97-AF65-F5344CB8AC3E}">
-        <p14:creationId xmlns:p14="http://schemas.microsoft.com/office/powerpoint/2010/main" val="520086239"/>
+        <p14:creationId xmlns:p14="http://schemas.microsoft.com/office/powerpoint/2010/main" xmlns="" val="520086239"/>
       </p:ext>
     </p:extLst>
   </p:cSld>
   <p:clrMapOvr>
     <a:masterClrMapping/>
   </p:clrMapOvr>
-  <mc:AlternateContent xmlns:mc="http://schemas.openxmlformats.org/markup-compatibility/2006" xmlns:p14="http://schemas.microsoft.com/office/powerpoint/2010/main">
-    <mc:Choice Requires="p14">
+  <mc:AlternateContent xmlns:mc="http://schemas.openxmlformats.org/markup-compatibility/2006">
+    <mc:Choice xmlns:p14="http://schemas.microsoft.com/office/powerpoint/2010/main" xmlns="" Requires="p14">
       <p:transition p14:dur="0"/>
     </mc:Choice>
-    <mc:Fallback xmlns="">
+    <mc:Fallback>
       <p:transition/>
     </mc:Fallback>
   </mc:AlternateContent>
@@ -4453,18 +4448,18 @@
     </p:spTree>
     <p:extLst>
       <p:ext uri="{BB962C8B-B14F-4D97-AF65-F5344CB8AC3E}">
-        <p14:creationId xmlns:p14="http://schemas.microsoft.com/office/powerpoint/2010/main" val="3481554853"/>
+        <p14:creationId xmlns:p14="http://schemas.microsoft.com/office/powerpoint/2010/main" xmlns="" val="3481554853"/>
       </p:ext>
     </p:extLst>
   </p:cSld>
   <p:clrMapOvr>
     <a:masterClrMapping/>
   </p:clrMapOvr>
-  <mc:AlternateContent xmlns:mc="http://schemas.openxmlformats.org/markup-compatibility/2006" xmlns:p14="http://schemas.microsoft.com/office/powerpoint/2010/main">
-    <mc:Choice Requires="p14">
+  <mc:AlternateContent xmlns:mc="http://schemas.openxmlformats.org/markup-compatibility/2006">
+    <mc:Choice xmlns:p14="http://schemas.microsoft.com/office/powerpoint/2010/main" xmlns="" Requires="p14">
       <p:transition p14:dur="0"/>
     </mc:Choice>
-    <mc:Fallback xmlns="">
+    <mc:Fallback>
       <p:transition/>
     </mc:Fallback>
   </mc:AlternateContent>
@@ -4528,18 +4523,18 @@
     </p:spTree>
     <p:extLst>
       <p:ext uri="{BB962C8B-B14F-4D97-AF65-F5344CB8AC3E}">
-        <p14:creationId xmlns:p14="http://schemas.microsoft.com/office/powerpoint/2010/main" val="684588227"/>
+        <p14:creationId xmlns:p14="http://schemas.microsoft.com/office/powerpoint/2010/main" xmlns="" val="684588227"/>
       </p:ext>
     </p:extLst>
   </p:cSld>
   <p:clrMapOvr>
     <a:masterClrMapping/>
   </p:clrMapOvr>
-  <mc:AlternateContent xmlns:mc="http://schemas.openxmlformats.org/markup-compatibility/2006" xmlns:p14="http://schemas.microsoft.com/office/powerpoint/2010/main">
-    <mc:Choice Requires="p14">
+  <mc:AlternateContent xmlns:mc="http://schemas.openxmlformats.org/markup-compatibility/2006">
+    <mc:Choice xmlns:p14="http://schemas.microsoft.com/office/powerpoint/2010/main" xmlns="" Requires="p14">
       <p:transition p14:dur="0"/>
     </mc:Choice>
-    <mc:Fallback xmlns="">
+    <mc:Fallback>
       <p:transition/>
     </mc:Fallback>
   </mc:AlternateContent>
@@ -4719,18 +4714,18 @@
     </p:spTree>
     <p:extLst>
       <p:ext uri="{BB962C8B-B14F-4D97-AF65-F5344CB8AC3E}">
-        <p14:creationId xmlns:p14="http://schemas.microsoft.com/office/powerpoint/2010/main" val="2771929985"/>
+        <p14:creationId xmlns:p14="http://schemas.microsoft.com/office/powerpoint/2010/main" xmlns="" val="2771929985"/>
       </p:ext>
     </p:extLst>
   </p:cSld>
   <p:clrMapOvr>
     <a:masterClrMapping/>
   </p:clrMapOvr>
-  <mc:AlternateContent xmlns:mc="http://schemas.openxmlformats.org/markup-compatibility/2006" xmlns:p14="http://schemas.microsoft.com/office/powerpoint/2010/main">
-    <mc:Choice Requires="p14">
+  <mc:AlternateContent xmlns:mc="http://schemas.openxmlformats.org/markup-compatibility/2006">
+    <mc:Choice xmlns:p14="http://schemas.microsoft.com/office/powerpoint/2010/main" xmlns="" Requires="p14">
       <p:transition p14:dur="0"/>
     </mc:Choice>
-    <mc:Fallback xmlns="">
+    <mc:Fallback>
       <p:transition/>
     </mc:Fallback>
   </mc:AlternateContent>
@@ -5250,18 +5245,18 @@
     </p:spTree>
     <p:extLst>
       <p:ext uri="{BB962C8B-B14F-4D97-AF65-F5344CB8AC3E}">
-        <p14:creationId xmlns:p14="http://schemas.microsoft.com/office/powerpoint/2010/main" val="3997840176"/>
+        <p14:creationId xmlns:p14="http://schemas.microsoft.com/office/powerpoint/2010/main" xmlns="" val="3997840176"/>
       </p:ext>
     </p:extLst>
   </p:cSld>
   <p:clrMapOvr>
     <a:masterClrMapping/>
   </p:clrMapOvr>
-  <mc:AlternateContent xmlns:mc="http://schemas.openxmlformats.org/markup-compatibility/2006" xmlns:p14="http://schemas.microsoft.com/office/powerpoint/2010/main">
-    <mc:Choice Requires="p14">
+  <mc:AlternateContent xmlns:mc="http://schemas.openxmlformats.org/markup-compatibility/2006">
+    <mc:Choice xmlns:p14="http://schemas.microsoft.com/office/powerpoint/2010/main" xmlns="" Requires="p14">
       <p:transition p14:dur="0"/>
     </mc:Choice>
-    <mc:Fallback xmlns="">
+    <mc:Fallback>
       <p:transition/>
     </mc:Fallback>
   </mc:AlternateContent>
@@ -5363,14 +5358,55 @@
             <a:pPr lvl="1"/>
             <a:r>
               <a:rPr lang="en-US" dirty="0" smtClean="0"/>
-              <a:t>...</a:t>
-            </a:r>
+              <a:t>Designed from scratch</a:t>
+            </a:r>
+            <a:endParaRPr lang="en-US" dirty="0" smtClean="0"/>
           </a:p>
           <a:p>
             <a:pPr lvl="1"/>
             <a:r>
               <a:rPr lang="en-US" dirty="0" smtClean="0"/>
-              <a:t>...</a:t>
+              <a:t>Integrated dataflow concept (</a:t>
+            </a:r>
+            <a:r>
+              <a:rPr lang="en-US" dirty="0" err="1" smtClean="0"/>
+              <a:t>Xflow</a:t>
+            </a:r>
+            <a:r>
+              <a:rPr lang="en-US" dirty="0" smtClean="0"/>
+              <a:t>)</a:t>
+            </a:r>
+          </a:p>
+          <a:p>
+            <a:pPr lvl="2"/>
+            <a:r>
+              <a:rPr lang="en-US" dirty="0" smtClean="0"/>
+              <a:t>Skeleton animation, Image Processing, Augmented Reality</a:t>
+            </a:r>
+          </a:p>
+          <a:p>
+            <a:pPr lvl="2"/>
+            <a:r>
+              <a:rPr lang="en-US" dirty="0" smtClean="0"/>
+              <a:t>Can be mapped to HW (GPU, River Trail, </a:t>
+            </a:r>
+            <a:r>
+              <a:rPr lang="en-US" dirty="0" err="1" smtClean="0"/>
+              <a:t>WebCL</a:t>
+            </a:r>
+            <a:r>
+              <a:rPr lang="en-US" dirty="0" smtClean="0"/>
+              <a:t>?)</a:t>
+            </a:r>
+          </a:p>
+          <a:p>
+            <a:r>
+              <a:rPr lang="en-US" dirty="0" smtClean="0"/>
+              <a:t>Both platforms OSS and freely available on </a:t>
+            </a:r>
+            <a:r>
+              <a:rPr lang="en-US" dirty="0" err="1" smtClean="0"/>
+              <a:t>GitHub</a:t>
             </a:r>
             <a:endParaRPr lang="en-US" dirty="0"/>
           </a:p>
@@ -5379,18 +5415,18 @@
     </p:spTree>
     <p:extLst>
       <p:ext uri="{BB962C8B-B14F-4D97-AF65-F5344CB8AC3E}">
-        <p14:creationId xmlns:p14="http://schemas.microsoft.com/office/powerpoint/2010/main" val="1869452409"/>
+        <p14:creationId xmlns:p14="http://schemas.microsoft.com/office/powerpoint/2010/main" xmlns="" val="1869452409"/>
       </p:ext>
     </p:extLst>
   </p:cSld>
   <p:clrMapOvr>
     <a:masterClrMapping/>
   </p:clrMapOvr>
-  <mc:AlternateContent xmlns:mc="http://schemas.openxmlformats.org/markup-compatibility/2006" xmlns:p14="http://schemas.microsoft.com/office/powerpoint/2010/main">
-    <mc:Choice Requires="p14">
+  <mc:AlternateContent xmlns:mc="http://schemas.openxmlformats.org/markup-compatibility/2006">
+    <mc:Choice xmlns:p14="http://schemas.microsoft.com/office/powerpoint/2010/main" xmlns="" Requires="p14">
       <p:transition p14:dur="0"/>
     </mc:Choice>
-    <mc:Fallback xmlns="">
+    <mc:Fallback>
       <p:transition/>
     </mc:Fallback>
   </mc:AlternateContent>
@@ -5459,32 +5495,222 @@
           <a:lstStyle/>
           <a:p>
             <a:r>
-              <a:rPr lang="en-US" dirty="0"/>
-              <a:t>15 key </a:t>
-            </a:r>
-            <a:r>
-              <a:rPr lang="en-US" dirty="0" smtClean="0"/>
-              <a:t>concepts ...</a:t>
-            </a:r>
+              <a:rPr lang="en-US" dirty="0" smtClean="0"/>
+              <a:t>Extracted 15 essentials for HTML/DOM-based 3D graphics</a:t>
+            </a:r>
+          </a:p>
+          <a:p>
+            <a:r>
+              <a:rPr lang="en-US" dirty="0" smtClean="0"/>
+              <a:t>For instance: </a:t>
+            </a:r>
+          </a:p>
+          <a:p>
+            <a:pPr lvl="1"/>
+            <a:r>
+              <a:rPr lang="en-US" dirty="0" smtClean="0"/>
+              <a:t>Use CSS 3D Transforms for transformations</a:t>
+            </a:r>
+          </a:p>
+          <a:p>
+            <a:endParaRPr lang="en-US" dirty="0" smtClean="0"/>
+          </a:p>
+          <a:p>
+            <a:endParaRPr lang="en-US" dirty="0" smtClean="0"/>
+          </a:p>
+          <a:p>
+            <a:endParaRPr lang="en-US" dirty="0" smtClean="0"/>
+          </a:p>
+          <a:p>
+            <a:endParaRPr lang="en-US" dirty="0" smtClean="0"/>
+          </a:p>
+          <a:p>
+            <a:endParaRPr lang="en-US" dirty="0" smtClean="0"/>
+          </a:p>
+          <a:p>
+            <a:endParaRPr lang="en-US" dirty="0" smtClean="0"/>
+          </a:p>
+          <a:p>
+            <a:r>
+              <a:rPr lang="en-US" dirty="0" smtClean="0"/>
+              <a:t>How tight can we integrate 3D with web technology?</a:t>
+            </a:r>
+          </a:p>
+          <a:p>
+            <a:endParaRPr lang="en-US" dirty="0" smtClean="0"/>
+          </a:p>
+          <a:p>
+            <a:endParaRPr lang="en-US" dirty="0" smtClean="0"/>
+          </a:p>
+          <a:p>
+            <a:endParaRPr lang="en-US" dirty="0" smtClean="0"/>
+          </a:p>
+          <a:p>
+            <a:endParaRPr lang="en-US" dirty="0" smtClean="0"/>
+          </a:p>
+          <a:p>
+            <a:endParaRPr lang="en-US" dirty="0" smtClean="0"/>
+          </a:p>
+          <a:p>
+            <a:endParaRPr lang="en-US" dirty="0" smtClean="0"/>
+          </a:p>
+          <a:p>
+            <a:endParaRPr lang="en-US" dirty="0" smtClean="0"/>
+          </a:p>
+          <a:p>
+            <a:pPr>
+              <a:buNone/>
+            </a:pPr>
+            <a:endParaRPr lang="en-US" dirty="0" smtClean="0"/>
+          </a:p>
+          <a:p>
+            <a:pPr lvl="1"/>
             <a:endParaRPr lang="en-US" dirty="0"/>
+          </a:p>
+        </p:txBody>
+      </p:sp>
+      <p:sp>
+        <p:nvSpPr>
+          <p:cNvPr id="4" name="Textfeld 3"/>
+          <p:cNvSpPr txBox="1"/>
+          <p:nvPr/>
+        </p:nvSpPr>
+        <p:spPr>
+          <a:xfrm>
+            <a:off x="1310192" y="3016156"/>
+            <a:ext cx="6136616" cy="2031325"/>
+          </a:xfrm>
+          <a:prstGeom prst="rect">
+            <a:avLst/>
+          </a:prstGeom>
+          <a:noFill/>
+        </p:spPr>
+        <p:txBody>
+          <a:bodyPr wrap="none" rtlCol="0">
+            <a:spAutoFit/>
+          </a:bodyPr>
+          <a:lstStyle/>
+          <a:p>
+            <a:r>
+              <a:rPr lang="en-US" dirty="0" smtClean="0">
+                <a:latin typeface="Consolas" pitchFamily="49" charset="0"/>
+              </a:rPr>
+              <a:t>&lt;div&gt;</a:t>
+            </a:r>
+          </a:p>
+          <a:p>
+            <a:r>
+              <a:rPr lang="en-US" dirty="0" smtClean="0">
+                <a:latin typeface="Consolas" pitchFamily="49" charset="0"/>
+              </a:rPr>
+              <a:t>   &lt;</a:t>
+            </a:r>
+            <a:r>
+              <a:rPr lang="en-US" dirty="0" smtClean="0">
+                <a:latin typeface="Consolas" pitchFamily="49" charset="0"/>
+              </a:rPr>
+              <a:t>dec3d style="border: 1px solid black;"&gt;</a:t>
+            </a:r>
+          </a:p>
+          <a:p>
+            <a:r>
+              <a:rPr lang="fr-FR" dirty="0" smtClean="0">
+                <a:latin typeface="Consolas" pitchFamily="49" charset="0"/>
+              </a:rPr>
+              <a:t>     &lt;</a:t>
+            </a:r>
+            <a:r>
+              <a:rPr lang="fr-FR" dirty="0" err="1" smtClean="0">
+                <a:latin typeface="Consolas" pitchFamily="49" charset="0"/>
+              </a:rPr>
+              <a:t>div</a:t>
+            </a:r>
+            <a:r>
+              <a:rPr lang="fr-FR" dirty="0" smtClean="0">
+                <a:latin typeface="Consolas" pitchFamily="49" charset="0"/>
+              </a:rPr>
+              <a:t> style="</a:t>
+            </a:r>
+            <a:r>
+              <a:rPr lang="fr-FR" dirty="0" err="1" smtClean="0">
+                <a:latin typeface="Consolas" pitchFamily="49" charset="0"/>
+              </a:rPr>
+              <a:t>transform</a:t>
+            </a:r>
+            <a:r>
+              <a:rPr lang="fr-FR" dirty="0" smtClean="0">
+                <a:latin typeface="Consolas" pitchFamily="49" charset="0"/>
+              </a:rPr>
+              <a:t>: scale3d(2, 2, 2);"&gt;</a:t>
+            </a:r>
+          </a:p>
+          <a:p>
+            <a:r>
+              <a:rPr lang="en-US" dirty="0" smtClean="0">
+                <a:latin typeface="Consolas" pitchFamily="49" charset="0"/>
+              </a:rPr>
+              <a:t>        ...</a:t>
+            </a:r>
+            <a:endParaRPr lang="en-US" dirty="0" smtClean="0">
+              <a:latin typeface="Consolas" pitchFamily="49" charset="0"/>
+            </a:endParaRPr>
+          </a:p>
+          <a:p>
+            <a:r>
+              <a:rPr lang="en-US" dirty="0" smtClean="0">
+                <a:latin typeface="Consolas" pitchFamily="49" charset="0"/>
+              </a:rPr>
+              <a:t>     &lt;/</a:t>
+            </a:r>
+            <a:r>
+              <a:rPr lang="en-US" dirty="0" smtClean="0">
+                <a:latin typeface="Consolas" pitchFamily="49" charset="0"/>
+              </a:rPr>
+              <a:t>div&gt;</a:t>
+            </a:r>
+          </a:p>
+          <a:p>
+            <a:r>
+              <a:rPr lang="en-US" dirty="0" smtClean="0">
+                <a:latin typeface="Consolas" pitchFamily="49" charset="0"/>
+              </a:rPr>
+              <a:t>   &lt;/</a:t>
+            </a:r>
+            <a:r>
+              <a:rPr lang="en-US" dirty="0" smtClean="0">
+                <a:latin typeface="Consolas" pitchFamily="49" charset="0"/>
+              </a:rPr>
+              <a:t>dec3d&gt;</a:t>
+            </a:r>
+          </a:p>
+          <a:p>
+            <a:r>
+              <a:rPr lang="en-US" dirty="0" smtClean="0">
+                <a:latin typeface="Consolas" pitchFamily="49" charset="0"/>
+              </a:rPr>
+              <a:t>&lt;/div&gt;</a:t>
+            </a:r>
+            <a:endParaRPr lang="en-US" dirty="0">
+              <a:latin typeface="Consolas" pitchFamily="49" charset="0"/>
+            </a:endParaRPr>
           </a:p>
         </p:txBody>
       </p:sp>
     </p:spTree>
     <p:extLst>
       <p:ext uri="{BB962C8B-B14F-4D97-AF65-F5344CB8AC3E}">
-        <p14:creationId xmlns:p14="http://schemas.microsoft.com/office/powerpoint/2010/main" val="2220943333"/>
+        <p14:creationId xmlns:p14="http://schemas.microsoft.com/office/powerpoint/2010/main" xmlns="" val="2220943333"/>
       </p:ext>
     </p:extLst>
   </p:cSld>
   <p:clrMapOvr>
     <a:masterClrMapping/>
   </p:clrMapOvr>
-  <mc:AlternateContent xmlns:mc="http://schemas.openxmlformats.org/markup-compatibility/2006" xmlns:p14="http://schemas.microsoft.com/office/powerpoint/2010/main">
-    <mc:Choice Requires="p14">
+  <mc:AlternateContent xmlns:mc="http://schemas.openxmlformats.org/markup-compatibility/2006">
+    <mc:Choice xmlns:p14="http://schemas.microsoft.com/office/powerpoint/2010/main" xmlns="" Requires="p14">
       <p:transition p14:dur="0"/>
     </mc:Choice>
-    <mc:Fallback xmlns="">
+    <mc:Fallback>
       <p:transition/>
     </mc:Fallback>
   </mc:AlternateContent>
@@ -5670,7 +5896,7 @@
           <a:blip r:embed="rId3">
             <a:extLst>
               <a:ext uri="{28A0092B-C50C-407E-A947-70E740481C1C}">
-                <a14:useLocalDpi xmlns:a14="http://schemas.microsoft.com/office/drawing/2010/main" val="0"/>
+                <a14:useLocalDpi xmlns:a14="http://schemas.microsoft.com/office/drawing/2010/main" xmlns="" val="0"/>
               </a:ext>
             </a:extLst>
           </a:blip>
@@ -5691,7 +5917,7 @@
     </p:spTree>
     <p:extLst>
       <p:ext uri="{BB962C8B-B14F-4D97-AF65-F5344CB8AC3E}">
-        <p14:creationId xmlns:p14="http://schemas.microsoft.com/office/powerpoint/2010/main" val="2909472201"/>
+        <p14:creationId xmlns:p14="http://schemas.microsoft.com/office/powerpoint/2010/main" xmlns="" val="2909472201"/>
       </p:ext>
     </p:extLst>
   </p:cSld>
@@ -5699,7 +5925,7 @@
     <a:masterClrMapping/>
   </p:clrMapOvr>
   <mc:AlternateContent xmlns:mc="http://schemas.openxmlformats.org/markup-compatibility/2006">
-    <mc:Choice xmlns:p14="http://schemas.microsoft.com/office/powerpoint/2010/main" Requires="p14">
+    <mc:Choice xmlns:p14="http://schemas.microsoft.com/office/powerpoint/2010/main" xmlns="" Requires="p14">
       <p:transition p14:dur="10"/>
     </mc:Choice>
     <mc:Fallback>
@@ -5967,7 +6193,7 @@
   <a:extraClrSchemeLst/>
   <a:extLst>
     <a:ext uri="{05A4C25C-085E-4340-85A3-A5531E510DB2}">
-      <thm15:themeFamily xmlns:thm15="http://schemas.microsoft.com/office/thememl/2012/main" name="STAR" id="{337B15D5-31BB-4D98-9693-879717AF7C82}" vid="{D4FEF77D-C77F-4540-B21B-D1F1542CE16D}"/>
+      <thm15:themeFamily xmlns:thm15="http://schemas.microsoft.com/office/thememl/2012/main" xmlns="" name="STAR" id="{337B15D5-31BB-4D98-9693-879717AF7C82}" vid="{D4FEF77D-C77F-4540-B21B-D1F1542CE16D}"/>
     </a:ext>
   </a:extLst>
 </a:theme>
@@ -6228,7 +6454,7 @@
   <a:extraClrSchemeLst/>
   <a:extLst>
     <a:ext uri="{05A4C25C-085E-4340-85A3-A5531E510DB2}">
-      <thm15:themeFamily xmlns:thm15="http://schemas.microsoft.com/office/thememl/2012/main" name="Office Theme" id="{62F939B6-93AF-4DB8-9C6B-D6C7DFDC589F}" vid="{4A3C46E8-61CC-4603-A589-7422A47A8E4A}"/>
+      <thm15:themeFamily xmlns:thm15="http://schemas.microsoft.com/office/thememl/2012/main" xmlns="" name="Office Theme" id="{62F939B6-93AF-4DB8-9C6B-D6C7DFDC589F}" vid="{4A3C46E8-61CC-4603-A589-7422A47A8E4A}"/>
     </a:ext>
   </a:extLst>
 </a:theme>
@@ -6489,7 +6715,7 @@
   <a:extraClrSchemeLst/>
   <a:extLst>
     <a:ext uri="{05A4C25C-085E-4340-85A3-A5531E510DB2}">
-      <thm15:themeFamily xmlns:thm15="http://schemas.microsoft.com/office/thememl/2012/main" name="Office Theme" id="{62F939B6-93AF-4DB8-9C6B-D6C7DFDC589F}" vid="{4A3C46E8-61CC-4603-A589-7422A47A8E4A}"/>
+      <thm15:themeFamily xmlns:thm15="http://schemas.microsoft.com/office/thememl/2012/main" xmlns="" name="Office Theme" id="{62F939B6-93AF-4DB8-9C6B-D6C7DFDC589F}" vid="{4A3C46E8-61CC-4603-A589-7422A47A8E4A}"/>
     </a:ext>
   </a:extLst>
 </a:theme>

--- a/Web3D2013-Dec3D/Web3D2013Presentation.pptx
+++ b/Web3D2013-Dec3D/Web3D2013Presentation.pptx
@@ -5,10 +5,10 @@
     <p:sldMasterId id="2147484038" r:id="rId1"/>
   </p:sldMasterIdLst>
   <p:notesMasterIdLst>
-    <p:notesMasterId r:id="rId17"/>
+    <p:notesMasterId r:id="rId18"/>
   </p:notesMasterIdLst>
   <p:handoutMasterIdLst>
-    <p:handoutMasterId r:id="rId18"/>
+    <p:handoutMasterId r:id="rId19"/>
   </p:handoutMasterIdLst>
   <p:sldIdLst>
     <p:sldId id="256" r:id="rId2"/>
@@ -20,12 +20,13 @@
     <p:sldId id="314" r:id="rId8"/>
     <p:sldId id="318" r:id="rId9"/>
     <p:sldId id="319" r:id="rId10"/>
-    <p:sldId id="320" r:id="rId11"/>
-    <p:sldId id="321" r:id="rId12"/>
-    <p:sldId id="316" r:id="rId13"/>
-    <p:sldId id="317" r:id="rId14"/>
-    <p:sldId id="312" r:id="rId15"/>
-    <p:sldId id="315" r:id="rId16"/>
+    <p:sldId id="323" r:id="rId11"/>
+    <p:sldId id="320" r:id="rId12"/>
+    <p:sldId id="321" r:id="rId13"/>
+    <p:sldId id="316" r:id="rId14"/>
+    <p:sldId id="317" r:id="rId15"/>
+    <p:sldId id="312" r:id="rId16"/>
+    <p:sldId id="315" r:id="rId17"/>
   </p:sldIdLst>
   <p:sldSz cx="9144000" cy="6858000" type="screen4x3"/>
   <p:notesSz cx="6789738" cy="9929813"/>
@@ -126,7 +127,7 @@
   </p:defaultTextStyle>
   <p:extLst>
     <p:ext uri="{EFAFB233-063F-42B5-8137-9DF3F51BA10A}">
-      <p15:sldGuideLst xmlns:p15="http://schemas.microsoft.com/office/powerpoint/2012/main" xmlns="">
+      <p15:sldGuideLst xmlns="" xmlns:p15="http://schemas.microsoft.com/office/powerpoint/2012/main">
         <p15:guide id="1" orient="horz" pos="2160">
           <p15:clr>
             <a:srgbClr val="A4A3A4"/>
@@ -140,7 +141,7 @@
       </p15:sldGuideLst>
     </p:ext>
     <p:ext uri="{2D200454-40CA-4A62-9FC3-DE9A4176ACB9}">
-      <p15:notesGuideLst xmlns:p15="http://schemas.microsoft.com/office/powerpoint/2012/main" xmlns=""/>
+      <p15:notesGuideLst xmlns="" xmlns:p15="http://schemas.microsoft.com/office/powerpoint/2012/main"/>
     </p:ext>
   </p:extLst>
 </p:presentation>
@@ -229,7 +230,7 @@
             <a:fld id="{D6322035-7D7D-4458-9192-7BFC7F8F28FB}" type="datetimeFigureOut">
               <a:rPr lang="en-US" smtClean="0"/>
               <a:pPr/>
-              <a:t>6/19/2013</a:t>
+              <a:t>6/20/2013</a:t>
             </a:fld>
             <a:endParaRPr lang="en-US"/>
           </a:p>
@@ -305,7 +306,7 @@
     </p:spTree>
     <p:extLst>
       <p:ext uri="{BB962C8B-B14F-4D97-AF65-F5344CB8AC3E}">
-        <p14:creationId xmlns:p14="http://schemas.microsoft.com/office/powerpoint/2010/main" xmlns="" val="3917507118"/>
+        <p14:creationId xmlns="" xmlns:p14="http://schemas.microsoft.com/office/powerpoint/2010/main" val="3917507118"/>
       </p:ext>
     </p:extLst>
   </p:cSld>
@@ -396,7 +397,7 @@
             <a:fld id="{941582D0-2F87-47CB-91DC-E925C3C7CC4D}" type="datetimeFigureOut">
               <a:rPr lang="en-US" smtClean="0"/>
               <a:pPr/>
-              <a:t>6/19/2013</a:t>
+              <a:t>6/20/2013</a:t>
             </a:fld>
             <a:endParaRPr lang="en-US"/>
           </a:p>
@@ -565,7 +566,7 @@
     </p:spTree>
     <p:extLst>
       <p:ext uri="{BB962C8B-B14F-4D97-AF65-F5344CB8AC3E}">
-        <p14:creationId xmlns:p14="http://schemas.microsoft.com/office/powerpoint/2010/main" xmlns="" val="3625258110"/>
+        <p14:creationId xmlns="" xmlns:p14="http://schemas.microsoft.com/office/powerpoint/2010/main" val="3625258110"/>
       </p:ext>
     </p:extLst>
   </p:cSld>
@@ -745,7 +746,7 @@
     </p:spTree>
     <p:extLst>
       <p:ext uri="{BB962C8B-B14F-4D97-AF65-F5344CB8AC3E}">
-        <p14:creationId xmlns:p14="http://schemas.microsoft.com/office/powerpoint/2010/main" xmlns="" val="600426170"/>
+        <p14:creationId xmlns="" xmlns:p14="http://schemas.microsoft.com/office/powerpoint/2010/main" val="600426170"/>
       </p:ext>
     </p:extLst>
   </p:cSld>
@@ -821,7 +822,7 @@
             <a:fld id="{6483879A-ACFB-4F44-BA93-40F2237C1EEC}" type="slidenum">
               <a:rPr lang="en-US" smtClean="0"/>
               <a:pPr/>
-              <a:t>14</a:t>
+              <a:t>15</a:t>
             </a:fld>
             <a:endParaRPr lang="en-US"/>
           </a:p>
@@ -830,7 +831,7 @@
     </p:spTree>
     <p:extLst>
       <p:ext uri="{BB962C8B-B14F-4D97-AF65-F5344CB8AC3E}">
-        <p14:creationId xmlns:p14="http://schemas.microsoft.com/office/powerpoint/2010/main" xmlns="" val="1727202921"/>
+        <p14:creationId xmlns="" xmlns:p14="http://schemas.microsoft.com/office/powerpoint/2010/main" val="1727202921"/>
       </p:ext>
     </p:extLst>
   </p:cSld>
@@ -906,7 +907,7 @@
             <a:fld id="{6483879A-ACFB-4F44-BA93-40F2237C1EEC}" type="slidenum">
               <a:rPr lang="en-US" smtClean="0"/>
               <a:pPr/>
-              <a:t>15</a:t>
+              <a:t>16</a:t>
             </a:fld>
             <a:endParaRPr lang="en-US"/>
           </a:p>
@@ -915,7 +916,7 @@
     </p:spTree>
     <p:extLst>
       <p:ext uri="{BB962C8B-B14F-4D97-AF65-F5344CB8AC3E}">
-        <p14:creationId xmlns:p14="http://schemas.microsoft.com/office/powerpoint/2010/main" xmlns="" val="2405428526"/>
+        <p14:creationId xmlns="" xmlns:p14="http://schemas.microsoft.com/office/powerpoint/2010/main" val="2405428526"/>
       </p:ext>
     </p:extLst>
   </p:cSld>
@@ -1005,7 +1006,7 @@
     </p:spTree>
     <p:extLst>
       <p:ext uri="{BB962C8B-B14F-4D97-AF65-F5344CB8AC3E}">
-        <p14:creationId xmlns:p14="http://schemas.microsoft.com/office/powerpoint/2010/main" xmlns="" val="2089411291"/>
+        <p14:creationId xmlns="" xmlns:p14="http://schemas.microsoft.com/office/powerpoint/2010/main" val="2089411291"/>
       </p:ext>
     </p:extLst>
   </p:cSld>
@@ -1090,7 +1091,7 @@
     </p:spTree>
     <p:extLst>
       <p:ext uri="{BB962C8B-B14F-4D97-AF65-F5344CB8AC3E}">
-        <p14:creationId xmlns:p14="http://schemas.microsoft.com/office/powerpoint/2010/main" xmlns="" val="3107323670"/>
+        <p14:creationId xmlns="" xmlns:p14="http://schemas.microsoft.com/office/powerpoint/2010/main" val="3107323670"/>
       </p:ext>
     </p:extLst>
   </p:cSld>
@@ -1188,7 +1189,7 @@
     </p:spTree>
     <p:extLst>
       <p:ext uri="{BB962C8B-B14F-4D97-AF65-F5344CB8AC3E}">
-        <p14:creationId xmlns:p14="http://schemas.microsoft.com/office/powerpoint/2010/main" xmlns="" val="106924194"/>
+        <p14:creationId xmlns="" xmlns:p14="http://schemas.microsoft.com/office/powerpoint/2010/main" val="106924194"/>
       </p:ext>
     </p:extLst>
   </p:cSld>
@@ -1273,7 +1274,7 @@
     </p:spTree>
     <p:extLst>
       <p:ext uri="{BB962C8B-B14F-4D97-AF65-F5344CB8AC3E}">
-        <p14:creationId xmlns:p14="http://schemas.microsoft.com/office/powerpoint/2010/main" xmlns="" val="3083984785"/>
+        <p14:creationId xmlns="" xmlns:p14="http://schemas.microsoft.com/office/powerpoint/2010/main" val="3083984785"/>
       </p:ext>
     </p:extLst>
   </p:cSld>
@@ -1358,7 +1359,7 @@
     </p:spTree>
     <p:extLst>
       <p:ext uri="{BB962C8B-B14F-4D97-AF65-F5344CB8AC3E}">
-        <p14:creationId xmlns:p14="http://schemas.microsoft.com/office/powerpoint/2010/main" xmlns="" val="3642180973"/>
+        <p14:creationId xmlns="" xmlns:p14="http://schemas.microsoft.com/office/powerpoint/2010/main" val="3642180973"/>
       </p:ext>
     </p:extLst>
   </p:cSld>
@@ -1434,7 +1435,7 @@
             <a:fld id="{6483879A-ACFB-4F44-BA93-40F2237C1EEC}" type="slidenum">
               <a:rPr lang="en-US" smtClean="0"/>
               <a:pPr/>
-              <a:t>10</a:t>
+              <a:t>11</a:t>
             </a:fld>
             <a:endParaRPr lang="en-US"/>
           </a:p>
@@ -1443,7 +1444,7 @@
     </p:spTree>
     <p:extLst>
       <p:ext uri="{BB962C8B-B14F-4D97-AF65-F5344CB8AC3E}">
-        <p14:creationId xmlns:p14="http://schemas.microsoft.com/office/powerpoint/2010/main" xmlns="" val="2078330808"/>
+        <p14:creationId xmlns="" xmlns:p14="http://schemas.microsoft.com/office/powerpoint/2010/main" val="2078330808"/>
       </p:ext>
     </p:extLst>
   </p:cSld>
@@ -1519,7 +1520,7 @@
             <a:fld id="{6483879A-ACFB-4F44-BA93-40F2237C1EEC}" type="slidenum">
               <a:rPr lang="en-US" smtClean="0"/>
               <a:pPr/>
-              <a:t>11</a:t>
+              <a:t>12</a:t>
             </a:fld>
             <a:endParaRPr lang="en-US"/>
           </a:p>
@@ -1528,7 +1529,7 @@
     </p:spTree>
     <p:extLst>
       <p:ext uri="{BB962C8B-B14F-4D97-AF65-F5344CB8AC3E}">
-        <p14:creationId xmlns:p14="http://schemas.microsoft.com/office/powerpoint/2010/main" xmlns="" val="2727644080"/>
+        <p14:creationId xmlns="" xmlns:p14="http://schemas.microsoft.com/office/powerpoint/2010/main" val="2727644080"/>
       </p:ext>
     </p:extLst>
   </p:cSld>
@@ -1604,7 +1605,7 @@
             <a:fld id="{6483879A-ACFB-4F44-BA93-40F2237C1EEC}" type="slidenum">
               <a:rPr lang="en-US" smtClean="0"/>
               <a:pPr/>
-              <a:t>13</a:t>
+              <a:t>14</a:t>
             </a:fld>
             <a:endParaRPr lang="en-US"/>
           </a:p>
@@ -1613,7 +1614,7 @@
     </p:spTree>
     <p:extLst>
       <p:ext uri="{BB962C8B-B14F-4D97-AF65-F5344CB8AC3E}">
-        <p14:creationId xmlns:p14="http://schemas.microsoft.com/office/powerpoint/2010/main" xmlns="" val="1266234494"/>
+        <p14:creationId xmlns="" xmlns:p14="http://schemas.microsoft.com/office/powerpoint/2010/main" val="1266234494"/>
       </p:ext>
     </p:extLst>
   </p:cSld>
@@ -1652,7 +1653,7 @@
           <a:blip r:embed="rId2" cstate="print">
             <a:extLst>
               <a:ext uri="{28A0092B-C50C-407E-A947-70E740481C1C}">
-                <a14:useLocalDpi xmlns:a14="http://schemas.microsoft.com/office/drawing/2010/main" xmlns="" val="0"/>
+                <a14:useLocalDpi xmlns="" xmlns:a14="http://schemas.microsoft.com/office/drawing/2010/main" val="0"/>
               </a:ext>
             </a:extLst>
           </a:blip>
@@ -1831,7 +1832,7 @@
     </p:spTree>
     <p:extLst>
       <p:ext uri="{BB962C8B-B14F-4D97-AF65-F5344CB8AC3E}">
-        <p14:creationId xmlns:p14="http://schemas.microsoft.com/office/powerpoint/2010/main" xmlns="" val="2781634679"/>
+        <p14:creationId xmlns="" xmlns:p14="http://schemas.microsoft.com/office/powerpoint/2010/main" val="2781634679"/>
       </p:ext>
     </p:extLst>
   </p:cSld>
@@ -1839,7 +1840,7 @@
     <a:masterClrMapping/>
   </p:clrMapOvr>
   <mc:AlternateContent xmlns:mc="http://schemas.openxmlformats.org/markup-compatibility/2006">
-    <mc:Choice xmlns:p14="http://schemas.microsoft.com/office/powerpoint/2010/main" xmlns="" Requires="p14">
+    <mc:Choice xmlns="" xmlns:p14="http://schemas.microsoft.com/office/powerpoint/2010/main" Requires="p14">
       <p:transition p14:dur="0"/>
     </mc:Choice>
     <mc:Fallback>
@@ -1885,7 +1886,7 @@
           <a:blip r:embed="rId2" cstate="print">
             <a:extLst>
               <a:ext uri="{28A0092B-C50C-407E-A947-70E740481C1C}">
-                <a14:useLocalDpi xmlns:a14="http://schemas.microsoft.com/office/drawing/2010/main" xmlns="" val="0"/>
+                <a14:useLocalDpi xmlns="" xmlns:a14="http://schemas.microsoft.com/office/drawing/2010/main" val="0"/>
               </a:ext>
             </a:extLst>
           </a:blip>
@@ -1944,7 +1945,7 @@
     </p:spTree>
     <p:extLst>
       <p:ext uri="{BB962C8B-B14F-4D97-AF65-F5344CB8AC3E}">
-        <p14:creationId xmlns:p14="http://schemas.microsoft.com/office/powerpoint/2010/main" xmlns="" val="3076526567"/>
+        <p14:creationId xmlns="" xmlns:p14="http://schemas.microsoft.com/office/powerpoint/2010/main" val="3076526567"/>
       </p:ext>
     </p:extLst>
   </p:cSld>
@@ -1952,7 +1953,7 @@
     <a:masterClrMapping/>
   </p:clrMapOvr>
   <mc:AlternateContent xmlns:mc="http://schemas.openxmlformats.org/markup-compatibility/2006">
-    <mc:Choice xmlns:p14="http://schemas.microsoft.com/office/powerpoint/2010/main" xmlns="" Requires="p14">
+    <mc:Choice xmlns="" xmlns:p14="http://schemas.microsoft.com/office/powerpoint/2010/main" Requires="p14">
       <p:transition p14:dur="0"/>
     </mc:Choice>
     <mc:Fallback>
@@ -2064,7 +2065,7 @@
     </p:spTree>
     <p:extLst>
       <p:ext uri="{BB962C8B-B14F-4D97-AF65-F5344CB8AC3E}">
-        <p14:creationId xmlns:p14="http://schemas.microsoft.com/office/powerpoint/2010/main" xmlns="" val="2549443191"/>
+        <p14:creationId xmlns="" xmlns:p14="http://schemas.microsoft.com/office/powerpoint/2010/main" val="2549443191"/>
       </p:ext>
     </p:extLst>
   </p:cSld>
@@ -2072,7 +2073,7 @@
     <a:masterClrMapping/>
   </p:clrMapOvr>
   <mc:AlternateContent xmlns:mc="http://schemas.openxmlformats.org/markup-compatibility/2006">
-    <mc:Choice xmlns:p14="http://schemas.microsoft.com/office/powerpoint/2010/main" xmlns="" Requires="p14">
+    <mc:Choice xmlns="" xmlns:p14="http://schemas.microsoft.com/office/powerpoint/2010/main" Requires="p14">
       <p:transition p14:dur="0"/>
     </mc:Choice>
     <mc:Fallback>
@@ -2109,7 +2110,7 @@
     </p:spTree>
     <p:extLst>
       <p:ext uri="{BB962C8B-B14F-4D97-AF65-F5344CB8AC3E}">
-        <p14:creationId xmlns:p14="http://schemas.microsoft.com/office/powerpoint/2010/main" xmlns="" val="2203047849"/>
+        <p14:creationId xmlns="" xmlns:p14="http://schemas.microsoft.com/office/powerpoint/2010/main" val="2203047849"/>
       </p:ext>
     </p:extLst>
   </p:cSld>
@@ -2117,7 +2118,7 @@
     <a:masterClrMapping/>
   </p:clrMapOvr>
   <mc:AlternateContent xmlns:mc="http://schemas.openxmlformats.org/markup-compatibility/2006">
-    <mc:Choice xmlns:p14="http://schemas.microsoft.com/office/powerpoint/2010/main" xmlns="" Requires="p14">
+    <mc:Choice xmlns="" xmlns:p14="http://schemas.microsoft.com/office/powerpoint/2010/main" Requires="p14">
       <p:transition p14:dur="0"/>
     </mc:Choice>
     <mc:Fallback>
@@ -2216,7 +2217,7 @@
           <a:blip r:embed="rId6" cstate="print">
             <a:extLst>
               <a:ext uri="{28A0092B-C50C-407E-A947-70E740481C1C}">
-                <a14:useLocalDpi xmlns:a14="http://schemas.microsoft.com/office/drawing/2010/main" xmlns="" val="0"/>
+                <a14:useLocalDpi xmlns="" xmlns:a14="http://schemas.microsoft.com/office/drawing/2010/main" val="0"/>
               </a:ext>
             </a:extLst>
           </a:blip>
@@ -2512,7 +2513,7 @@
     </p:spTree>
     <p:extLst>
       <p:ext uri="{BB962C8B-B14F-4D97-AF65-F5344CB8AC3E}">
-        <p14:creationId xmlns:p14="http://schemas.microsoft.com/office/powerpoint/2010/main" xmlns="" val="3441083178"/>
+        <p14:creationId xmlns="" xmlns:p14="http://schemas.microsoft.com/office/powerpoint/2010/main" val="3441083178"/>
       </p:ext>
     </p:extLst>
   </p:cSld>
@@ -2524,7 +2525,7 @@
     <p:sldLayoutId id="2147484041" r:id="rId4"/>
   </p:sldLayoutIdLst>
   <mc:AlternateContent xmlns:mc="http://schemas.openxmlformats.org/markup-compatibility/2006">
-    <mc:Choice xmlns:p14="http://schemas.microsoft.com/office/powerpoint/2010/main" xmlns="" Requires="p14">
+    <mc:Choice xmlns="" xmlns:p14="http://schemas.microsoft.com/office/powerpoint/2010/main" Requires="p14">
       <p:transition p14:dur="0"/>
     </mc:Choice>
     <mc:Fallback>
@@ -3117,7 +3118,7 @@
     </p:spTree>
     <p:extLst>
       <p:ext uri="{BB962C8B-B14F-4D97-AF65-F5344CB8AC3E}">
-        <p14:creationId xmlns:p14="http://schemas.microsoft.com/office/powerpoint/2010/main" xmlns="" val="1904904095"/>
+        <p14:creationId xmlns="" xmlns:p14="http://schemas.microsoft.com/office/powerpoint/2010/main" val="1904904095"/>
       </p:ext>
     </p:extLst>
   </p:cSld>
@@ -3125,7 +3126,7 @@
     <a:masterClrMapping/>
   </p:clrMapOvr>
   <mc:AlternateContent xmlns:mc="http://schemas.openxmlformats.org/markup-compatibility/2006">
-    <mc:Choice xmlns:p14="http://schemas.microsoft.com/office/powerpoint/2010/main" xmlns="" Requires="p14">
+    <mc:Choice xmlns="" xmlns:p14="http://schemas.microsoft.com/office/powerpoint/2010/main" Requires="p14">
       <p:transition p14:dur="0"/>
     </mc:Choice>
     <mc:Fallback>
@@ -3161,12 +3162,12 @@
       </p:grpSpPr>
       <p:sp>
         <p:nvSpPr>
-          <p:cNvPr id="2" name="Title 1"/>
+          <p:cNvPr id="4" name="Titel 3"/>
           <p:cNvSpPr>
             <a:spLocks noGrp="1"/>
           </p:cNvSpPr>
           <p:nvPr>
-            <p:ph type="title"/>
+            <p:ph type="ctrTitle"/>
           </p:nvPr>
         </p:nvSpPr>
         <p:spPr/>
@@ -3176,159 +3177,25 @@
           <a:p>
             <a:r>
               <a:rPr lang="en-US" dirty="0" smtClean="0"/>
-              <a:t>Polyfill </a:t>
-            </a:r>
-            <a:r>
-              <a:rPr lang="en-US" dirty="0"/>
-              <a:t>Approach</a:t>
-            </a:r>
-          </a:p>
-        </p:txBody>
-      </p:sp>
-      <p:sp>
-        <p:nvSpPr>
-          <p:cNvPr id="3" name="Content Placeholder 2"/>
-          <p:cNvSpPr>
-            <a:spLocks noGrp="1"/>
-          </p:cNvSpPr>
-          <p:nvPr>
-            <p:ph idx="1"/>
-          </p:nvPr>
-        </p:nvSpPr>
-        <p:spPr/>
-        <p:txBody>
-          <a:bodyPr/>
-          <a:lstStyle/>
-          <a:p>
-            <a:r>
-              <a:rPr lang="en-US" dirty="0" smtClean="0"/>
-              <a:t>What is Polyfill?</a:t>
-            </a:r>
-          </a:p>
-          <a:p>
-            <a:r>
-              <a:rPr lang="en-US" dirty="0" smtClean="0"/>
-              <a:t>UA requirements:</a:t>
-            </a:r>
-          </a:p>
-          <a:p>
-            <a:pPr lvl="1"/>
-            <a:r>
-              <a:rPr lang="en-US" dirty="0" smtClean="0"/>
-              <a:t>DOM: Polyfill </a:t>
-            </a:r>
-            <a:r>
-              <a:rPr lang="en-US" dirty="0"/>
-              <a:t>Layer </a:t>
-            </a:r>
-            <a:r>
-              <a:rPr lang="en-US" dirty="0" smtClean="0"/>
-              <a:t>must be able to access </a:t>
-            </a:r>
-            <a:r>
-              <a:rPr lang="en-US" dirty="0"/>
-              <a:t>and monitor changes in related DOM </a:t>
-            </a:r>
-            <a:r>
-              <a:rPr lang="en-US" dirty="0" smtClean="0"/>
-              <a:t>elements</a:t>
-            </a:r>
-          </a:p>
-          <a:p>
-            <a:pPr lvl="1"/>
-            <a:r>
-              <a:rPr lang="en-US" dirty="0" smtClean="0"/>
-              <a:t>Events: </a:t>
-            </a:r>
-            <a:r>
-              <a:rPr lang="en-US" dirty="0"/>
-              <a:t>The UA must support registration, firing, and extending UI </a:t>
-            </a:r>
-            <a:r>
-              <a:rPr lang="en-US" dirty="0" smtClean="0"/>
-              <a:t>events</a:t>
-            </a:r>
-          </a:p>
-          <a:p>
-            <a:pPr lvl="1"/>
-            <a:r>
-              <a:rPr lang="en-US" dirty="0" smtClean="0"/>
-              <a:t>CSS: Supporting </a:t>
-            </a:r>
-            <a:r>
-              <a:rPr lang="en-US" dirty="0"/>
-              <a:t>scene management though custom CSS </a:t>
-            </a:r>
-            <a:r>
-              <a:rPr lang="en-US" dirty="0" smtClean="0"/>
-              <a:t>properties</a:t>
-            </a:r>
-          </a:p>
-          <a:p>
-            <a:pPr lvl="1"/>
-            <a:r>
-              <a:rPr lang="en-US" dirty="0"/>
-              <a:t>CSS 3D </a:t>
-            </a:r>
-            <a:r>
-              <a:rPr lang="en-US" dirty="0" smtClean="0"/>
-              <a:t>Transforms: Extending </a:t>
-            </a:r>
-            <a:r>
-              <a:rPr lang="en-US" dirty="0"/>
-              <a:t>for optimal </a:t>
-            </a:r>
-            <a:r>
-              <a:rPr lang="en-US" dirty="0" smtClean="0"/>
-              <a:t>performance</a:t>
-            </a:r>
-          </a:p>
-          <a:p>
-            <a:pPr lvl="1"/>
-            <a:r>
-              <a:rPr lang="en-US" dirty="0" err="1" smtClean="0"/>
-              <a:t>TypedArrays</a:t>
-            </a:r>
-            <a:r>
-              <a:rPr lang="en-US" dirty="0" smtClean="0"/>
-              <a:t>: ...</a:t>
-            </a:r>
-          </a:p>
-          <a:p>
-            <a:pPr lvl="1"/>
-            <a:r>
-              <a:rPr lang="en-US" dirty="0" smtClean="0"/>
-              <a:t>...</a:t>
+              <a:t>Demo</a:t>
             </a:r>
             <a:endParaRPr lang="en-US" dirty="0"/>
           </a:p>
         </p:txBody>
       </p:sp>
     </p:spTree>
-    <p:extLst>
-      <p:ext uri="{BB962C8B-B14F-4D97-AF65-F5344CB8AC3E}">
-        <p14:creationId xmlns:p14="http://schemas.microsoft.com/office/powerpoint/2010/main" xmlns="" val="3200889008"/>
-      </p:ext>
-    </p:extLst>
   </p:cSld>
   <p:clrMapOvr>
     <a:masterClrMapping/>
   </p:clrMapOvr>
   <mc:AlternateContent xmlns:mc="http://schemas.openxmlformats.org/markup-compatibility/2006">
-    <mc:Choice xmlns:p14="http://schemas.microsoft.com/office/powerpoint/2010/main" xmlns="" Requires="p14">
+    <mc:Choice xmlns="" xmlns:p14="http://schemas.microsoft.com/office/powerpoint/2010/main" Requires="p14">
       <p:transition p14:dur="0"/>
     </mc:Choice>
     <mc:Fallback>
       <p:transition/>
     </mc:Fallback>
   </mc:AlternateContent>
-  <p:timing>
-    <p:tnLst>
-      <p:par>
-        <p:cTn id="1" dur="indefinite" restart="never" nodeType="tmRoot"/>
-      </p:par>
-    </p:tnLst>
-  </p:timing>
 </p:sld>
 </file>
 
@@ -3366,53 +3233,138 @@
           <a:p>
             <a:r>
               <a:rPr lang="en-US" dirty="0" smtClean="0"/>
-              <a:t>Proposed Declarative </a:t>
+              <a:t>Polyfill </a:t>
             </a:r>
             <a:r>
               <a:rPr lang="en-US" dirty="0"/>
-              <a:t>3D Polyfill Runtime </a:t>
-            </a:r>
-            <a:r>
-              <a:rPr lang="en-US" dirty="0" smtClean="0"/>
-              <a:t>Architecture</a:t>
+              <a:t>Approach</a:t>
+            </a:r>
+          </a:p>
+        </p:txBody>
+      </p:sp>
+      <p:sp>
+        <p:nvSpPr>
+          <p:cNvPr id="3" name="Content Placeholder 2"/>
+          <p:cNvSpPr>
+            <a:spLocks noGrp="1"/>
+          </p:cNvSpPr>
+          <p:nvPr>
+            <p:ph idx="1"/>
+          </p:nvPr>
+        </p:nvSpPr>
+        <p:spPr/>
+        <p:txBody>
+          <a:bodyPr/>
+          <a:lstStyle/>
+          <a:p>
+            <a:r>
+              <a:rPr lang="en-US" dirty="0" smtClean="0"/>
+              <a:t>What is Polyfill?</a:t>
+            </a:r>
+          </a:p>
+          <a:p>
+            <a:r>
+              <a:rPr lang="en-US" dirty="0" smtClean="0"/>
+              <a:t>UA requirements:</a:t>
+            </a:r>
+          </a:p>
+          <a:p>
+            <a:pPr lvl="1"/>
+            <a:r>
+              <a:rPr lang="en-US" dirty="0" smtClean="0"/>
+              <a:t>DOM: Polyfill </a:t>
+            </a:r>
+            <a:r>
+              <a:rPr lang="en-US" dirty="0"/>
+              <a:t>Layer </a:t>
+            </a:r>
+            <a:r>
+              <a:rPr lang="en-US" dirty="0" smtClean="0"/>
+              <a:t>must be able to access </a:t>
+            </a:r>
+            <a:r>
+              <a:rPr lang="en-US" dirty="0"/>
+              <a:t>and monitor changes in related DOM </a:t>
+            </a:r>
+            <a:r>
+              <a:rPr lang="en-US" dirty="0" smtClean="0"/>
+              <a:t>elements</a:t>
+            </a:r>
+          </a:p>
+          <a:p>
+            <a:pPr lvl="1"/>
+            <a:r>
+              <a:rPr lang="en-US" dirty="0" smtClean="0"/>
+              <a:t>Events: </a:t>
+            </a:r>
+            <a:r>
+              <a:rPr lang="en-US" dirty="0"/>
+              <a:t>The UA must support registration, firing, and extending UI </a:t>
+            </a:r>
+            <a:r>
+              <a:rPr lang="en-US" dirty="0" smtClean="0"/>
+              <a:t>events</a:t>
+            </a:r>
+          </a:p>
+          <a:p>
+            <a:pPr lvl="1"/>
+            <a:r>
+              <a:rPr lang="en-US" dirty="0" smtClean="0"/>
+              <a:t>CSS: Supporting </a:t>
+            </a:r>
+            <a:r>
+              <a:rPr lang="en-US" dirty="0"/>
+              <a:t>scene management though custom CSS </a:t>
+            </a:r>
+            <a:r>
+              <a:rPr lang="en-US" dirty="0" smtClean="0"/>
+              <a:t>properties</a:t>
+            </a:r>
+          </a:p>
+          <a:p>
+            <a:pPr lvl="1"/>
+            <a:r>
+              <a:rPr lang="en-US" dirty="0"/>
+              <a:t>CSS 3D </a:t>
+            </a:r>
+            <a:r>
+              <a:rPr lang="en-US" dirty="0" smtClean="0"/>
+              <a:t>Transforms: Extending </a:t>
+            </a:r>
+            <a:r>
+              <a:rPr lang="en-US" dirty="0"/>
+              <a:t>for optimal </a:t>
+            </a:r>
+            <a:r>
+              <a:rPr lang="en-US" dirty="0" smtClean="0"/>
+              <a:t>performance</a:t>
+            </a:r>
+          </a:p>
+          <a:p>
+            <a:pPr lvl="1"/>
+            <a:r>
+              <a:rPr lang="en-US" dirty="0" err="1" smtClean="0"/>
+              <a:t>TypedArrays</a:t>
+            </a:r>
+            <a:r>
+              <a:rPr lang="en-US" dirty="0" smtClean="0"/>
+              <a:t>: ...</a:t>
+            </a:r>
+          </a:p>
+          <a:p>
+            <a:pPr lvl="1"/>
+            <a:r>
+              <a:rPr lang="en-US" dirty="0" smtClean="0"/>
+              <a:t>...</a:t>
             </a:r>
             <a:endParaRPr lang="en-US" dirty="0"/>
           </a:p>
         </p:txBody>
       </p:sp>
-      <p:pic>
-        <p:nvPicPr>
-          <p:cNvPr id="4" name="Content Placeholder 3"/>
-          <p:cNvPicPr>
-            <a:picLocks noGrp="1" noChangeAspect="1"/>
-          </p:cNvPicPr>
-          <p:nvPr>
-            <p:ph idx="1"/>
-          </p:nvPr>
-        </p:nvPicPr>
-        <p:blipFill>
-          <a:blip r:embed="rId3">
-            <a:extLst>
-              <a:ext uri="{28A0092B-C50C-407E-A947-70E740481C1C}">
-                <a14:useLocalDpi xmlns:a14="http://schemas.microsoft.com/office/drawing/2010/main" xmlns="" val="0"/>
-              </a:ext>
-            </a:extLst>
-          </a:blip>
-          <a:stretch>
-            <a:fillRect/>
-          </a:stretch>
-        </p:blipFill>
-        <p:spPr>
-          <a:xfrm>
-            <a:off x="1235013" y="1749425"/>
-            <a:ext cx="6613649" cy="4344988"/>
-          </a:xfrm>
-        </p:spPr>
-      </p:pic>
     </p:spTree>
     <p:extLst>
       <p:ext uri="{BB962C8B-B14F-4D97-AF65-F5344CB8AC3E}">
-        <p14:creationId xmlns:p14="http://schemas.microsoft.com/office/powerpoint/2010/main" xmlns="" val="922523166"/>
+        <p14:creationId xmlns="" xmlns:p14="http://schemas.microsoft.com/office/powerpoint/2010/main" val="3200889008"/>
       </p:ext>
     </p:extLst>
   </p:cSld>
@@ -3420,7 +3372,7 @@
     <a:masterClrMapping/>
   </p:clrMapOvr>
   <mc:AlternateContent xmlns:mc="http://schemas.openxmlformats.org/markup-compatibility/2006">
-    <mc:Choice xmlns:p14="http://schemas.microsoft.com/office/powerpoint/2010/main" xmlns="" Requires="p14">
+    <mc:Choice xmlns="" xmlns:p14="http://schemas.microsoft.com/office/powerpoint/2010/main" Requires="p14">
       <p:transition p14:dur="0"/>
     </mc:Choice>
     <mc:Fallback>
@@ -3461,7 +3413,7 @@
             <a:spLocks noGrp="1"/>
           </p:cNvSpPr>
           <p:nvPr>
-            <p:ph type="ctrTitle"/>
+            <p:ph type="title"/>
           </p:nvPr>
         </p:nvSpPr>
         <p:spPr/>
@@ -3470,16 +3422,54 @@
           <a:lstStyle/>
           <a:p>
             <a:r>
+              <a:rPr lang="en-US" dirty="0" smtClean="0"/>
+              <a:t>Proposed Declarative </a:t>
+            </a:r>
+            <a:r>
               <a:rPr lang="en-US" dirty="0"/>
-              <a:t>Declarative 3D Agenda</a:t>
-            </a:r>
-          </a:p>
-        </p:txBody>
-      </p:sp>
+              <a:t>3D Polyfill Runtime </a:t>
+            </a:r>
+            <a:r>
+              <a:rPr lang="en-US" dirty="0" smtClean="0"/>
+              <a:t>Architecture</a:t>
+            </a:r>
+            <a:endParaRPr lang="en-US" dirty="0"/>
+          </a:p>
+        </p:txBody>
+      </p:sp>
+      <p:pic>
+        <p:nvPicPr>
+          <p:cNvPr id="4" name="Content Placeholder 3"/>
+          <p:cNvPicPr>
+            <a:picLocks noGrp="1" noChangeAspect="1"/>
+          </p:cNvPicPr>
+          <p:nvPr>
+            <p:ph idx="1"/>
+          </p:nvPr>
+        </p:nvPicPr>
+        <p:blipFill>
+          <a:blip r:embed="rId3">
+            <a:extLst>
+              <a:ext uri="{28A0092B-C50C-407E-A947-70E740481C1C}">
+                <a14:useLocalDpi xmlns="" xmlns:a14="http://schemas.microsoft.com/office/drawing/2010/main" val="0"/>
+              </a:ext>
+            </a:extLst>
+          </a:blip>
+          <a:stretch>
+            <a:fillRect/>
+          </a:stretch>
+        </p:blipFill>
+        <p:spPr>
+          <a:xfrm>
+            <a:off x="1235013" y="1749425"/>
+            <a:ext cx="6613649" cy="4344988"/>
+          </a:xfrm>
+        </p:spPr>
+      </p:pic>
     </p:spTree>
     <p:extLst>
       <p:ext uri="{BB962C8B-B14F-4D97-AF65-F5344CB8AC3E}">
-        <p14:creationId xmlns:p14="http://schemas.microsoft.com/office/powerpoint/2010/main" xmlns="" val="4102748782"/>
+        <p14:creationId xmlns="" xmlns:p14="http://schemas.microsoft.com/office/powerpoint/2010/main" val="922523166"/>
       </p:ext>
     </p:extLst>
   </p:cSld>
@@ -3487,7 +3477,7 @@
     <a:masterClrMapping/>
   </p:clrMapOvr>
   <mc:AlternateContent xmlns:mc="http://schemas.openxmlformats.org/markup-compatibility/2006">
-    <mc:Choice xmlns:p14="http://schemas.microsoft.com/office/powerpoint/2010/main" xmlns="" Requires="p14">
+    <mc:Choice xmlns="" xmlns:p14="http://schemas.microsoft.com/office/powerpoint/2010/main" Requires="p14">
       <p:transition p14:dur="0"/>
     </mc:Choice>
     <mc:Fallback>
@@ -3528,7 +3518,7 @@
             <a:spLocks noGrp="1"/>
           </p:cNvSpPr>
           <p:nvPr>
-            <p:ph type="title"/>
+            <p:ph type="ctrTitle"/>
           </p:nvPr>
         </p:nvSpPr>
         <p:spPr/>
@@ -3539,84 +3529,6 @@
             <a:r>
               <a:rPr lang="en-US" dirty="0"/>
               <a:t>Declarative 3D Agenda</a:t>
-            </a:r>
-          </a:p>
-        </p:txBody>
-      </p:sp>
-      <p:sp>
-        <p:nvSpPr>
-          <p:cNvPr id="3" name="Content Placeholder 2"/>
-          <p:cNvSpPr>
-            <a:spLocks noGrp="1"/>
-          </p:cNvSpPr>
-          <p:nvPr>
-            <p:ph idx="1"/>
-          </p:nvPr>
-        </p:nvSpPr>
-        <p:spPr/>
-        <p:txBody>
-          <a:bodyPr/>
-          <a:lstStyle/>
-          <a:p>
-            <a:r>
-              <a:rPr lang="en-US" dirty="0"/>
-              <a:t>Encourage </a:t>
-            </a:r>
-            <a:r>
-              <a:rPr lang="en-US" dirty="0" smtClean="0"/>
-              <a:t>Participation</a:t>
-            </a:r>
-          </a:p>
-          <a:p>
-            <a:r>
-              <a:rPr lang="en-US" dirty="0" smtClean="0"/>
-              <a:t>Clear </a:t>
-            </a:r>
-            <a:r>
-              <a:rPr lang="en-US" dirty="0"/>
-              <a:t>Definition of Use Cases and </a:t>
-            </a:r>
-            <a:r>
-              <a:rPr lang="en-US" dirty="0" smtClean="0"/>
-              <a:t>Requirements</a:t>
-            </a:r>
-          </a:p>
-          <a:p>
-            <a:r>
-              <a:rPr lang="en-US" dirty="0" smtClean="0"/>
-              <a:t>Clear </a:t>
-            </a:r>
-            <a:r>
-              <a:rPr lang="en-US" dirty="0"/>
-              <a:t>Technical </a:t>
-            </a:r>
-            <a:r>
-              <a:rPr lang="en-US" dirty="0" smtClean="0"/>
-              <a:t>Specification</a:t>
-            </a:r>
-          </a:p>
-          <a:p>
-            <a:r>
-              <a:rPr lang="en-US" dirty="0" smtClean="0"/>
-              <a:t>Outreach </a:t>
-            </a:r>
-            <a:r>
-              <a:rPr lang="en-US" dirty="0"/>
-              <a:t>and Exemplar </a:t>
-            </a:r>
-            <a:r>
-              <a:rPr lang="en-US" dirty="0" smtClean="0"/>
-              <a:t>Applications</a:t>
-            </a:r>
-          </a:p>
-          <a:p>
-            <a:r>
-              <a:rPr lang="en-US" dirty="0" smtClean="0"/>
-              <a:t>W3C </a:t>
-            </a:r>
-            <a:r>
-              <a:rPr lang="en-US" dirty="0"/>
-              <a:t>Working Group Proposal</a:t>
             </a:r>
           </a:p>
         </p:txBody>
@@ -3624,7 +3536,7 @@
     </p:spTree>
     <p:extLst>
       <p:ext uri="{BB962C8B-B14F-4D97-AF65-F5344CB8AC3E}">
-        <p14:creationId xmlns:p14="http://schemas.microsoft.com/office/powerpoint/2010/main" xmlns="" val="997690693"/>
+        <p14:creationId xmlns="" xmlns:p14="http://schemas.microsoft.com/office/powerpoint/2010/main" val="4102748782"/>
       </p:ext>
     </p:extLst>
   </p:cSld>
@@ -3632,7 +3544,152 @@
     <a:masterClrMapping/>
   </p:clrMapOvr>
   <mc:AlternateContent xmlns:mc="http://schemas.openxmlformats.org/markup-compatibility/2006">
-    <mc:Choice xmlns:p14="http://schemas.microsoft.com/office/powerpoint/2010/main" xmlns="" Requires="p14">
+    <mc:Choice xmlns="" xmlns:p14="http://schemas.microsoft.com/office/powerpoint/2010/main" Requires="p14">
+      <p:transition p14:dur="0"/>
+    </mc:Choice>
+    <mc:Fallback>
+      <p:transition/>
+    </mc:Fallback>
+  </mc:AlternateContent>
+  <p:timing>
+    <p:tnLst>
+      <p:par>
+        <p:cTn id="1" dur="indefinite" restart="never" nodeType="tmRoot"/>
+      </p:par>
+    </p:tnLst>
+  </p:timing>
+</p:sld>
+</file>
+
+<file path=ppt/slides/slide14.xml><?xml version="1.0" encoding="utf-8"?>
+<p:sld xmlns:a="http://schemas.openxmlformats.org/drawingml/2006/main" xmlns:r="http://schemas.openxmlformats.org/officeDocument/2006/relationships" xmlns:p="http://schemas.openxmlformats.org/presentationml/2006/main">
+  <p:cSld>
+    <p:spTree>
+      <p:nvGrpSpPr>
+        <p:cNvPr id="1" name=""/>
+        <p:cNvGrpSpPr/>
+        <p:nvPr/>
+      </p:nvGrpSpPr>
+      <p:grpSpPr>
+        <a:xfrm>
+          <a:off x="0" y="0"/>
+          <a:ext cx="0" cy="0"/>
+          <a:chOff x="0" y="0"/>
+          <a:chExt cx="0" cy="0"/>
+        </a:xfrm>
+      </p:grpSpPr>
+      <p:sp>
+        <p:nvSpPr>
+          <p:cNvPr id="2" name="Title 1"/>
+          <p:cNvSpPr>
+            <a:spLocks noGrp="1"/>
+          </p:cNvSpPr>
+          <p:nvPr>
+            <p:ph type="title"/>
+          </p:nvPr>
+        </p:nvSpPr>
+        <p:spPr/>
+        <p:txBody>
+          <a:bodyPr/>
+          <a:lstStyle/>
+          <a:p>
+            <a:r>
+              <a:rPr lang="en-US" dirty="0"/>
+              <a:t>Declarative 3D Agenda</a:t>
+            </a:r>
+          </a:p>
+        </p:txBody>
+      </p:sp>
+      <p:sp>
+        <p:nvSpPr>
+          <p:cNvPr id="3" name="Content Placeholder 2"/>
+          <p:cNvSpPr>
+            <a:spLocks noGrp="1"/>
+          </p:cNvSpPr>
+          <p:nvPr>
+            <p:ph idx="1"/>
+          </p:nvPr>
+        </p:nvSpPr>
+        <p:spPr/>
+        <p:txBody>
+          <a:bodyPr/>
+          <a:lstStyle/>
+          <a:p>
+            <a:r>
+              <a:rPr lang="en-US" dirty="0"/>
+              <a:t>Encourage </a:t>
+            </a:r>
+            <a:r>
+              <a:rPr lang="en-US" dirty="0" smtClean="0"/>
+              <a:t>Participation</a:t>
+            </a:r>
+          </a:p>
+          <a:p>
+            <a:r>
+              <a:rPr lang="en-US" dirty="0" smtClean="0"/>
+              <a:t>Clear </a:t>
+            </a:r>
+            <a:r>
+              <a:rPr lang="en-US" dirty="0"/>
+              <a:t>Definition of Use Cases and </a:t>
+            </a:r>
+            <a:r>
+              <a:rPr lang="en-US" dirty="0" smtClean="0"/>
+              <a:t>Requirements</a:t>
+            </a:r>
+          </a:p>
+          <a:p>
+            <a:r>
+              <a:rPr lang="en-US" dirty="0" smtClean="0"/>
+              <a:t>Clear </a:t>
+            </a:r>
+            <a:r>
+              <a:rPr lang="en-US" dirty="0"/>
+              <a:t>Technical </a:t>
+            </a:r>
+            <a:r>
+              <a:rPr lang="en-US" dirty="0" smtClean="0"/>
+              <a:t>Specification</a:t>
+            </a:r>
+          </a:p>
+          <a:p>
+            <a:r>
+              <a:rPr lang="en-US" dirty="0" smtClean="0"/>
+              <a:t>Outreach </a:t>
+            </a:r>
+            <a:r>
+              <a:rPr lang="en-US" dirty="0"/>
+              <a:t>and Exemplar </a:t>
+            </a:r>
+            <a:r>
+              <a:rPr lang="en-US" dirty="0" smtClean="0"/>
+              <a:t>Applications</a:t>
+            </a:r>
+          </a:p>
+          <a:p>
+            <a:r>
+              <a:rPr lang="en-US" dirty="0" smtClean="0"/>
+              <a:t>W3C </a:t>
+            </a:r>
+            <a:r>
+              <a:rPr lang="en-US" dirty="0"/>
+              <a:t>Working Group Proposal</a:t>
+            </a:r>
+          </a:p>
+        </p:txBody>
+      </p:sp>
+    </p:spTree>
+    <p:extLst>
+      <p:ext uri="{BB962C8B-B14F-4D97-AF65-F5344CB8AC3E}">
+        <p14:creationId xmlns="" xmlns:p14="http://schemas.microsoft.com/office/powerpoint/2010/main" val="997690693"/>
+      </p:ext>
+    </p:extLst>
+  </p:cSld>
+  <p:clrMapOvr>
+    <a:masterClrMapping/>
+  </p:clrMapOvr>
+  <mc:AlternateContent xmlns:mc="http://schemas.openxmlformats.org/markup-compatibility/2006">
+    <mc:Choice xmlns="" xmlns:p14="http://schemas.microsoft.com/office/powerpoint/2010/main" Requires="p14">
       <p:transition p14:dur="0"/>
     </mc:Choice>
     <mc:Fallback>
@@ -3917,74 +3974,6 @@
 </p:sld>
 </file>
 
-<file path=ppt/slides/slide14.xml><?xml version="1.0" encoding="utf-8"?>
-<p:sld xmlns:a="http://schemas.openxmlformats.org/drawingml/2006/main" xmlns:r="http://schemas.openxmlformats.org/officeDocument/2006/relationships" xmlns:p="http://schemas.openxmlformats.org/presentationml/2006/main">
-  <p:cSld>
-    <p:spTree>
-      <p:nvGrpSpPr>
-        <p:cNvPr id="1" name=""/>
-        <p:cNvGrpSpPr/>
-        <p:nvPr/>
-      </p:nvGrpSpPr>
-      <p:grpSpPr>
-        <a:xfrm>
-          <a:off x="0" y="0"/>
-          <a:ext cx="0" cy="0"/>
-          <a:chOff x="0" y="0"/>
-          <a:chExt cx="0" cy="0"/>
-        </a:xfrm>
-      </p:grpSpPr>
-      <p:sp>
-        <p:nvSpPr>
-          <p:cNvPr id="5" name="Title 4"/>
-          <p:cNvSpPr>
-            <a:spLocks noGrp="1"/>
-          </p:cNvSpPr>
-          <p:nvPr>
-            <p:ph type="ctrTitle"/>
-          </p:nvPr>
-        </p:nvSpPr>
-        <p:spPr/>
-        <p:txBody>
-          <a:bodyPr/>
-          <a:lstStyle/>
-          <a:p>
-            <a:r>
-              <a:rPr lang="en-US" dirty="0" smtClean="0"/>
-              <a:t>Conclusions</a:t>
-            </a:r>
-            <a:endParaRPr lang="en-US" dirty="0"/>
-          </a:p>
-        </p:txBody>
-      </p:sp>
-    </p:spTree>
-    <p:extLst>
-      <p:ext uri="{BB962C8B-B14F-4D97-AF65-F5344CB8AC3E}">
-        <p14:creationId xmlns:p14="http://schemas.microsoft.com/office/powerpoint/2010/main" xmlns="" val="2874016700"/>
-      </p:ext>
-    </p:extLst>
-  </p:cSld>
-  <p:clrMapOvr>
-    <a:masterClrMapping/>
-  </p:clrMapOvr>
-  <mc:AlternateContent xmlns:mc="http://schemas.openxmlformats.org/markup-compatibility/2006">
-    <mc:Choice xmlns:p14="http://schemas.microsoft.com/office/powerpoint/2010/main" xmlns="" Requires="p14">
-      <p:transition p14:dur="0"/>
-    </mc:Choice>
-    <mc:Fallback>
-      <p:transition/>
-    </mc:Fallback>
-  </mc:AlternateContent>
-  <p:timing>
-    <p:tnLst>
-      <p:par>
-        <p:cTn id="1" dur="indefinite" restart="never" nodeType="tmRoot"/>
-      </p:par>
-    </p:tnLst>
-  </p:timing>
-</p:sld>
-</file>
-
 <file path=ppt/slides/slide15.xml><?xml version="1.0" encoding="utf-8"?>
 <p:sld xmlns:a="http://schemas.openxmlformats.org/drawingml/2006/main" xmlns:r="http://schemas.openxmlformats.org/officeDocument/2006/relationships" xmlns:p="http://schemas.openxmlformats.org/presentationml/2006/main">
   <p:cSld>
@@ -4004,6 +3993,74 @@
       </p:grpSpPr>
       <p:sp>
         <p:nvSpPr>
+          <p:cNvPr id="5" name="Title 4"/>
+          <p:cNvSpPr>
+            <a:spLocks noGrp="1"/>
+          </p:cNvSpPr>
+          <p:nvPr>
+            <p:ph type="ctrTitle"/>
+          </p:nvPr>
+        </p:nvSpPr>
+        <p:spPr/>
+        <p:txBody>
+          <a:bodyPr/>
+          <a:lstStyle/>
+          <a:p>
+            <a:r>
+              <a:rPr lang="en-US" dirty="0" smtClean="0"/>
+              <a:t>Conclusions</a:t>
+            </a:r>
+            <a:endParaRPr lang="en-US" dirty="0"/>
+          </a:p>
+        </p:txBody>
+      </p:sp>
+    </p:spTree>
+    <p:extLst>
+      <p:ext uri="{BB962C8B-B14F-4D97-AF65-F5344CB8AC3E}">
+        <p14:creationId xmlns="" xmlns:p14="http://schemas.microsoft.com/office/powerpoint/2010/main" val="2874016700"/>
+      </p:ext>
+    </p:extLst>
+  </p:cSld>
+  <p:clrMapOvr>
+    <a:masterClrMapping/>
+  </p:clrMapOvr>
+  <mc:AlternateContent xmlns:mc="http://schemas.openxmlformats.org/markup-compatibility/2006">
+    <mc:Choice xmlns="" xmlns:p14="http://schemas.microsoft.com/office/powerpoint/2010/main" Requires="p14">
+      <p:transition p14:dur="0"/>
+    </mc:Choice>
+    <mc:Fallback>
+      <p:transition/>
+    </mc:Fallback>
+  </mc:AlternateContent>
+  <p:timing>
+    <p:tnLst>
+      <p:par>
+        <p:cTn id="1" dur="indefinite" restart="never" nodeType="tmRoot"/>
+      </p:par>
+    </p:tnLst>
+  </p:timing>
+</p:sld>
+</file>
+
+<file path=ppt/slides/slide16.xml><?xml version="1.0" encoding="utf-8"?>
+<p:sld xmlns:a="http://schemas.openxmlformats.org/drawingml/2006/main" xmlns:r="http://schemas.openxmlformats.org/officeDocument/2006/relationships" xmlns:p="http://schemas.openxmlformats.org/presentationml/2006/main">
+  <p:cSld>
+    <p:spTree>
+      <p:nvGrpSpPr>
+        <p:cNvPr id="1" name=""/>
+        <p:cNvGrpSpPr/>
+        <p:nvPr/>
+      </p:nvGrpSpPr>
+      <p:grpSpPr>
+        <a:xfrm>
+          <a:off x="0" y="0"/>
+          <a:ext cx="0" cy="0"/>
+          <a:chOff x="0" y="0"/>
+          <a:chExt cx="0" cy="0"/>
+        </a:xfrm>
+      </p:grpSpPr>
+      <p:sp>
+        <p:nvSpPr>
           <p:cNvPr id="2" name="Title 1"/>
           <p:cNvSpPr>
             <a:spLocks noGrp="1"/>
@@ -4177,7 +4234,7 @@
     </p:spTree>
     <p:extLst>
       <p:ext uri="{BB962C8B-B14F-4D97-AF65-F5344CB8AC3E}">
-        <p14:creationId xmlns:p14="http://schemas.microsoft.com/office/powerpoint/2010/main" xmlns="" val="18305828"/>
+        <p14:creationId xmlns="" xmlns:p14="http://schemas.microsoft.com/office/powerpoint/2010/main" val="18305828"/>
       </p:ext>
     </p:extLst>
   </p:cSld>
@@ -4185,7 +4242,7 @@
     <a:masterClrMapping/>
   </p:clrMapOvr>
   <mc:AlternateContent xmlns:mc="http://schemas.openxmlformats.org/markup-compatibility/2006">
-    <mc:Choice xmlns:p14="http://schemas.microsoft.com/office/powerpoint/2010/main" xmlns="" Requires="p14">
+    <mc:Choice xmlns="" xmlns:p14="http://schemas.microsoft.com/office/powerpoint/2010/main" Requires="p14">
       <p:transition p14:dur="0"/>
     </mc:Choice>
     <mc:Fallback>
@@ -4256,7 +4313,7 @@
           <a:blip r:embed="rId2">
             <a:extLst>
               <a:ext uri="{28A0092B-C50C-407E-A947-70E740481C1C}">
-                <a14:useLocalDpi xmlns:a14="http://schemas.microsoft.com/office/drawing/2010/main" xmlns="" val="0"/>
+                <a14:useLocalDpi xmlns="" xmlns:a14="http://schemas.microsoft.com/office/drawing/2010/main" val="0"/>
               </a:ext>
             </a:extLst>
           </a:blip>
@@ -4274,7 +4331,7 @@
     </p:spTree>
     <p:extLst>
       <p:ext uri="{BB962C8B-B14F-4D97-AF65-F5344CB8AC3E}">
-        <p14:creationId xmlns:p14="http://schemas.microsoft.com/office/powerpoint/2010/main" xmlns="" val="520086239"/>
+        <p14:creationId xmlns="" xmlns:p14="http://schemas.microsoft.com/office/powerpoint/2010/main" val="520086239"/>
       </p:ext>
     </p:extLst>
   </p:cSld>
@@ -4282,7 +4339,7 @@
     <a:masterClrMapping/>
   </p:clrMapOvr>
   <mc:AlternateContent xmlns:mc="http://schemas.openxmlformats.org/markup-compatibility/2006">
-    <mc:Choice xmlns:p14="http://schemas.microsoft.com/office/powerpoint/2010/main" xmlns="" Requires="p14">
+    <mc:Choice xmlns="" xmlns:p14="http://schemas.microsoft.com/office/powerpoint/2010/main" Requires="p14">
       <p:transition p14:dur="0"/>
     </mc:Choice>
     <mc:Fallback>
@@ -4448,7 +4505,7 @@
     </p:spTree>
     <p:extLst>
       <p:ext uri="{BB962C8B-B14F-4D97-AF65-F5344CB8AC3E}">
-        <p14:creationId xmlns:p14="http://schemas.microsoft.com/office/powerpoint/2010/main" xmlns="" val="3481554853"/>
+        <p14:creationId xmlns="" xmlns:p14="http://schemas.microsoft.com/office/powerpoint/2010/main" val="3481554853"/>
       </p:ext>
     </p:extLst>
   </p:cSld>
@@ -4456,7 +4513,7 @@
     <a:masterClrMapping/>
   </p:clrMapOvr>
   <mc:AlternateContent xmlns:mc="http://schemas.openxmlformats.org/markup-compatibility/2006">
-    <mc:Choice xmlns:p14="http://schemas.microsoft.com/office/powerpoint/2010/main" xmlns="" Requires="p14">
+    <mc:Choice xmlns="" xmlns:p14="http://schemas.microsoft.com/office/powerpoint/2010/main" Requires="p14">
       <p:transition p14:dur="0"/>
     </mc:Choice>
     <mc:Fallback>
@@ -4523,7 +4580,7 @@
     </p:spTree>
     <p:extLst>
       <p:ext uri="{BB962C8B-B14F-4D97-AF65-F5344CB8AC3E}">
-        <p14:creationId xmlns:p14="http://schemas.microsoft.com/office/powerpoint/2010/main" xmlns="" val="684588227"/>
+        <p14:creationId xmlns="" xmlns:p14="http://schemas.microsoft.com/office/powerpoint/2010/main" val="684588227"/>
       </p:ext>
     </p:extLst>
   </p:cSld>
@@ -4531,7 +4588,7 @@
     <a:masterClrMapping/>
   </p:clrMapOvr>
   <mc:AlternateContent xmlns:mc="http://schemas.openxmlformats.org/markup-compatibility/2006">
-    <mc:Choice xmlns:p14="http://schemas.microsoft.com/office/powerpoint/2010/main" xmlns="" Requires="p14">
+    <mc:Choice xmlns="" xmlns:p14="http://schemas.microsoft.com/office/powerpoint/2010/main" Requires="p14">
       <p:transition p14:dur="0"/>
     </mc:Choice>
     <mc:Fallback>
@@ -4714,7 +4771,7 @@
     </p:spTree>
     <p:extLst>
       <p:ext uri="{BB962C8B-B14F-4D97-AF65-F5344CB8AC3E}">
-        <p14:creationId xmlns:p14="http://schemas.microsoft.com/office/powerpoint/2010/main" xmlns="" val="2771929985"/>
+        <p14:creationId xmlns="" xmlns:p14="http://schemas.microsoft.com/office/powerpoint/2010/main" val="2771929985"/>
       </p:ext>
     </p:extLst>
   </p:cSld>
@@ -4722,7 +4779,7 @@
     <a:masterClrMapping/>
   </p:clrMapOvr>
   <mc:AlternateContent xmlns:mc="http://schemas.openxmlformats.org/markup-compatibility/2006">
-    <mc:Choice xmlns:p14="http://schemas.microsoft.com/office/powerpoint/2010/main" xmlns="" Requires="p14">
+    <mc:Choice xmlns="" xmlns:p14="http://schemas.microsoft.com/office/powerpoint/2010/main" Requires="p14">
       <p:transition p14:dur="0"/>
     </mc:Choice>
     <mc:Fallback>
@@ -5245,7 +5302,7 @@
     </p:spTree>
     <p:extLst>
       <p:ext uri="{BB962C8B-B14F-4D97-AF65-F5344CB8AC3E}">
-        <p14:creationId xmlns:p14="http://schemas.microsoft.com/office/powerpoint/2010/main" xmlns="" val="3997840176"/>
+        <p14:creationId xmlns="" xmlns:p14="http://schemas.microsoft.com/office/powerpoint/2010/main" val="3997840176"/>
       </p:ext>
     </p:extLst>
   </p:cSld>
@@ -5253,7 +5310,7 @@
     <a:masterClrMapping/>
   </p:clrMapOvr>
   <mc:AlternateContent xmlns:mc="http://schemas.openxmlformats.org/markup-compatibility/2006">
-    <mc:Choice xmlns:p14="http://schemas.microsoft.com/office/powerpoint/2010/main" xmlns="" Requires="p14">
+    <mc:Choice xmlns="" xmlns:p14="http://schemas.microsoft.com/office/powerpoint/2010/main" Requires="p14">
       <p:transition p14:dur="0"/>
     </mc:Choice>
     <mc:Fallback>
@@ -5360,7 +5417,6 @@
               <a:rPr lang="en-US" dirty="0" smtClean="0"/>
               <a:t>Designed from scratch</a:t>
             </a:r>
-            <a:endParaRPr lang="en-US" dirty="0" smtClean="0"/>
           </a:p>
           <a:p>
             <a:pPr lvl="1"/>
@@ -5415,7 +5471,7 @@
     </p:spTree>
     <p:extLst>
       <p:ext uri="{BB962C8B-B14F-4D97-AF65-F5344CB8AC3E}">
-        <p14:creationId xmlns:p14="http://schemas.microsoft.com/office/powerpoint/2010/main" xmlns="" val="1869452409"/>
+        <p14:creationId xmlns="" xmlns:p14="http://schemas.microsoft.com/office/powerpoint/2010/main" val="1869452409"/>
       </p:ext>
     </p:extLst>
   </p:cSld>
@@ -5423,7 +5479,7 @@
     <a:masterClrMapping/>
   </p:clrMapOvr>
   <mc:AlternateContent xmlns:mc="http://schemas.openxmlformats.org/markup-compatibility/2006">
-    <mc:Choice xmlns:p14="http://schemas.microsoft.com/office/powerpoint/2010/main" xmlns="" Requires="p14">
+    <mc:Choice xmlns="" xmlns:p14="http://schemas.microsoft.com/office/powerpoint/2010/main" Requires="p14">
       <p:transition p14:dur="0"/>
     </mc:Choice>
     <mc:Fallback>
@@ -5603,13 +5659,7 @@
               <a:rPr lang="en-US" dirty="0" smtClean="0">
                 <a:latin typeface="Consolas" pitchFamily="49" charset="0"/>
               </a:rPr>
-              <a:t>   &lt;</a:t>
-            </a:r>
-            <a:r>
-              <a:rPr lang="en-US" dirty="0" smtClean="0">
-                <a:latin typeface="Consolas" pitchFamily="49" charset="0"/>
-              </a:rPr>
-              <a:t>dec3d style="border: 1px solid black;"&gt;</a:t>
+              <a:t>   &lt;dec3d style="border: 1px solid black;"&gt;</a:t>
             </a:r>
           </a:p>
           <a:p>
@@ -5651,36 +5701,21 @@
               </a:rPr>
               <a:t>        ...</a:t>
             </a:r>
-            <a:endParaRPr lang="en-US" dirty="0" smtClean="0">
-              <a:latin typeface="Consolas" pitchFamily="49" charset="0"/>
-            </a:endParaRPr>
           </a:p>
           <a:p>
             <a:r>
               <a:rPr lang="en-US" dirty="0" smtClean="0">
                 <a:latin typeface="Consolas" pitchFamily="49" charset="0"/>
               </a:rPr>
-              <a:t>     &lt;/</a:t>
-            </a:r>
+              <a:t>     &lt;/div&gt;</a:t>
+            </a:r>
+          </a:p>
+          <a:p>
             <a:r>
               <a:rPr lang="en-US" dirty="0" smtClean="0">
                 <a:latin typeface="Consolas" pitchFamily="49" charset="0"/>
               </a:rPr>
-              <a:t>div&gt;</a:t>
-            </a:r>
-          </a:p>
-          <a:p>
-            <a:r>
-              <a:rPr lang="en-US" dirty="0" smtClean="0">
-                <a:latin typeface="Consolas" pitchFamily="49" charset="0"/>
-              </a:rPr>
-              <a:t>   &lt;/</a:t>
-            </a:r>
-            <a:r>
-              <a:rPr lang="en-US" dirty="0" smtClean="0">
-                <a:latin typeface="Consolas" pitchFamily="49" charset="0"/>
-              </a:rPr>
-              <a:t>dec3d&gt;</a:t>
+              <a:t>   &lt;/dec3d&gt;</a:t>
             </a:r>
           </a:p>
           <a:p>
@@ -5699,7 +5734,7 @@
     </p:spTree>
     <p:extLst>
       <p:ext uri="{BB962C8B-B14F-4D97-AF65-F5344CB8AC3E}">
-        <p14:creationId xmlns:p14="http://schemas.microsoft.com/office/powerpoint/2010/main" xmlns="" val="2220943333"/>
+        <p14:creationId xmlns="" xmlns:p14="http://schemas.microsoft.com/office/powerpoint/2010/main" val="2220943333"/>
       </p:ext>
     </p:extLst>
   </p:cSld>
@@ -5707,7 +5742,7 @@
     <a:masterClrMapping/>
   </p:clrMapOvr>
   <mc:AlternateContent xmlns:mc="http://schemas.openxmlformats.org/markup-compatibility/2006">
-    <mc:Choice xmlns:p14="http://schemas.microsoft.com/office/powerpoint/2010/main" xmlns="" Requires="p14">
+    <mc:Choice xmlns="" xmlns:p14="http://schemas.microsoft.com/office/powerpoint/2010/main" Requires="p14">
       <p:transition p14:dur="0"/>
     </mc:Choice>
     <mc:Fallback>
@@ -5896,7 +5931,7 @@
           <a:blip r:embed="rId3">
             <a:extLst>
               <a:ext uri="{28A0092B-C50C-407E-A947-70E740481C1C}">
-                <a14:useLocalDpi xmlns:a14="http://schemas.microsoft.com/office/drawing/2010/main" xmlns="" val="0"/>
+                <a14:useLocalDpi xmlns="" xmlns:a14="http://schemas.microsoft.com/office/drawing/2010/main" val="0"/>
               </a:ext>
             </a:extLst>
           </a:blip>
@@ -5917,7 +5952,7 @@
     </p:spTree>
     <p:extLst>
       <p:ext uri="{BB962C8B-B14F-4D97-AF65-F5344CB8AC3E}">
-        <p14:creationId xmlns:p14="http://schemas.microsoft.com/office/powerpoint/2010/main" xmlns="" val="2909472201"/>
+        <p14:creationId xmlns="" xmlns:p14="http://schemas.microsoft.com/office/powerpoint/2010/main" val="2909472201"/>
       </p:ext>
     </p:extLst>
   </p:cSld>
@@ -5925,7 +5960,7 @@
     <a:masterClrMapping/>
   </p:clrMapOvr>
   <mc:AlternateContent xmlns:mc="http://schemas.openxmlformats.org/markup-compatibility/2006">
-    <mc:Choice xmlns:p14="http://schemas.microsoft.com/office/powerpoint/2010/main" xmlns="" Requires="p14">
+    <mc:Choice xmlns="" xmlns:p14="http://schemas.microsoft.com/office/powerpoint/2010/main" Requires="p14">
       <p:transition p14:dur="10"/>
     </mc:Choice>
     <mc:Fallback>
@@ -6193,7 +6228,7 @@
   <a:extraClrSchemeLst/>
   <a:extLst>
     <a:ext uri="{05A4C25C-085E-4340-85A3-A5531E510DB2}">
-      <thm15:themeFamily xmlns:thm15="http://schemas.microsoft.com/office/thememl/2012/main" xmlns="" name="STAR" id="{337B15D5-31BB-4D98-9693-879717AF7C82}" vid="{D4FEF77D-C77F-4540-B21B-D1F1542CE16D}"/>
+      <thm15:themeFamily xmlns="" xmlns:thm15="http://schemas.microsoft.com/office/thememl/2012/main" name="STAR" id="{337B15D5-31BB-4D98-9693-879717AF7C82}" vid="{D4FEF77D-C77F-4540-B21B-D1F1542CE16D}"/>
     </a:ext>
   </a:extLst>
 </a:theme>
@@ -6454,7 +6489,7 @@
   <a:extraClrSchemeLst/>
   <a:extLst>
     <a:ext uri="{05A4C25C-085E-4340-85A3-A5531E510DB2}">
-      <thm15:themeFamily xmlns:thm15="http://schemas.microsoft.com/office/thememl/2012/main" xmlns="" name="Office Theme" id="{62F939B6-93AF-4DB8-9C6B-D6C7DFDC589F}" vid="{4A3C46E8-61CC-4603-A589-7422A47A8E4A}"/>
+      <thm15:themeFamily xmlns="" xmlns:thm15="http://schemas.microsoft.com/office/thememl/2012/main" name="Office Theme" id="{62F939B6-93AF-4DB8-9C6B-D6C7DFDC589F}" vid="{4A3C46E8-61CC-4603-A589-7422A47A8E4A}"/>
     </a:ext>
   </a:extLst>
 </a:theme>
@@ -6715,7 +6750,7 @@
   <a:extraClrSchemeLst/>
   <a:extLst>
     <a:ext uri="{05A4C25C-085E-4340-85A3-A5531E510DB2}">
-      <thm15:themeFamily xmlns:thm15="http://schemas.microsoft.com/office/thememl/2012/main" xmlns="" name="Office Theme" id="{62F939B6-93AF-4DB8-9C6B-D6C7DFDC589F}" vid="{4A3C46E8-61CC-4603-A589-7422A47A8E4A}"/>
+      <thm15:themeFamily xmlns="" xmlns:thm15="http://schemas.microsoft.com/office/thememl/2012/main" name="Office Theme" id="{62F939B6-93AF-4DB8-9C6B-D6C7DFDC589F}" vid="{4A3C46E8-61CC-4603-A589-7422A47A8E4A}"/>
     </a:ext>
   </a:extLst>
 </a:theme>

--- a/Web3D2013-Dec3D/Web3D2013Presentation.pptx
+++ b/Web3D2013-Dec3D/Web3D2013Presentation.pptx
@@ -5,10 +5,10 @@
     <p:sldMasterId id="2147484038" r:id="rId1"/>
   </p:sldMasterIdLst>
   <p:notesMasterIdLst>
-    <p:notesMasterId r:id="rId18"/>
+    <p:notesMasterId r:id="rId22"/>
   </p:notesMasterIdLst>
   <p:handoutMasterIdLst>
-    <p:handoutMasterId r:id="rId19"/>
+    <p:handoutMasterId r:id="rId23"/>
   </p:handoutMasterIdLst>
   <p:sldIdLst>
     <p:sldId id="256" r:id="rId2"/>
@@ -17,16 +17,20 @@
     <p:sldId id="304" r:id="rId5"/>
     <p:sldId id="313" r:id="rId6"/>
     <p:sldId id="308" r:id="rId7"/>
-    <p:sldId id="314" r:id="rId8"/>
-    <p:sldId id="318" r:id="rId9"/>
-    <p:sldId id="319" r:id="rId10"/>
-    <p:sldId id="323" r:id="rId11"/>
-    <p:sldId id="320" r:id="rId12"/>
-    <p:sldId id="321" r:id="rId13"/>
-    <p:sldId id="316" r:id="rId14"/>
-    <p:sldId id="317" r:id="rId15"/>
-    <p:sldId id="312" r:id="rId16"/>
-    <p:sldId id="315" r:id="rId17"/>
+    <p:sldId id="324" r:id="rId8"/>
+    <p:sldId id="325" r:id="rId9"/>
+    <p:sldId id="326" r:id="rId10"/>
+    <p:sldId id="314" r:id="rId11"/>
+    <p:sldId id="327" r:id="rId12"/>
+    <p:sldId id="318" r:id="rId13"/>
+    <p:sldId id="319" r:id="rId14"/>
+    <p:sldId id="323" r:id="rId15"/>
+    <p:sldId id="320" r:id="rId16"/>
+    <p:sldId id="321" r:id="rId17"/>
+    <p:sldId id="316" r:id="rId18"/>
+    <p:sldId id="317" r:id="rId19"/>
+    <p:sldId id="312" r:id="rId20"/>
+    <p:sldId id="315" r:id="rId21"/>
   </p:sldIdLst>
   <p:sldSz cx="9144000" cy="6858000" type="screen4x3"/>
   <p:notesSz cx="6789738" cy="9929813"/>
@@ -822,7 +826,7 @@
             <a:fld id="{6483879A-ACFB-4F44-BA93-40F2237C1EEC}" type="slidenum">
               <a:rPr lang="en-US" smtClean="0"/>
               <a:pPr/>
-              <a:t>15</a:t>
+              <a:t>19</a:t>
             </a:fld>
             <a:endParaRPr lang="en-US"/>
           </a:p>
@@ -907,7 +911,7 @@
             <a:fld id="{6483879A-ACFB-4F44-BA93-40F2237C1EEC}" type="slidenum">
               <a:rPr lang="en-US" smtClean="0"/>
               <a:pPr/>
-              <a:t>16</a:t>
+              <a:t>20</a:t>
             </a:fld>
             <a:endParaRPr lang="en-US"/>
           </a:p>
@@ -1350,7 +1354,7 @@
             <a:fld id="{6483879A-ACFB-4F44-BA93-40F2237C1EEC}" type="slidenum">
               <a:rPr lang="en-US" smtClean="0"/>
               <a:pPr/>
-              <a:t>9</a:t>
+              <a:t>13</a:t>
             </a:fld>
             <a:endParaRPr lang="en-US"/>
           </a:p>
@@ -1435,7 +1439,7 @@
             <a:fld id="{6483879A-ACFB-4F44-BA93-40F2237C1EEC}" type="slidenum">
               <a:rPr lang="en-US" smtClean="0"/>
               <a:pPr/>
-              <a:t>11</a:t>
+              <a:t>15</a:t>
             </a:fld>
             <a:endParaRPr lang="en-US"/>
           </a:p>
@@ -1520,7 +1524,7 @@
             <a:fld id="{6483879A-ACFB-4F44-BA93-40F2237C1EEC}" type="slidenum">
               <a:rPr lang="en-US" smtClean="0"/>
               <a:pPr/>
-              <a:t>12</a:t>
+              <a:t>16</a:t>
             </a:fld>
             <a:endParaRPr lang="en-US"/>
           </a:p>
@@ -1605,7 +1609,7 @@
             <a:fld id="{6483879A-ACFB-4F44-BA93-40F2237C1EEC}" type="slidenum">
               <a:rPr lang="en-US" smtClean="0"/>
               <a:pPr/>
-              <a:t>14</a:t>
+              <a:t>18</a:t>
             </a:fld>
             <a:endParaRPr lang="en-US"/>
           </a:p>
@@ -3162,6 +3166,946 @@
       </p:grpSpPr>
       <p:sp>
         <p:nvSpPr>
+          <p:cNvPr id="2" name="Title 1"/>
+          <p:cNvSpPr>
+            <a:spLocks noGrp="1"/>
+          </p:cNvSpPr>
+          <p:nvPr>
+            <p:ph type="title"/>
+          </p:nvPr>
+        </p:nvSpPr>
+        <p:spPr/>
+        <p:txBody>
+          <a:bodyPr/>
+          <a:lstStyle/>
+          <a:p>
+            <a:r>
+              <a:rPr lang="en-US" dirty="0" smtClean="0"/>
+              <a:t>XML3D</a:t>
+            </a:r>
+            <a:endParaRPr lang="en-US" dirty="0"/>
+          </a:p>
+        </p:txBody>
+      </p:sp>
+      <p:sp>
+        <p:nvSpPr>
+          <p:cNvPr id="3" name="Content Placeholder 2"/>
+          <p:cNvSpPr>
+            <a:spLocks noGrp="1"/>
+          </p:cNvSpPr>
+          <p:nvPr>
+            <p:ph idx="1"/>
+          </p:nvPr>
+        </p:nvSpPr>
+        <p:spPr/>
+        <p:txBody>
+          <a:bodyPr/>
+          <a:lstStyle/>
+          <a:p>
+            <a:r>
+              <a:rPr lang="en-US" dirty="0" smtClean="0"/>
+              <a:t>Designed from scratch</a:t>
+            </a:r>
+          </a:p>
+          <a:p>
+            <a:pPr lvl="1"/>
+            <a:r>
+              <a:rPr lang="en-US" dirty="0" smtClean="0"/>
+              <a:t>Granular data compositing</a:t>
+            </a:r>
+          </a:p>
+          <a:p>
+            <a:pPr lvl="1"/>
+            <a:r>
+              <a:rPr lang="en-US" dirty="0" smtClean="0"/>
+              <a:t>Data structures aligned with VBOs</a:t>
+            </a:r>
+          </a:p>
+          <a:p>
+            <a:pPr lvl="1"/>
+            <a:r>
+              <a:rPr lang="en-US" dirty="0" smtClean="0"/>
+              <a:t>Consistent resource handling, XML3DRepo</a:t>
+            </a:r>
+          </a:p>
+          <a:p>
+            <a:pPr lvl="2"/>
+            <a:r>
+              <a:rPr lang="en-US" dirty="0" smtClean="0"/>
+              <a:t>[</a:t>
+            </a:r>
+            <a:r>
+              <a:rPr lang="en-US" dirty="0" err="1" smtClean="0"/>
+              <a:t>Doboš</a:t>
+            </a:r>
+            <a:r>
+              <a:rPr lang="en-US" dirty="0" smtClean="0"/>
+              <a:t>, Web3D2013]</a:t>
+            </a:r>
+          </a:p>
+          <a:p>
+            <a:r>
+              <a:rPr lang="en-US" dirty="0" smtClean="0"/>
+              <a:t>Integrated dataflow concept (</a:t>
+            </a:r>
+            <a:r>
+              <a:rPr lang="en-US" dirty="0" err="1" smtClean="0"/>
+              <a:t>Xflow</a:t>
+            </a:r>
+            <a:r>
+              <a:rPr lang="en-US" dirty="0" smtClean="0"/>
+              <a:t>)</a:t>
+            </a:r>
+          </a:p>
+          <a:p>
+            <a:pPr lvl="1"/>
+            <a:r>
+              <a:rPr lang="en-US" dirty="0" smtClean="0"/>
+              <a:t>Skeleton animation, Image Processing, Augmented Reality</a:t>
+            </a:r>
+          </a:p>
+          <a:p>
+            <a:pPr lvl="2"/>
+            <a:r>
+              <a:rPr lang="en-US" dirty="0" smtClean="0"/>
+              <a:t>[Klein, Web3D2013]</a:t>
+            </a:r>
+          </a:p>
+          <a:p>
+            <a:pPr lvl="1"/>
+            <a:r>
+              <a:rPr lang="en-US" dirty="0" smtClean="0"/>
+              <a:t>Can be mapped to HW (GPU, River Trail, </a:t>
+            </a:r>
+            <a:r>
+              <a:rPr lang="en-US" dirty="0" err="1" smtClean="0"/>
+              <a:t>WebCL</a:t>
+            </a:r>
+            <a:r>
+              <a:rPr lang="en-US" dirty="0" smtClean="0"/>
+              <a:t>?)</a:t>
+            </a:r>
+          </a:p>
+          <a:p>
+            <a:r>
+              <a:rPr lang="en-US" dirty="0" smtClean="0"/>
+              <a:t>Available on </a:t>
+            </a:r>
+            <a:r>
+              <a:rPr lang="en-US" dirty="0" err="1" smtClean="0"/>
+              <a:t>Github</a:t>
+            </a:r>
+            <a:r>
+              <a:rPr lang="en-US" dirty="0" smtClean="0"/>
+              <a:t>:</a:t>
+            </a:r>
+          </a:p>
+          <a:p>
+            <a:pPr lvl="1"/>
+            <a:r>
+              <a:rPr lang="de-DE" sz="1800" dirty="0" smtClean="0">
+                <a:hlinkClick r:id="rId2"/>
+              </a:rPr>
+              <a:t>https://github.com/xml3d/xml3d.js</a:t>
+            </a:r>
+            <a:endParaRPr lang="en-US" sz="1800" dirty="0" smtClean="0"/>
+          </a:p>
+          <a:p>
+            <a:pPr lvl="1"/>
+            <a:endParaRPr lang="en-US" dirty="0" smtClean="0"/>
+          </a:p>
+        </p:txBody>
+      </p:sp>
+      <p:pic>
+        <p:nvPicPr>
+          <p:cNvPr id="1026" name="Picture 2" descr="S:\repos\xml3drepo\web3d\slides\images\KingsCrossAll4.png"/>
+          <p:cNvPicPr>
+            <a:picLocks noChangeAspect="1" noChangeArrowheads="1"/>
+          </p:cNvPicPr>
+          <p:nvPr/>
+        </p:nvPicPr>
+        <p:blipFill>
+          <a:blip r:embed="rId3" cstate="print"/>
+          <a:srcRect/>
+          <a:stretch>
+            <a:fillRect/>
+          </a:stretch>
+        </p:blipFill>
+        <p:spPr bwMode="auto">
+          <a:xfrm>
+            <a:off x="5677468" y="1824807"/>
+            <a:ext cx="3236365" cy="1820455"/>
+          </a:xfrm>
+          <a:prstGeom prst="rect">
+            <a:avLst/>
+          </a:prstGeom>
+          <a:noFill/>
+        </p:spPr>
+      </p:pic>
+      <p:pic>
+        <p:nvPicPr>
+          <p:cNvPr id="1028" name="Picture 4" descr="https://a248.e.akamai.net/camo.github.com/f1f7d766a628e000fbef205e9defad8aa0cc9f12/687474703a2f2f7777772e786d6c33642e6f72672f786d6c33642f64656d6f732f7468756d62732f61722e6a7067"/>
+          <p:cNvPicPr>
+            <a:picLocks noChangeAspect="1" noChangeArrowheads="1"/>
+          </p:cNvPicPr>
+          <p:nvPr/>
+        </p:nvPicPr>
+        <p:blipFill>
+          <a:blip r:embed="rId4"/>
+          <a:srcRect/>
+          <a:stretch>
+            <a:fillRect/>
+          </a:stretch>
+        </p:blipFill>
+        <p:spPr bwMode="auto">
+          <a:xfrm>
+            <a:off x="7061342" y="4064189"/>
+            <a:ext cx="1828800" cy="1828800"/>
+          </a:xfrm>
+          <a:prstGeom prst="rect">
+            <a:avLst/>
+          </a:prstGeom>
+          <a:noFill/>
+        </p:spPr>
+      </p:pic>
+    </p:spTree>
+    <p:extLst>
+      <p:ext uri="{BB962C8B-B14F-4D97-AF65-F5344CB8AC3E}">
+        <p14:creationId xmlns="" xmlns:p14="http://schemas.microsoft.com/office/powerpoint/2010/main" val="1869452409"/>
+      </p:ext>
+    </p:extLst>
+  </p:cSld>
+  <p:clrMapOvr>
+    <a:masterClrMapping/>
+  </p:clrMapOvr>
+  <mc:AlternateContent xmlns:mc="http://schemas.openxmlformats.org/markup-compatibility/2006">
+    <mc:Choice xmlns="" xmlns:p14="http://schemas.microsoft.com/office/powerpoint/2010/main" Requires="p14">
+      <p:transition p14:dur="0"/>
+    </mc:Choice>
+    <mc:Fallback>
+      <p:transition/>
+    </mc:Fallback>
+  </mc:AlternateContent>
+  <p:timing>
+    <p:tnLst>
+      <p:par>
+        <p:cTn id="1" dur="indefinite" restart="never" nodeType="tmRoot"/>
+      </p:par>
+    </p:tnLst>
+  </p:timing>
+</p:sld>
+</file>
+
+<file path=ppt/slides/slide11.xml><?xml version="1.0" encoding="utf-8"?>
+<p:sld xmlns:a="http://schemas.openxmlformats.org/drawingml/2006/main" xmlns:r="http://schemas.openxmlformats.org/officeDocument/2006/relationships" xmlns:p="http://schemas.openxmlformats.org/presentationml/2006/main">
+  <p:cSld>
+    <p:spTree>
+      <p:nvGrpSpPr>
+        <p:cNvPr id="1" name=""/>
+        <p:cNvGrpSpPr/>
+        <p:nvPr/>
+      </p:nvGrpSpPr>
+      <p:grpSpPr>
+        <a:xfrm>
+          <a:off x="0" y="0"/>
+          <a:ext cx="0" cy="0"/>
+          <a:chOff x="0" y="0"/>
+          <a:chExt cx="0" cy="0"/>
+        </a:xfrm>
+      </p:grpSpPr>
+      <p:sp>
+        <p:nvSpPr>
+          <p:cNvPr id="2" name="Title 1"/>
+          <p:cNvSpPr>
+            <a:spLocks noGrp="1"/>
+          </p:cNvSpPr>
+          <p:nvPr>
+            <p:ph type="title"/>
+          </p:nvPr>
+        </p:nvSpPr>
+        <p:spPr/>
+        <p:txBody>
+          <a:bodyPr/>
+          <a:lstStyle/>
+          <a:p>
+            <a:r>
+              <a:rPr lang="en-US" dirty="0" smtClean="0"/>
+              <a:t>XML3D</a:t>
+            </a:r>
+            <a:endParaRPr lang="en-US" dirty="0"/>
+          </a:p>
+        </p:txBody>
+      </p:sp>
+      <p:sp>
+        <p:nvSpPr>
+          <p:cNvPr id="3" name="Content Placeholder 2"/>
+          <p:cNvSpPr>
+            <a:spLocks noGrp="1"/>
+          </p:cNvSpPr>
+          <p:nvPr>
+            <p:ph idx="1"/>
+          </p:nvPr>
+        </p:nvSpPr>
+        <p:spPr/>
+        <p:txBody>
+          <a:bodyPr/>
+          <a:lstStyle/>
+          <a:p>
+            <a:r>
+              <a:rPr lang="en-US" dirty="0" smtClean="0"/>
+              <a:t>Designed from scratch</a:t>
+            </a:r>
+          </a:p>
+          <a:p>
+            <a:pPr lvl="1"/>
+            <a:r>
+              <a:rPr lang="en-US" dirty="0" smtClean="0"/>
+              <a:t>Granular data compositing</a:t>
+            </a:r>
+          </a:p>
+          <a:p>
+            <a:pPr lvl="1"/>
+            <a:r>
+              <a:rPr lang="en-US" dirty="0" smtClean="0"/>
+              <a:t>Data structures aligned with VBOs</a:t>
+            </a:r>
+          </a:p>
+          <a:p>
+            <a:pPr lvl="1"/>
+            <a:r>
+              <a:rPr lang="en-US" dirty="0" smtClean="0"/>
+              <a:t>Consistent resource handling</a:t>
+            </a:r>
+          </a:p>
+          <a:p>
+            <a:r>
+              <a:rPr lang="en-US" dirty="0" smtClean="0"/>
+              <a:t>Integrated dataflow concept (</a:t>
+            </a:r>
+            <a:r>
+              <a:rPr lang="en-US" dirty="0" err="1" smtClean="0"/>
+              <a:t>Xflow</a:t>
+            </a:r>
+            <a:r>
+              <a:rPr lang="en-US" dirty="0" smtClean="0"/>
+              <a:t>)</a:t>
+            </a:r>
+          </a:p>
+          <a:p>
+            <a:pPr lvl="1"/>
+            <a:r>
+              <a:rPr lang="en-US" dirty="0" smtClean="0"/>
+              <a:t>Skeleton animation, Image Processing, Augmented Reality</a:t>
+            </a:r>
+          </a:p>
+          <a:p>
+            <a:pPr lvl="1"/>
+            <a:r>
+              <a:rPr lang="en-US" dirty="0" smtClean="0"/>
+              <a:t>Can be mapped to HW (GPU, River Trail, </a:t>
+            </a:r>
+            <a:r>
+              <a:rPr lang="en-US" dirty="0" err="1" smtClean="0"/>
+              <a:t>WebCL</a:t>
+            </a:r>
+            <a:r>
+              <a:rPr lang="en-US" dirty="0" smtClean="0"/>
+              <a:t>?)</a:t>
+            </a:r>
+          </a:p>
+          <a:p>
+            <a:pPr lvl="1"/>
+            <a:endParaRPr lang="en-US" dirty="0" smtClean="0"/>
+          </a:p>
+        </p:txBody>
+      </p:sp>
+      <p:pic>
+        <p:nvPicPr>
+          <p:cNvPr id="1028" name="Picture 4"/>
+          <p:cNvPicPr>
+            <a:picLocks noChangeAspect="1" noChangeArrowheads="1"/>
+          </p:cNvPicPr>
+          <p:nvPr/>
+        </p:nvPicPr>
+        <p:blipFill>
+          <a:blip r:embed="rId2"/>
+          <a:srcRect/>
+          <a:stretch>
+            <a:fillRect/>
+          </a:stretch>
+        </p:blipFill>
+        <p:spPr bwMode="auto">
+          <a:xfrm>
+            <a:off x="561975" y="1455738"/>
+            <a:ext cx="8020050" cy="3952875"/>
+          </a:xfrm>
+          <a:prstGeom prst="rect">
+            <a:avLst/>
+          </a:prstGeom>
+          <a:noFill/>
+          <a:ln w="9525">
+            <a:noFill/>
+            <a:miter lim="800000"/>
+            <a:headEnd/>
+            <a:tailEnd/>
+          </a:ln>
+          <a:effectLst/>
+        </p:spPr>
+      </p:pic>
+      <p:pic>
+        <p:nvPicPr>
+          <p:cNvPr id="5" name="Picture 2" descr="C:\Users\Jozef\workspace\siggraph2012\slides\asia apps\images\XML3D-annotations (6).jpg"/>
+          <p:cNvPicPr>
+            <a:picLocks noChangeAspect="1" noChangeArrowheads="1"/>
+          </p:cNvPicPr>
+          <p:nvPr/>
+        </p:nvPicPr>
+        <p:blipFill>
+          <a:blip r:embed="rId3" cstate="print"/>
+          <a:srcRect/>
+          <a:stretch>
+            <a:fillRect/>
+          </a:stretch>
+        </p:blipFill>
+        <p:spPr bwMode="auto">
+          <a:xfrm>
+            <a:off x="4435522" y="3399145"/>
+            <a:ext cx="3166281" cy="1860191"/>
+          </a:xfrm>
+          <a:prstGeom prst="rect">
+            <a:avLst/>
+          </a:prstGeom>
+          <a:noFill/>
+        </p:spPr>
+      </p:pic>
+    </p:spTree>
+    <p:extLst>
+      <p:ext uri="{BB962C8B-B14F-4D97-AF65-F5344CB8AC3E}">
+        <p14:creationId xmlns="" xmlns:p14="http://schemas.microsoft.com/office/powerpoint/2010/main" val="1869452409"/>
+      </p:ext>
+    </p:extLst>
+  </p:cSld>
+  <p:clrMapOvr>
+    <a:masterClrMapping/>
+  </p:clrMapOvr>
+  <mc:AlternateContent xmlns:mc="http://schemas.openxmlformats.org/markup-compatibility/2006">
+    <mc:Choice xmlns="" xmlns:p14="http://schemas.microsoft.com/office/powerpoint/2010/main" Requires="p14">
+      <p:transition p14:dur="0"/>
+    </mc:Choice>
+    <mc:Fallback>
+      <p:transition/>
+    </mc:Fallback>
+  </mc:AlternateContent>
+  <p:timing>
+    <p:tnLst>
+      <p:par>
+        <p:cTn id="1" dur="indefinite" restart="never" nodeType="tmRoot"/>
+      </p:par>
+    </p:tnLst>
+  </p:timing>
+</p:sld>
+</file>
+
+<file path=ppt/slides/slide12.xml><?xml version="1.0" encoding="utf-8"?>
+<p:sld xmlns:a="http://schemas.openxmlformats.org/drawingml/2006/main" xmlns:r="http://schemas.openxmlformats.org/officeDocument/2006/relationships" xmlns:p="http://schemas.openxmlformats.org/presentationml/2006/main">
+  <p:cSld>
+    <p:spTree>
+      <p:nvGrpSpPr>
+        <p:cNvPr id="1" name=""/>
+        <p:cNvGrpSpPr/>
+        <p:nvPr/>
+      </p:nvGrpSpPr>
+      <p:grpSpPr>
+        <a:xfrm>
+          <a:off x="0" y="0"/>
+          <a:ext cx="0" cy="0"/>
+          <a:chOff x="0" y="0"/>
+          <a:chExt cx="0" cy="0"/>
+        </a:xfrm>
+      </p:grpSpPr>
+      <p:sp>
+        <p:nvSpPr>
+          <p:cNvPr id="2" name="Title 1"/>
+          <p:cNvSpPr>
+            <a:spLocks noGrp="1"/>
+          </p:cNvSpPr>
+          <p:nvPr>
+            <p:ph type="title"/>
+          </p:nvPr>
+        </p:nvSpPr>
+        <p:spPr/>
+        <p:txBody>
+          <a:bodyPr/>
+          <a:lstStyle/>
+          <a:p>
+            <a:r>
+              <a:rPr lang="en-US" dirty="0"/>
+              <a:t>Declarative 3D Essentials</a:t>
+            </a:r>
+          </a:p>
+        </p:txBody>
+      </p:sp>
+      <p:sp>
+        <p:nvSpPr>
+          <p:cNvPr id="3" name="Content Placeholder 2"/>
+          <p:cNvSpPr>
+            <a:spLocks noGrp="1"/>
+          </p:cNvSpPr>
+          <p:nvPr>
+            <p:ph idx="1"/>
+          </p:nvPr>
+        </p:nvSpPr>
+        <p:spPr/>
+        <p:txBody>
+          <a:bodyPr/>
+          <a:lstStyle/>
+          <a:p>
+            <a:r>
+              <a:rPr lang="en-US" dirty="0" smtClean="0"/>
+              <a:t>Extracted 15 essentials for HTML/DOM-based 3D graphics</a:t>
+            </a:r>
+          </a:p>
+          <a:p>
+            <a:r>
+              <a:rPr lang="en-US" dirty="0" smtClean="0"/>
+              <a:t>For instance: </a:t>
+            </a:r>
+          </a:p>
+          <a:p>
+            <a:pPr lvl="1"/>
+            <a:r>
+              <a:rPr lang="en-US" dirty="0" smtClean="0"/>
+              <a:t>Use CSS 3D Transforms for transformations</a:t>
+            </a:r>
+          </a:p>
+          <a:p>
+            <a:endParaRPr lang="en-US" dirty="0" smtClean="0"/>
+          </a:p>
+          <a:p>
+            <a:endParaRPr lang="en-US" dirty="0" smtClean="0"/>
+          </a:p>
+          <a:p>
+            <a:endParaRPr lang="en-US" dirty="0" smtClean="0"/>
+          </a:p>
+          <a:p>
+            <a:endParaRPr lang="en-US" dirty="0" smtClean="0"/>
+          </a:p>
+          <a:p>
+            <a:endParaRPr lang="en-US" dirty="0" smtClean="0"/>
+          </a:p>
+          <a:p>
+            <a:endParaRPr lang="en-US" dirty="0" smtClean="0"/>
+          </a:p>
+          <a:p>
+            <a:r>
+              <a:rPr lang="en-US" dirty="0" smtClean="0"/>
+              <a:t>How tight can we integrate 3D with web technology?</a:t>
+            </a:r>
+          </a:p>
+          <a:p>
+            <a:endParaRPr lang="en-US" dirty="0" smtClean="0"/>
+          </a:p>
+          <a:p>
+            <a:endParaRPr lang="en-US" dirty="0" smtClean="0"/>
+          </a:p>
+          <a:p>
+            <a:endParaRPr lang="en-US" dirty="0" smtClean="0"/>
+          </a:p>
+          <a:p>
+            <a:endParaRPr lang="en-US" dirty="0" smtClean="0"/>
+          </a:p>
+          <a:p>
+            <a:endParaRPr lang="en-US" dirty="0" smtClean="0"/>
+          </a:p>
+          <a:p>
+            <a:endParaRPr lang="en-US" dirty="0" smtClean="0"/>
+          </a:p>
+          <a:p>
+            <a:endParaRPr lang="en-US" dirty="0" smtClean="0"/>
+          </a:p>
+          <a:p>
+            <a:pPr>
+              <a:buNone/>
+            </a:pPr>
+            <a:endParaRPr lang="en-US" dirty="0" smtClean="0"/>
+          </a:p>
+          <a:p>
+            <a:pPr lvl="1"/>
+            <a:endParaRPr lang="en-US" dirty="0"/>
+          </a:p>
+        </p:txBody>
+      </p:sp>
+      <p:sp>
+        <p:nvSpPr>
+          <p:cNvPr id="4" name="Textfeld 3"/>
+          <p:cNvSpPr txBox="1"/>
+          <p:nvPr/>
+        </p:nvSpPr>
+        <p:spPr>
+          <a:xfrm>
+            <a:off x="1310192" y="3016156"/>
+            <a:ext cx="6136616" cy="2031325"/>
+          </a:xfrm>
+          <a:prstGeom prst="rect">
+            <a:avLst/>
+          </a:prstGeom>
+          <a:noFill/>
+        </p:spPr>
+        <p:txBody>
+          <a:bodyPr wrap="none" rtlCol="0">
+            <a:spAutoFit/>
+          </a:bodyPr>
+          <a:lstStyle/>
+          <a:p>
+            <a:r>
+              <a:rPr lang="en-US" dirty="0" smtClean="0">
+                <a:latin typeface="Consolas" pitchFamily="49" charset="0"/>
+              </a:rPr>
+              <a:t>&lt;div&gt;</a:t>
+            </a:r>
+          </a:p>
+          <a:p>
+            <a:r>
+              <a:rPr lang="en-US" dirty="0" smtClean="0">
+                <a:latin typeface="Consolas" pitchFamily="49" charset="0"/>
+              </a:rPr>
+              <a:t>   &lt;dec3d style="border: 1px solid black;"&gt;</a:t>
+            </a:r>
+          </a:p>
+          <a:p>
+            <a:r>
+              <a:rPr lang="fr-FR" dirty="0" smtClean="0">
+                <a:latin typeface="Consolas" pitchFamily="49" charset="0"/>
+              </a:rPr>
+              <a:t>     &lt;</a:t>
+            </a:r>
+            <a:r>
+              <a:rPr lang="fr-FR" dirty="0" err="1" smtClean="0">
+                <a:latin typeface="Consolas" pitchFamily="49" charset="0"/>
+              </a:rPr>
+              <a:t>div</a:t>
+            </a:r>
+            <a:r>
+              <a:rPr lang="fr-FR" dirty="0" smtClean="0">
+                <a:latin typeface="Consolas" pitchFamily="49" charset="0"/>
+              </a:rPr>
+              <a:t> style="</a:t>
+            </a:r>
+            <a:r>
+              <a:rPr lang="fr-FR" dirty="0" err="1" smtClean="0">
+                <a:latin typeface="Consolas" pitchFamily="49" charset="0"/>
+              </a:rPr>
+              <a:t>transform</a:t>
+            </a:r>
+            <a:r>
+              <a:rPr lang="fr-FR" dirty="0" smtClean="0">
+                <a:latin typeface="Consolas" pitchFamily="49" charset="0"/>
+              </a:rPr>
+              <a:t>: scale3d(2, 2, 2);"&gt;</a:t>
+            </a:r>
+          </a:p>
+          <a:p>
+            <a:r>
+              <a:rPr lang="en-US" dirty="0" smtClean="0">
+                <a:latin typeface="Consolas" pitchFamily="49" charset="0"/>
+              </a:rPr>
+              <a:t>        ...</a:t>
+            </a:r>
+          </a:p>
+          <a:p>
+            <a:r>
+              <a:rPr lang="en-US" dirty="0" smtClean="0">
+                <a:latin typeface="Consolas" pitchFamily="49" charset="0"/>
+              </a:rPr>
+              <a:t>     &lt;/div&gt;</a:t>
+            </a:r>
+          </a:p>
+          <a:p>
+            <a:r>
+              <a:rPr lang="en-US" dirty="0" smtClean="0">
+                <a:latin typeface="Consolas" pitchFamily="49" charset="0"/>
+              </a:rPr>
+              <a:t>   &lt;/dec3d&gt;</a:t>
+            </a:r>
+          </a:p>
+          <a:p>
+            <a:r>
+              <a:rPr lang="en-US" dirty="0" smtClean="0">
+                <a:latin typeface="Consolas" pitchFamily="49" charset="0"/>
+              </a:rPr>
+              <a:t>&lt;/div&gt;</a:t>
+            </a:r>
+            <a:endParaRPr lang="en-US" dirty="0">
+              <a:latin typeface="Consolas" pitchFamily="49" charset="0"/>
+            </a:endParaRPr>
+          </a:p>
+        </p:txBody>
+      </p:sp>
+    </p:spTree>
+    <p:extLst>
+      <p:ext uri="{BB962C8B-B14F-4D97-AF65-F5344CB8AC3E}">
+        <p14:creationId xmlns="" xmlns:p14="http://schemas.microsoft.com/office/powerpoint/2010/main" val="2220943333"/>
+      </p:ext>
+    </p:extLst>
+  </p:cSld>
+  <p:clrMapOvr>
+    <a:masterClrMapping/>
+  </p:clrMapOvr>
+  <mc:AlternateContent xmlns:mc="http://schemas.openxmlformats.org/markup-compatibility/2006">
+    <mc:Choice xmlns="" xmlns:p14="http://schemas.microsoft.com/office/powerpoint/2010/main" Requires="p14">
+      <p:transition p14:dur="0"/>
+    </mc:Choice>
+    <mc:Fallback>
+      <p:transition/>
+    </mc:Fallback>
+  </mc:AlternateContent>
+  <p:timing>
+    <p:tnLst>
+      <p:par>
+        <p:cTn id="1" dur="indefinite" restart="never" nodeType="tmRoot"/>
+      </p:par>
+    </p:tnLst>
+  </p:timing>
+</p:sld>
+</file>
+
+<file path=ppt/slides/slide13.xml><?xml version="1.0" encoding="utf-8"?>
+<p:sld xmlns:a="http://schemas.openxmlformats.org/drawingml/2006/main" xmlns:r="http://schemas.openxmlformats.org/officeDocument/2006/relationships" xmlns:p="http://schemas.openxmlformats.org/presentationml/2006/main">
+  <p:cSld>
+    <p:spTree>
+      <p:nvGrpSpPr>
+        <p:cNvPr id="1" name=""/>
+        <p:cNvGrpSpPr/>
+        <p:nvPr/>
+      </p:nvGrpSpPr>
+      <p:grpSpPr>
+        <a:xfrm>
+          <a:off x="0" y="0"/>
+          <a:ext cx="0" cy="0"/>
+          <a:chOff x="0" y="0"/>
+          <a:chExt cx="0" cy="0"/>
+        </a:xfrm>
+      </p:grpSpPr>
+      <p:sp>
+        <p:nvSpPr>
+          <p:cNvPr id="2" name="Title 1"/>
+          <p:cNvSpPr>
+            <a:spLocks noGrp="1"/>
+          </p:cNvSpPr>
+          <p:nvPr>
+            <p:ph type="title"/>
+          </p:nvPr>
+        </p:nvSpPr>
+        <p:spPr/>
+        <p:txBody>
+          <a:bodyPr/>
+          <a:lstStyle/>
+          <a:p>
+            <a:r>
+              <a:rPr lang="en-US" dirty="0"/>
+              <a:t>Level of </a:t>
+            </a:r>
+            <a:r>
+              <a:rPr lang="en-US" dirty="0" smtClean="0"/>
+              <a:t>Integration (LOI)</a:t>
+            </a:r>
+            <a:br>
+              <a:rPr lang="en-US" dirty="0" smtClean="0"/>
+            </a:br>
+            <a:endParaRPr lang="en-US" dirty="0"/>
+          </a:p>
+        </p:txBody>
+      </p:sp>
+      <p:sp>
+        <p:nvSpPr>
+          <p:cNvPr id="3" name="Content Placeholder 2"/>
+          <p:cNvSpPr>
+            <a:spLocks noGrp="1"/>
+          </p:cNvSpPr>
+          <p:nvPr>
+            <p:ph idx="1"/>
+          </p:nvPr>
+        </p:nvSpPr>
+        <p:spPr/>
+        <p:txBody>
+          <a:bodyPr/>
+          <a:lstStyle/>
+          <a:p>
+            <a:r>
+              <a:rPr lang="en-US" dirty="0" smtClean="0"/>
+              <a:t>LOI 0: Classical </a:t>
+            </a:r>
+            <a:r>
+              <a:rPr lang="en-US" dirty="0"/>
+              <a:t>integration using </a:t>
+            </a:r>
+            <a:r>
+              <a:rPr lang="en-US" dirty="0" smtClean="0"/>
+              <a:t>plug-ins</a:t>
+            </a:r>
+          </a:p>
+          <a:p>
+            <a:r>
+              <a:rPr lang="en-US" dirty="0" smtClean="0"/>
+              <a:t>LOI 1: </a:t>
+            </a:r>
+            <a:r>
+              <a:rPr lang="en-US" dirty="0"/>
+              <a:t>D</a:t>
+            </a:r>
+            <a:r>
+              <a:rPr lang="en-US" dirty="0" smtClean="0"/>
+              <a:t>edicated </a:t>
+            </a:r>
+            <a:r>
+              <a:rPr lang="en-US" dirty="0"/>
+              <a:t>element in the DOM </a:t>
+            </a:r>
+            <a:r>
+              <a:rPr lang="en-US" dirty="0" smtClean="0"/>
+              <a:t>+ API (</a:t>
+            </a:r>
+            <a:r>
+              <a:rPr lang="en-US" dirty="0" err="1" smtClean="0"/>
+              <a:t>WebGL</a:t>
+            </a:r>
+            <a:r>
+              <a:rPr lang="en-US" dirty="0" smtClean="0"/>
+              <a:t>)</a:t>
+            </a:r>
+          </a:p>
+          <a:p>
+            <a:r>
+              <a:rPr lang="en-US" dirty="0"/>
+              <a:t>LOI 2</a:t>
+            </a:r>
+            <a:r>
+              <a:rPr lang="en-US" dirty="0" smtClean="0"/>
+              <a:t>: </a:t>
+            </a:r>
+            <a:r>
+              <a:rPr lang="en-US" dirty="0"/>
+              <a:t>S</a:t>
+            </a:r>
+            <a:r>
+              <a:rPr lang="en-US" dirty="0" smtClean="0"/>
+              <a:t>cene </a:t>
+            </a:r>
+            <a:r>
+              <a:rPr lang="en-US" dirty="0"/>
+              <a:t>description </a:t>
+            </a:r>
+            <a:r>
+              <a:rPr lang="en-US" dirty="0" smtClean="0"/>
+              <a:t>integrated </a:t>
+            </a:r>
+            <a:r>
+              <a:rPr lang="en-US" dirty="0"/>
+              <a:t>in the </a:t>
+            </a:r>
+            <a:r>
+              <a:rPr lang="en-US" dirty="0" smtClean="0"/>
+              <a:t>DOM</a:t>
+            </a:r>
+          </a:p>
+          <a:p>
+            <a:r>
+              <a:rPr lang="en-US" dirty="0" smtClean="0"/>
+              <a:t>LOI 3 and LOI 4: Tight integration</a:t>
+            </a:r>
+            <a:r>
+              <a:rPr lang="en-US" dirty="0"/>
+              <a:t> </a:t>
+            </a:r>
+            <a:r>
+              <a:rPr lang="en-US" dirty="0" smtClean="0"/>
+              <a:t>with </a:t>
+            </a:r>
+            <a:r>
+              <a:rPr lang="en-US" dirty="0"/>
+              <a:t>CSS</a:t>
+            </a:r>
+            <a:endParaRPr lang="en-US" dirty="0" smtClean="0"/>
+          </a:p>
+        </p:txBody>
+      </p:sp>
+      <p:pic>
+        <p:nvPicPr>
+          <p:cNvPr id="5" name="Picture 4"/>
+          <p:cNvPicPr>
+            <a:picLocks noChangeAspect="1"/>
+          </p:cNvPicPr>
+          <p:nvPr/>
+        </p:nvPicPr>
+        <p:blipFill>
+          <a:blip r:embed="rId3">
+            <a:extLst>
+              <a:ext uri="{28A0092B-C50C-407E-A947-70E740481C1C}">
+                <a14:useLocalDpi xmlns="" xmlns:a14="http://schemas.microsoft.com/office/drawing/2010/main" val="0"/>
+              </a:ext>
+            </a:extLst>
+          </a:blip>
+          <a:stretch>
+            <a:fillRect/>
+          </a:stretch>
+        </p:blipFill>
+        <p:spPr>
+          <a:xfrm>
+            <a:off x="2665442" y="3771900"/>
+            <a:ext cx="3753111" cy="1809536"/>
+          </a:xfrm>
+          <a:prstGeom prst="rect">
+            <a:avLst/>
+          </a:prstGeom>
+        </p:spPr>
+      </p:pic>
+    </p:spTree>
+    <p:extLst>
+      <p:ext uri="{BB962C8B-B14F-4D97-AF65-F5344CB8AC3E}">
+        <p14:creationId xmlns="" xmlns:p14="http://schemas.microsoft.com/office/powerpoint/2010/main" val="2909472201"/>
+      </p:ext>
+    </p:extLst>
+  </p:cSld>
+  <p:clrMapOvr>
+    <a:masterClrMapping/>
+  </p:clrMapOvr>
+  <mc:AlternateContent xmlns:mc="http://schemas.openxmlformats.org/markup-compatibility/2006">
+    <mc:Choice xmlns="" xmlns:p14="http://schemas.microsoft.com/office/powerpoint/2010/main" Requires="p14">
+      <p:transition p14:dur="10"/>
+    </mc:Choice>
+    <mc:Fallback>
+      <p:transition/>
+    </mc:Fallback>
+  </mc:AlternateContent>
+  <p:timing>
+    <p:tnLst>
+      <p:par>
+        <p:cTn id="1" dur="indefinite" restart="never" nodeType="tmRoot"/>
+      </p:par>
+    </p:tnLst>
+  </p:timing>
+</p:sld>
+</file>
+
+<file path=ppt/slides/slide14.xml><?xml version="1.0" encoding="utf-8"?>
+<p:sld xmlns:a="http://schemas.openxmlformats.org/drawingml/2006/main" xmlns:r="http://schemas.openxmlformats.org/officeDocument/2006/relationships" xmlns:p="http://schemas.openxmlformats.org/presentationml/2006/main">
+  <p:cSld>
+    <p:spTree>
+      <p:nvGrpSpPr>
+        <p:cNvPr id="1" name=""/>
+        <p:cNvGrpSpPr/>
+        <p:nvPr/>
+      </p:nvGrpSpPr>
+      <p:grpSpPr>
+        <a:xfrm>
+          <a:off x="0" y="0"/>
+          <a:ext cx="0" cy="0"/>
+          <a:chOff x="0" y="0"/>
+          <a:chExt cx="0" cy="0"/>
+        </a:xfrm>
+      </p:grpSpPr>
+      <p:sp>
+        <p:nvSpPr>
           <p:cNvPr id="4" name="Titel 3"/>
           <p:cNvSpPr>
             <a:spLocks noGrp="1"/>
@@ -3199,7 +4143,7 @@
 </p:sld>
 </file>
 
-<file path=ppt/slides/slide11.xml><?xml version="1.0" encoding="utf-8"?>
+<file path=ppt/slides/slide15.xml><?xml version="1.0" encoding="utf-8"?>
 <p:sld xmlns:a="http://schemas.openxmlformats.org/drawingml/2006/main" xmlns:r="http://schemas.openxmlformats.org/officeDocument/2006/relationships" xmlns:p="http://schemas.openxmlformats.org/presentationml/2006/main">
   <p:cSld>
     <p:spTree>
@@ -3389,7 +4333,7 @@
 </p:sld>
 </file>
 
-<file path=ppt/slides/slide12.xml><?xml version="1.0" encoding="utf-8"?>
+<file path=ppt/slides/slide16.xml><?xml version="1.0" encoding="utf-8"?>
 <p:sld xmlns:a="http://schemas.openxmlformats.org/drawingml/2006/main" xmlns:r="http://schemas.openxmlformats.org/officeDocument/2006/relationships" xmlns:p="http://schemas.openxmlformats.org/presentationml/2006/main">
   <p:cSld>
     <p:spTree>
@@ -3494,7 +4438,7 @@
 </p:sld>
 </file>
 
-<file path=ppt/slides/slide13.xml><?xml version="1.0" encoding="utf-8"?>
+<file path=ppt/slides/slide17.xml><?xml version="1.0" encoding="utf-8"?>
 <p:sld xmlns:a="http://schemas.openxmlformats.org/drawingml/2006/main" xmlns:r="http://schemas.openxmlformats.org/officeDocument/2006/relationships" xmlns:p="http://schemas.openxmlformats.org/presentationml/2006/main">
   <p:cSld>
     <p:spTree>
@@ -3561,7 +4505,7 @@
 </p:sld>
 </file>
 
-<file path=ppt/slides/slide14.xml><?xml version="1.0" encoding="utf-8"?>
+<file path=ppt/slides/slide18.xml><?xml version="1.0" encoding="utf-8"?>
 <p:sld xmlns:a="http://schemas.openxmlformats.org/drawingml/2006/main" xmlns:r="http://schemas.openxmlformats.org/officeDocument/2006/relationships" xmlns:p="http://schemas.openxmlformats.org/presentationml/2006/main">
   <p:cSld>
     <p:spTree>
@@ -3974,7 +4918,7 @@
 </p:sld>
 </file>
 
-<file path=ppt/slides/slide15.xml><?xml version="1.0" encoding="utf-8"?>
+<file path=ppt/slides/slide19.xml><?xml version="1.0" encoding="utf-8"?>
 <p:sld xmlns:a="http://schemas.openxmlformats.org/drawingml/2006/main" xmlns:r="http://schemas.openxmlformats.org/officeDocument/2006/relationships" xmlns:p="http://schemas.openxmlformats.org/presentationml/2006/main">
   <p:cSld>
     <p:spTree>
@@ -4018,223 +4962,6 @@
     <p:extLst>
       <p:ext uri="{BB962C8B-B14F-4D97-AF65-F5344CB8AC3E}">
         <p14:creationId xmlns="" xmlns:p14="http://schemas.microsoft.com/office/powerpoint/2010/main" val="2874016700"/>
-      </p:ext>
-    </p:extLst>
-  </p:cSld>
-  <p:clrMapOvr>
-    <a:masterClrMapping/>
-  </p:clrMapOvr>
-  <mc:AlternateContent xmlns:mc="http://schemas.openxmlformats.org/markup-compatibility/2006">
-    <mc:Choice xmlns="" xmlns:p14="http://schemas.microsoft.com/office/powerpoint/2010/main" Requires="p14">
-      <p:transition p14:dur="0"/>
-    </mc:Choice>
-    <mc:Fallback>
-      <p:transition/>
-    </mc:Fallback>
-  </mc:AlternateContent>
-  <p:timing>
-    <p:tnLst>
-      <p:par>
-        <p:cTn id="1" dur="indefinite" restart="never" nodeType="tmRoot"/>
-      </p:par>
-    </p:tnLst>
-  </p:timing>
-</p:sld>
-</file>
-
-<file path=ppt/slides/slide16.xml><?xml version="1.0" encoding="utf-8"?>
-<p:sld xmlns:a="http://schemas.openxmlformats.org/drawingml/2006/main" xmlns:r="http://schemas.openxmlformats.org/officeDocument/2006/relationships" xmlns:p="http://schemas.openxmlformats.org/presentationml/2006/main">
-  <p:cSld>
-    <p:spTree>
-      <p:nvGrpSpPr>
-        <p:cNvPr id="1" name=""/>
-        <p:cNvGrpSpPr/>
-        <p:nvPr/>
-      </p:nvGrpSpPr>
-      <p:grpSpPr>
-        <a:xfrm>
-          <a:off x="0" y="0"/>
-          <a:ext cx="0" cy="0"/>
-          <a:chOff x="0" y="0"/>
-          <a:chExt cx="0" cy="0"/>
-        </a:xfrm>
-      </p:grpSpPr>
-      <p:sp>
-        <p:nvSpPr>
-          <p:cNvPr id="2" name="Title 1"/>
-          <p:cNvSpPr>
-            <a:spLocks noGrp="1"/>
-          </p:cNvSpPr>
-          <p:nvPr>
-            <p:ph type="title"/>
-          </p:nvPr>
-        </p:nvSpPr>
-        <p:spPr/>
-        <p:txBody>
-          <a:bodyPr/>
-          <a:lstStyle/>
-          <a:p>
-            <a:r>
-              <a:rPr lang="en-US" dirty="0" smtClean="0"/>
-              <a:t>Conclusions</a:t>
-            </a:r>
-            <a:endParaRPr lang="en-US" dirty="0"/>
-          </a:p>
-        </p:txBody>
-      </p:sp>
-      <p:sp>
-        <p:nvSpPr>
-          <p:cNvPr id="3" name="Content Placeholder 2"/>
-          <p:cNvSpPr>
-            <a:spLocks noGrp="1"/>
-          </p:cNvSpPr>
-          <p:nvPr>
-            <p:ph idx="1"/>
-          </p:nvPr>
-        </p:nvSpPr>
-        <p:spPr/>
-        <p:txBody>
-          <a:bodyPr/>
-          <a:lstStyle/>
-          <a:p>
-            <a:r>
-              <a:rPr lang="en-US" dirty="0" smtClean="0"/>
-              <a:t>Declarative vs. Imperative</a:t>
-            </a:r>
-          </a:p>
-          <a:p>
-            <a:r>
-              <a:rPr lang="en-US" dirty="0" smtClean="0"/>
-              <a:t>Need more </a:t>
-            </a:r>
-            <a:r>
-              <a:rPr lang="en-US" dirty="0"/>
-              <a:t>participation from the Web3D </a:t>
-            </a:r>
-            <a:r>
-              <a:rPr lang="en-US" dirty="0" smtClean="0"/>
-              <a:t>community</a:t>
-            </a:r>
-          </a:p>
-          <a:p>
-            <a:r>
-              <a:rPr lang="en-US" dirty="0" smtClean="0"/>
-              <a:t>Ultimate goal: 3D </a:t>
-            </a:r>
-            <a:r>
-              <a:rPr lang="en-US" dirty="0"/>
-              <a:t>for everyone and </a:t>
-            </a:r>
-            <a:r>
-              <a:rPr lang="en-US" dirty="0" smtClean="0"/>
-              <a:t>everywhere</a:t>
-            </a:r>
-            <a:endParaRPr lang="en-US" dirty="0"/>
-          </a:p>
-        </p:txBody>
-      </p:sp>
-      <p:sp>
-        <p:nvSpPr>
-          <p:cNvPr id="4" name="TextBox 3"/>
-          <p:cNvSpPr txBox="1"/>
-          <p:nvPr/>
-        </p:nvSpPr>
-        <p:spPr>
-          <a:xfrm>
-            <a:off x="2864884" y="4238625"/>
-            <a:ext cx="3354227" cy="984885"/>
-          </a:xfrm>
-          <a:prstGeom prst="rect">
-            <a:avLst/>
-          </a:prstGeom>
-          <a:noFill/>
-        </p:spPr>
-        <p:txBody>
-          <a:bodyPr wrap="square" rtlCol="0">
-            <a:spAutoFit/>
-          </a:bodyPr>
-          <a:lstStyle/>
-          <a:p>
-            <a:pPr algn="ctr"/>
-            <a:r>
-              <a:rPr lang="en-US" sz="4400" dirty="0">
-                <a:solidFill>
-                  <a:schemeClr val="accent1"/>
-                </a:solidFill>
-                <a:latin typeface="+mj-lt"/>
-                <a:ea typeface="+mj-ea"/>
-                <a:cs typeface="+mj-cs"/>
-              </a:rPr>
-              <a:t>Join us now</a:t>
-            </a:r>
-            <a:r>
-              <a:rPr lang="en-US" sz="4400" dirty="0" smtClean="0">
-                <a:solidFill>
-                  <a:schemeClr val="accent1"/>
-                </a:solidFill>
-                <a:latin typeface="+mj-lt"/>
-                <a:ea typeface="+mj-ea"/>
-                <a:cs typeface="+mj-cs"/>
-              </a:rPr>
-              <a:t>!</a:t>
-            </a:r>
-          </a:p>
-          <a:p>
-            <a:pPr algn="ctr"/>
-            <a:r>
-              <a:rPr lang="en-US" sz="1400" dirty="0" smtClean="0">
-                <a:solidFill>
-                  <a:schemeClr val="tx1">
-                    <a:lumMod val="50000"/>
-                    <a:lumOff val="50000"/>
-                  </a:schemeClr>
-                </a:solidFill>
-                <a:latin typeface="+mj-lt"/>
-                <a:ea typeface="+mj-ea"/>
-                <a:cs typeface="+mj-cs"/>
-              </a:rPr>
-              <a:t>Visit: </a:t>
-            </a:r>
-            <a:r>
-              <a:rPr lang="en-US" sz="1400" dirty="0" smtClean="0">
-                <a:solidFill>
-                  <a:schemeClr val="tx1">
-                    <a:lumMod val="50000"/>
-                    <a:lumOff val="50000"/>
-                  </a:schemeClr>
-                </a:solidFill>
-              </a:rPr>
-              <a:t>http</a:t>
-            </a:r>
-            <a:r>
-              <a:rPr lang="en-US" sz="1400" dirty="0">
-                <a:solidFill>
-                  <a:schemeClr val="tx1">
-                    <a:lumMod val="50000"/>
-                    <a:lumOff val="50000"/>
-                  </a:schemeClr>
-                </a:solidFill>
-              </a:rPr>
-              <a:t>://declarative3d.org/</a:t>
-            </a:r>
-            <a:endParaRPr lang="en-US" sz="1400" dirty="0">
-              <a:solidFill>
-                <a:schemeClr val="tx1">
-                  <a:lumMod val="50000"/>
-                  <a:lumOff val="50000"/>
-                </a:schemeClr>
-              </a:solidFill>
-              <a:latin typeface="+mj-lt"/>
-              <a:ea typeface="+mj-ea"/>
-              <a:cs typeface="+mj-cs"/>
-            </a:endParaRPr>
-          </a:p>
-        </p:txBody>
-      </p:sp>
-    </p:spTree>
-    <p:extLst>
-      <p:ext uri="{BB962C8B-B14F-4D97-AF65-F5344CB8AC3E}">
-        <p14:creationId xmlns="" xmlns:p14="http://schemas.microsoft.com/office/powerpoint/2010/main" val="18305828"/>
       </p:ext>
     </p:extLst>
   </p:cSld>
@@ -4332,6 +5059,223 @@
     <p:extLst>
       <p:ext uri="{BB962C8B-B14F-4D97-AF65-F5344CB8AC3E}">
         <p14:creationId xmlns="" xmlns:p14="http://schemas.microsoft.com/office/powerpoint/2010/main" val="520086239"/>
+      </p:ext>
+    </p:extLst>
+  </p:cSld>
+  <p:clrMapOvr>
+    <a:masterClrMapping/>
+  </p:clrMapOvr>
+  <mc:AlternateContent xmlns:mc="http://schemas.openxmlformats.org/markup-compatibility/2006">
+    <mc:Choice xmlns="" xmlns:p14="http://schemas.microsoft.com/office/powerpoint/2010/main" Requires="p14">
+      <p:transition p14:dur="0"/>
+    </mc:Choice>
+    <mc:Fallback>
+      <p:transition/>
+    </mc:Fallback>
+  </mc:AlternateContent>
+  <p:timing>
+    <p:tnLst>
+      <p:par>
+        <p:cTn id="1" dur="indefinite" restart="never" nodeType="tmRoot"/>
+      </p:par>
+    </p:tnLst>
+  </p:timing>
+</p:sld>
+</file>
+
+<file path=ppt/slides/slide20.xml><?xml version="1.0" encoding="utf-8"?>
+<p:sld xmlns:a="http://schemas.openxmlformats.org/drawingml/2006/main" xmlns:r="http://schemas.openxmlformats.org/officeDocument/2006/relationships" xmlns:p="http://schemas.openxmlformats.org/presentationml/2006/main">
+  <p:cSld>
+    <p:spTree>
+      <p:nvGrpSpPr>
+        <p:cNvPr id="1" name=""/>
+        <p:cNvGrpSpPr/>
+        <p:nvPr/>
+      </p:nvGrpSpPr>
+      <p:grpSpPr>
+        <a:xfrm>
+          <a:off x="0" y="0"/>
+          <a:ext cx="0" cy="0"/>
+          <a:chOff x="0" y="0"/>
+          <a:chExt cx="0" cy="0"/>
+        </a:xfrm>
+      </p:grpSpPr>
+      <p:sp>
+        <p:nvSpPr>
+          <p:cNvPr id="2" name="Title 1"/>
+          <p:cNvSpPr>
+            <a:spLocks noGrp="1"/>
+          </p:cNvSpPr>
+          <p:nvPr>
+            <p:ph type="title"/>
+          </p:nvPr>
+        </p:nvSpPr>
+        <p:spPr/>
+        <p:txBody>
+          <a:bodyPr/>
+          <a:lstStyle/>
+          <a:p>
+            <a:r>
+              <a:rPr lang="en-US" dirty="0" smtClean="0"/>
+              <a:t>Conclusions</a:t>
+            </a:r>
+            <a:endParaRPr lang="en-US" dirty="0"/>
+          </a:p>
+        </p:txBody>
+      </p:sp>
+      <p:sp>
+        <p:nvSpPr>
+          <p:cNvPr id="3" name="Content Placeholder 2"/>
+          <p:cNvSpPr>
+            <a:spLocks noGrp="1"/>
+          </p:cNvSpPr>
+          <p:nvPr>
+            <p:ph idx="1"/>
+          </p:nvPr>
+        </p:nvSpPr>
+        <p:spPr/>
+        <p:txBody>
+          <a:bodyPr/>
+          <a:lstStyle/>
+          <a:p>
+            <a:r>
+              <a:rPr lang="en-US" dirty="0" smtClean="0"/>
+              <a:t>Declarative vs. Imperative</a:t>
+            </a:r>
+          </a:p>
+          <a:p>
+            <a:r>
+              <a:rPr lang="en-US" dirty="0" smtClean="0"/>
+              <a:t>Need more </a:t>
+            </a:r>
+            <a:r>
+              <a:rPr lang="en-US" dirty="0"/>
+              <a:t>participation from the Web3D </a:t>
+            </a:r>
+            <a:r>
+              <a:rPr lang="en-US" dirty="0" smtClean="0"/>
+              <a:t>community</a:t>
+            </a:r>
+          </a:p>
+          <a:p>
+            <a:r>
+              <a:rPr lang="en-US" dirty="0" smtClean="0"/>
+              <a:t>Ultimate goal: 3D </a:t>
+            </a:r>
+            <a:r>
+              <a:rPr lang="en-US" dirty="0"/>
+              <a:t>for everyone and </a:t>
+            </a:r>
+            <a:r>
+              <a:rPr lang="en-US" dirty="0" smtClean="0"/>
+              <a:t>everywhere</a:t>
+            </a:r>
+            <a:endParaRPr lang="en-US" dirty="0"/>
+          </a:p>
+        </p:txBody>
+      </p:sp>
+      <p:sp>
+        <p:nvSpPr>
+          <p:cNvPr id="4" name="TextBox 3"/>
+          <p:cNvSpPr txBox="1"/>
+          <p:nvPr/>
+        </p:nvSpPr>
+        <p:spPr>
+          <a:xfrm>
+            <a:off x="2864884" y="4238625"/>
+            <a:ext cx="3354227" cy="984885"/>
+          </a:xfrm>
+          <a:prstGeom prst="rect">
+            <a:avLst/>
+          </a:prstGeom>
+          <a:noFill/>
+        </p:spPr>
+        <p:txBody>
+          <a:bodyPr wrap="square" rtlCol="0">
+            <a:spAutoFit/>
+          </a:bodyPr>
+          <a:lstStyle/>
+          <a:p>
+            <a:pPr algn="ctr"/>
+            <a:r>
+              <a:rPr lang="en-US" sz="4400" dirty="0">
+                <a:solidFill>
+                  <a:schemeClr val="accent1"/>
+                </a:solidFill>
+                <a:latin typeface="+mj-lt"/>
+                <a:ea typeface="+mj-ea"/>
+                <a:cs typeface="+mj-cs"/>
+              </a:rPr>
+              <a:t>Join us now</a:t>
+            </a:r>
+            <a:r>
+              <a:rPr lang="en-US" sz="4400" dirty="0" smtClean="0">
+                <a:solidFill>
+                  <a:schemeClr val="accent1"/>
+                </a:solidFill>
+                <a:latin typeface="+mj-lt"/>
+                <a:ea typeface="+mj-ea"/>
+                <a:cs typeface="+mj-cs"/>
+              </a:rPr>
+              <a:t>!</a:t>
+            </a:r>
+          </a:p>
+          <a:p>
+            <a:pPr algn="ctr"/>
+            <a:r>
+              <a:rPr lang="en-US" sz="1400" dirty="0" smtClean="0">
+                <a:solidFill>
+                  <a:schemeClr val="tx1">
+                    <a:lumMod val="50000"/>
+                    <a:lumOff val="50000"/>
+                  </a:schemeClr>
+                </a:solidFill>
+                <a:latin typeface="+mj-lt"/>
+                <a:ea typeface="+mj-ea"/>
+                <a:cs typeface="+mj-cs"/>
+              </a:rPr>
+              <a:t>Visit: </a:t>
+            </a:r>
+            <a:r>
+              <a:rPr lang="en-US" sz="1400" dirty="0" smtClean="0">
+                <a:solidFill>
+                  <a:schemeClr val="tx1">
+                    <a:lumMod val="50000"/>
+                    <a:lumOff val="50000"/>
+                  </a:schemeClr>
+                </a:solidFill>
+              </a:rPr>
+              <a:t>http</a:t>
+            </a:r>
+            <a:r>
+              <a:rPr lang="en-US" sz="1400" dirty="0">
+                <a:solidFill>
+                  <a:schemeClr val="tx1">
+                    <a:lumMod val="50000"/>
+                    <a:lumOff val="50000"/>
+                  </a:schemeClr>
+                </a:solidFill>
+              </a:rPr>
+              <a:t>://declarative3d.org/</a:t>
+            </a:r>
+            <a:endParaRPr lang="en-US" sz="1400" dirty="0">
+              <a:solidFill>
+                <a:schemeClr val="tx1">
+                  <a:lumMod val="50000"/>
+                  <a:lumOff val="50000"/>
+                </a:schemeClr>
+              </a:solidFill>
+              <a:latin typeface="+mj-lt"/>
+              <a:ea typeface="+mj-ea"/>
+              <a:cs typeface="+mj-cs"/>
+            </a:endParaRPr>
+          </a:p>
+        </p:txBody>
+      </p:sp>
+    </p:spTree>
+    <p:extLst>
+      <p:ext uri="{BB962C8B-B14F-4D97-AF65-F5344CB8AC3E}">
+        <p14:creationId xmlns="" xmlns:p14="http://schemas.microsoft.com/office/powerpoint/2010/main" val="18305828"/>
       </p:ext>
     </p:extLst>
   </p:cSld>
@@ -5360,12 +6304,8 @@
           <a:lstStyle/>
           <a:p>
             <a:r>
-              <a:rPr lang="en-US" dirty="0"/>
-              <a:t>Evaluation </a:t>
-            </a:r>
-            <a:r>
-              <a:rPr lang="en-US" dirty="0" smtClean="0"/>
-              <a:t>Platforms</a:t>
+              <a:rPr lang="en-US" dirty="0" smtClean="0"/>
+              <a:t>X3DOM: History</a:t>
             </a:r>
             <a:endParaRPr lang="en-US" dirty="0"/>
           </a:p>
@@ -5381,352 +6321,463 @@
             <p:ph idx="1"/>
           </p:nvPr>
         </p:nvSpPr>
-        <p:spPr/>
+        <p:spPr>
+          <a:xfrm>
+            <a:off x="609598" y="1749599"/>
+            <a:ext cx="8534402" cy="4345401"/>
+          </a:xfrm>
+        </p:spPr>
         <p:txBody>
-          <a:bodyPr/>
+          <a:bodyPr>
+            <a:normAutofit lnSpcReduction="10000"/>
+          </a:bodyPr>
           <a:lstStyle/>
           <a:p>
             <a:r>
-              <a:rPr lang="en-US" dirty="0" smtClean="0"/>
-              <a:t>X3DOM</a:t>
-            </a:r>
-          </a:p>
-          <a:p>
-            <a:pPr lvl="1"/>
-            <a:r>
-              <a:rPr lang="en-US" dirty="0" smtClean="0"/>
-              <a:t>...</a:t>
-            </a:r>
-          </a:p>
-          <a:p>
-            <a:pPr lvl="1"/>
-            <a:r>
-              <a:rPr lang="en-US" dirty="0" smtClean="0"/>
-              <a:t>...</a:t>
-            </a:r>
-          </a:p>
-          <a:p>
-            <a:r>
-              <a:rPr lang="en-US" dirty="0" smtClean="0"/>
-              <a:t>XML3D</a:t>
-            </a:r>
-          </a:p>
-          <a:p>
-            <a:pPr lvl="1"/>
-            <a:r>
-              <a:rPr lang="en-US" dirty="0" smtClean="0"/>
-              <a:t>Designed from scratch</a:t>
-            </a:r>
-          </a:p>
-          <a:p>
-            <a:pPr lvl="1"/>
-            <a:r>
-              <a:rPr lang="en-US" dirty="0" smtClean="0"/>
-              <a:t>Integrated dataflow concept (</a:t>
-            </a:r>
-            <a:r>
-              <a:rPr lang="en-US" dirty="0" err="1" smtClean="0"/>
-              <a:t>Xflow</a:t>
-            </a:r>
-            <a:r>
-              <a:rPr lang="en-US" dirty="0" smtClean="0"/>
-              <a:t>)</a:t>
-            </a:r>
-          </a:p>
-          <a:p>
-            <a:pPr lvl="2"/>
-            <a:r>
-              <a:rPr lang="en-US" dirty="0" smtClean="0"/>
-              <a:t>Skeleton animation, Image Processing, Augmented Reality</a:t>
-            </a:r>
-          </a:p>
-          <a:p>
-            <a:pPr lvl="2"/>
-            <a:r>
-              <a:rPr lang="en-US" dirty="0" smtClean="0"/>
-              <a:t>Can be mapped to HW (GPU, River Trail, </a:t>
-            </a:r>
-            <a:r>
-              <a:rPr lang="en-US" dirty="0" err="1" smtClean="0"/>
-              <a:t>WebCL</a:t>
-            </a:r>
-            <a:r>
-              <a:rPr lang="en-US" dirty="0" smtClean="0"/>
-              <a:t>?)</a:t>
-            </a:r>
-          </a:p>
-          <a:p>
-            <a:r>
-              <a:rPr lang="en-US" dirty="0" smtClean="0"/>
-              <a:t>Both platforms OSS and freely available on </a:t>
-            </a:r>
-            <a:r>
-              <a:rPr lang="en-US" dirty="0" err="1" smtClean="0"/>
-              <a:t>GitHub</a:t>
-            </a:r>
-            <a:endParaRPr lang="en-US" dirty="0"/>
-          </a:p>
-        </p:txBody>
-      </p:sp>
-    </p:spTree>
-    <p:extLst>
-      <p:ext uri="{BB962C8B-B14F-4D97-AF65-F5344CB8AC3E}">
-        <p14:creationId xmlns="" xmlns:p14="http://schemas.microsoft.com/office/powerpoint/2010/main" val="1869452409"/>
-      </p:ext>
-    </p:extLst>
-  </p:cSld>
-  <p:clrMapOvr>
-    <a:masterClrMapping/>
-  </p:clrMapOvr>
-  <mc:AlternateContent xmlns:mc="http://schemas.openxmlformats.org/markup-compatibility/2006">
-    <mc:Choice xmlns="" xmlns:p14="http://schemas.microsoft.com/office/powerpoint/2010/main" Requires="p14">
-      <p:transition p14:dur="0"/>
-    </mc:Choice>
-    <mc:Fallback>
-      <p:transition/>
-    </mc:Fallback>
-  </mc:AlternateContent>
-  <p:timing>
-    <p:tnLst>
-      <p:par>
-        <p:cTn id="1" dur="indefinite" restart="never" nodeType="tmRoot"/>
-      </p:par>
-    </p:tnLst>
-  </p:timing>
-</p:sld>
-</file>
-
-<file path=ppt/slides/slide8.xml><?xml version="1.0" encoding="utf-8"?>
-<p:sld xmlns:a="http://schemas.openxmlformats.org/drawingml/2006/main" xmlns:r="http://schemas.openxmlformats.org/officeDocument/2006/relationships" xmlns:p="http://schemas.openxmlformats.org/presentationml/2006/main">
-  <p:cSld>
-    <p:spTree>
-      <p:nvGrpSpPr>
-        <p:cNvPr id="1" name=""/>
-        <p:cNvGrpSpPr/>
-        <p:nvPr/>
-      </p:nvGrpSpPr>
-      <p:grpSpPr>
-        <a:xfrm>
-          <a:off x="0" y="0"/>
-          <a:ext cx="0" cy="0"/>
-          <a:chOff x="0" y="0"/>
-          <a:chExt cx="0" cy="0"/>
-        </a:xfrm>
-      </p:grpSpPr>
-      <p:sp>
-        <p:nvSpPr>
-          <p:cNvPr id="2" name="Title 1"/>
-          <p:cNvSpPr>
-            <a:spLocks noGrp="1"/>
-          </p:cNvSpPr>
-          <p:nvPr>
-            <p:ph type="title"/>
-          </p:nvPr>
-        </p:nvSpPr>
-        <p:spPr/>
-        <p:txBody>
-          <a:bodyPr/>
-          <a:lstStyle/>
-          <a:p>
-            <a:r>
-              <a:rPr lang="en-US" dirty="0"/>
-              <a:t>Declarative 3D Essentials</a:t>
-            </a:r>
-          </a:p>
-        </p:txBody>
-      </p:sp>
-      <p:sp>
-        <p:nvSpPr>
-          <p:cNvPr id="3" name="Content Placeholder 2"/>
-          <p:cNvSpPr>
-            <a:spLocks noGrp="1"/>
-          </p:cNvSpPr>
-          <p:nvPr>
-            <p:ph idx="1"/>
-          </p:nvPr>
-        </p:nvSpPr>
-        <p:spPr/>
-        <p:txBody>
-          <a:bodyPr/>
-          <a:lstStyle/>
-          <a:p>
-            <a:r>
-              <a:rPr lang="en-US" dirty="0" smtClean="0"/>
-              <a:t>Extracted 15 essentials for HTML/DOM-based 3D graphics</a:t>
-            </a:r>
-          </a:p>
-          <a:p>
-            <a:r>
-              <a:rPr lang="en-US" dirty="0" smtClean="0"/>
-              <a:t>For instance: </a:t>
-            </a:r>
-          </a:p>
-          <a:p>
-            <a:pPr lvl="1"/>
-            <a:r>
-              <a:rPr lang="en-US" dirty="0" smtClean="0"/>
-              <a:t>Use CSS 3D Transforms for transformations</a:t>
-            </a:r>
-          </a:p>
-          <a:p>
-            <a:endParaRPr lang="en-US" dirty="0" smtClean="0"/>
-          </a:p>
-          <a:p>
-            <a:endParaRPr lang="en-US" dirty="0" smtClean="0"/>
-          </a:p>
-          <a:p>
-            <a:endParaRPr lang="en-US" dirty="0" smtClean="0"/>
-          </a:p>
-          <a:p>
-            <a:endParaRPr lang="en-US" dirty="0" smtClean="0"/>
-          </a:p>
-          <a:p>
-            <a:endParaRPr lang="en-US" dirty="0" smtClean="0"/>
-          </a:p>
-          <a:p>
-            <a:endParaRPr lang="en-US" dirty="0" smtClean="0"/>
-          </a:p>
-          <a:p>
-            <a:r>
-              <a:rPr lang="en-US" dirty="0" smtClean="0"/>
-              <a:t>How tight can we integrate 3D with web technology?</a:t>
-            </a:r>
-          </a:p>
-          <a:p>
-            <a:endParaRPr lang="en-US" dirty="0" smtClean="0"/>
-          </a:p>
-          <a:p>
-            <a:endParaRPr lang="en-US" dirty="0" smtClean="0"/>
-          </a:p>
-          <a:p>
-            <a:endParaRPr lang="en-US" dirty="0" smtClean="0"/>
-          </a:p>
-          <a:p>
-            <a:endParaRPr lang="en-US" dirty="0" smtClean="0"/>
-          </a:p>
-          <a:p>
-            <a:endParaRPr lang="en-US" dirty="0" smtClean="0"/>
-          </a:p>
-          <a:p>
-            <a:endParaRPr lang="en-US" dirty="0" smtClean="0"/>
-          </a:p>
-          <a:p>
-            <a:endParaRPr lang="en-US" dirty="0" smtClean="0"/>
-          </a:p>
-          <a:p>
-            <a:pPr>
+              <a:rPr lang="en-GB" b="1" dirty="0" smtClean="0">
+                <a:latin typeface="Frutiger LT Com 45 Light"/>
+              </a:rPr>
+              <a:t>2004: X3D</a:t>
+            </a:r>
+            <a:r>
+              <a:rPr lang="en-GB" b="1" dirty="0">
+                <a:latin typeface="Frutiger LT Com 45 Light"/>
+              </a:rPr>
+              <a:t>: ISO </a:t>
+            </a:r>
+            <a:r>
+              <a:rPr lang="en-GB" b="1" dirty="0" smtClean="0">
+                <a:latin typeface="Frutiger LT Com 45 Light"/>
+              </a:rPr>
+              <a:t>Standard; </a:t>
+            </a:r>
+            <a:r>
+              <a:rPr lang="en-GB" b="1" dirty="0">
+                <a:latin typeface="Frutiger LT Com 45 Light"/>
+              </a:rPr>
+              <a:t>Plugin integration </a:t>
+            </a:r>
+            <a:r>
+              <a:rPr lang="en-GB" b="1" dirty="0" smtClean="0">
+                <a:latin typeface="Frutiger LT Com 45 Light"/>
+              </a:rPr>
+              <a:t>model</a:t>
+            </a:r>
+          </a:p>
+          <a:p>
+            <a:r>
+              <a:rPr lang="en-GB" b="1" dirty="0" smtClean="0">
+                <a:latin typeface="Frutiger LT Com 45 Light"/>
+              </a:rPr>
+              <a:t>2007: HTML5 </a:t>
+            </a:r>
+            <a:r>
+              <a:rPr lang="en-GB" dirty="0">
+                <a:latin typeface="Frutiger LT Com 45 Light"/>
+              </a:rPr>
+              <a:t>Spec:: </a:t>
+            </a:r>
+            <a:r>
+              <a:rPr lang="pl-PL" sz="1600" dirty="0">
+                <a:latin typeface="Frutiger LT Com 45 Light"/>
+                <a:hlinkClick r:id="rId2"/>
+              </a:rPr>
+              <a:t>http://www.w3.org/TR/2009/WD-html5-20090212/no.html#declarative-3d-scenes</a:t>
+            </a:r>
+            <a:endParaRPr lang="en-GB" sz="1600" dirty="0">
+              <a:latin typeface="Frutiger LT Com 45 Light"/>
+            </a:endParaRPr>
+          </a:p>
+          <a:p>
+            <a:pPr marL="57150" indent="0">
               <a:buNone/>
             </a:pPr>
-            <a:endParaRPr lang="en-US" dirty="0" smtClean="0"/>
-          </a:p>
-          <a:p>
-            <a:pPr lvl="1"/>
-            <a:endParaRPr lang="en-US" dirty="0"/>
-          </a:p>
-        </p:txBody>
-      </p:sp>
-      <p:sp>
-        <p:nvSpPr>
-          <p:cNvPr id="4" name="Textfeld 3"/>
-          <p:cNvSpPr txBox="1"/>
-          <p:nvPr/>
-        </p:nvSpPr>
-        <p:spPr>
-          <a:xfrm>
-            <a:off x="1310192" y="3016156"/>
-            <a:ext cx="6136616" cy="2031325"/>
-          </a:xfrm>
-          <a:prstGeom prst="rect">
-            <a:avLst/>
-          </a:prstGeom>
-          <a:noFill/>
-        </p:spPr>
-        <p:txBody>
-          <a:bodyPr wrap="none" rtlCol="0">
-            <a:spAutoFit/>
-          </a:bodyPr>
-          <a:lstStyle/>
-          <a:p>
-            <a:r>
-              <a:rPr lang="en-US" dirty="0" smtClean="0">
-                <a:latin typeface="Consolas" pitchFamily="49" charset="0"/>
-              </a:rPr>
-              <a:t>&lt;div&gt;</a:t>
-            </a:r>
-          </a:p>
-          <a:p>
-            <a:r>
-              <a:rPr lang="en-US" dirty="0" smtClean="0">
-                <a:latin typeface="Consolas" pitchFamily="49" charset="0"/>
-              </a:rPr>
-              <a:t>   &lt;dec3d style="border: 1px solid black;"&gt;</a:t>
-            </a:r>
-          </a:p>
-          <a:p>
-            <a:r>
-              <a:rPr lang="fr-FR" dirty="0" smtClean="0">
-                <a:latin typeface="Consolas" pitchFamily="49" charset="0"/>
-              </a:rPr>
-              <a:t>     &lt;</a:t>
-            </a:r>
-            <a:r>
-              <a:rPr lang="fr-FR" dirty="0" err="1" smtClean="0">
-                <a:latin typeface="Consolas" pitchFamily="49" charset="0"/>
-              </a:rPr>
-              <a:t>div</a:t>
-            </a:r>
-            <a:r>
-              <a:rPr lang="fr-FR" dirty="0" smtClean="0">
-                <a:latin typeface="Consolas" pitchFamily="49" charset="0"/>
-              </a:rPr>
-              <a:t> style="</a:t>
-            </a:r>
-            <a:r>
-              <a:rPr lang="fr-FR" dirty="0" err="1" smtClean="0">
-                <a:latin typeface="Consolas" pitchFamily="49" charset="0"/>
-              </a:rPr>
-              <a:t>transform</a:t>
-            </a:r>
-            <a:r>
-              <a:rPr lang="fr-FR" dirty="0" smtClean="0">
-                <a:latin typeface="Consolas" pitchFamily="49" charset="0"/>
-              </a:rPr>
-              <a:t>: scale3d(2, 2, 2);"&gt;</a:t>
-            </a:r>
-          </a:p>
-          <a:p>
-            <a:r>
-              <a:rPr lang="en-US" dirty="0" smtClean="0">
-                <a:latin typeface="Consolas" pitchFamily="49" charset="0"/>
-              </a:rPr>
-              <a:t>        ...</a:t>
-            </a:r>
-          </a:p>
-          <a:p>
-            <a:r>
-              <a:rPr lang="en-US" dirty="0" smtClean="0">
-                <a:latin typeface="Consolas" pitchFamily="49" charset="0"/>
-              </a:rPr>
-              <a:t>     &lt;/div&gt;</a:t>
-            </a:r>
-          </a:p>
-          <a:p>
-            <a:r>
-              <a:rPr lang="en-US" dirty="0" smtClean="0">
-                <a:latin typeface="Consolas" pitchFamily="49" charset="0"/>
-              </a:rPr>
-              <a:t>   &lt;/dec3d&gt;</a:t>
-            </a:r>
-          </a:p>
-          <a:p>
-            <a:r>
-              <a:rPr lang="en-US" dirty="0" smtClean="0">
-                <a:latin typeface="Consolas" pitchFamily="49" charset="0"/>
-              </a:rPr>
-              <a:t>&lt;/div&gt;</a:t>
-            </a:r>
-            <a:endParaRPr lang="en-US" dirty="0">
-              <a:latin typeface="Consolas" pitchFamily="49" charset="0"/>
+            <a:r>
+              <a:rPr lang="en-GB" dirty="0">
+                <a:latin typeface="Frutiger LT Com 45 Light"/>
+              </a:rPr>
+              <a:t>	</a:t>
+            </a:r>
+            <a:r>
+              <a:rPr lang="en-GB" i="1" dirty="0" smtClean="0">
+                <a:latin typeface="Frutiger LT Com 45 Light"/>
+              </a:rPr>
+              <a:t>13.2 </a:t>
+            </a:r>
+            <a:r>
+              <a:rPr lang="en-GB" b="1" i="1" dirty="0">
+                <a:latin typeface="Frutiger LT Com 45 Light"/>
+              </a:rPr>
+              <a:t>Declarative </a:t>
+            </a:r>
+            <a:r>
+              <a:rPr lang="en-GB" i="1" dirty="0">
+                <a:latin typeface="Frutiger LT Com 45 Light"/>
+              </a:rPr>
+              <a:t>3D scenes</a:t>
+            </a:r>
+            <a:br>
+              <a:rPr lang="en-GB" i="1" dirty="0">
+                <a:latin typeface="Frutiger LT Com 45 Light"/>
+              </a:rPr>
+            </a:br>
+            <a:r>
+              <a:rPr lang="en-GB" i="1" dirty="0" smtClean="0">
+                <a:latin typeface="Frutiger LT Com 45 Light"/>
+              </a:rPr>
+              <a:t>	Embedding </a:t>
+            </a:r>
+            <a:r>
+              <a:rPr lang="en-GB" i="1" dirty="0">
+                <a:latin typeface="Frutiger LT Com 45 Light"/>
+              </a:rPr>
+              <a:t>3D imagery into XHTML documents is the domain of X3D, or </a:t>
+            </a:r>
+            <a:r>
+              <a:rPr lang="en-GB" i="1" dirty="0" smtClean="0">
+                <a:latin typeface="Frutiger LT Com 45 Light"/>
+              </a:rPr>
+              <a:t>	technologies </a:t>
+            </a:r>
+            <a:r>
+              <a:rPr lang="en-GB" i="1" dirty="0">
+                <a:latin typeface="Frutiger LT Com 45 Light"/>
+              </a:rPr>
+              <a:t>based on </a:t>
+            </a:r>
+            <a:r>
+              <a:rPr lang="en-GB" b="1" i="1" dirty="0">
+                <a:latin typeface="Frutiger LT Com 45 Light"/>
+              </a:rPr>
+              <a:t>X3D </a:t>
+            </a:r>
+            <a:r>
+              <a:rPr lang="en-GB" i="1" dirty="0">
+                <a:latin typeface="Frutiger LT Com 45 Light"/>
+              </a:rPr>
+              <a:t>that are namespace aware</a:t>
+            </a:r>
+            <a:r>
+              <a:rPr lang="en-GB" i="1" dirty="0" smtClean="0">
+                <a:latin typeface="Frutiger LT Com 45 Light"/>
+              </a:rPr>
+              <a:t>.</a:t>
+            </a:r>
+          </a:p>
+          <a:p>
+            <a:r>
+              <a:rPr lang="en-GB" b="1" dirty="0" smtClean="0">
+                <a:latin typeface="Frutiger LT Com 45 Light"/>
+              </a:rPr>
+              <a:t>2008</a:t>
+            </a:r>
+            <a:r>
+              <a:rPr lang="en-GB" dirty="0" smtClean="0">
+                <a:latin typeface="Frutiger LT Com 45 Light"/>
+              </a:rPr>
+              <a:t>: First </a:t>
+            </a:r>
+            <a:r>
+              <a:rPr lang="en-GB" dirty="0">
+                <a:latin typeface="Frutiger LT Com 45 Light"/>
+              </a:rPr>
+              <a:t>experiment by Philip Taylor, W3C: </a:t>
+            </a:r>
+            <a:r>
+              <a:rPr lang="de-DE" dirty="0">
+                <a:latin typeface="Frutiger LT Com 45 Light"/>
+                <a:hlinkClick r:id="rId3"/>
+              </a:rPr>
+              <a:t>http://philip.html5.</a:t>
+            </a:r>
+            <a:r>
+              <a:rPr lang="de-DE" dirty="0" smtClean="0">
+                <a:latin typeface="Frutiger LT Com 45 Light"/>
+                <a:hlinkClick r:id="rId3"/>
+              </a:rPr>
+              <a:t>org</a:t>
+            </a:r>
+            <a:r>
+              <a:rPr lang="en-GB" dirty="0">
+                <a:latin typeface="Frutiger LT Com 45 Light"/>
+              </a:rPr>
+              <a:t/>
+            </a:r>
+            <a:br>
+              <a:rPr lang="en-GB" dirty="0">
+                <a:latin typeface="Frutiger LT Com 45 Light"/>
+              </a:rPr>
+            </a:br>
+            <a:r>
+              <a:rPr lang="en-GB" dirty="0" smtClean="0">
+                <a:latin typeface="Frutiger LT Com 45 Light"/>
+              </a:rPr>
+              <a:t>  </a:t>
+            </a:r>
+            <a:r>
+              <a:rPr lang="en-GB" b="1" dirty="0" smtClean="0">
+                <a:latin typeface="Frutiger LT Com 45 Light"/>
+              </a:rPr>
+              <a:t>X3D </a:t>
+            </a:r>
+            <a:r>
+              <a:rPr lang="en-GB" b="1" dirty="0">
+                <a:latin typeface="Frutiger LT Com 45 Light"/>
+              </a:rPr>
+              <a:t>in DOM, no DOM manipulation</a:t>
+            </a:r>
+            <a:r>
+              <a:rPr lang="en-GB" dirty="0">
+                <a:latin typeface="Frutiger LT Com 45 Light"/>
+              </a:rPr>
+              <a:t> (Canvas3D for </a:t>
+            </a:r>
+            <a:r>
+              <a:rPr lang="en-GB" dirty="0" smtClean="0">
+                <a:latin typeface="Frutiger LT Com 45 Light"/>
+              </a:rPr>
+              <a:t>rendering)</a:t>
+            </a:r>
+          </a:p>
+          <a:p>
+            <a:r>
+              <a:rPr lang="en-GB" b="1" dirty="0" smtClean="0">
+                <a:latin typeface="Frutiger LT Com 45 Light"/>
+              </a:rPr>
+              <a:t>2009: </a:t>
+            </a:r>
+            <a:r>
+              <a:rPr lang="en-GB" dirty="0">
+                <a:latin typeface="Frutiger LT Com 45 Light"/>
+                <a:hlinkClick r:id="rId4"/>
+              </a:rPr>
+              <a:t>x3dom </a:t>
+            </a:r>
+            <a:r>
+              <a:rPr lang="en-GB" dirty="0">
+                <a:latin typeface="Frutiger LT Com 45 Light"/>
+              </a:rPr>
+              <a:t>by Fraunhofer IGD, Based on code of </a:t>
+            </a:r>
+            <a:r>
+              <a:rPr lang="en-GB" dirty="0" smtClean="0">
+                <a:latin typeface="Frutiger LT Com 45 Light"/>
+              </a:rPr>
+              <a:t>Taylor:</a:t>
+            </a:r>
+            <a:br>
+              <a:rPr lang="en-GB" dirty="0" smtClean="0">
+                <a:latin typeface="Frutiger LT Com 45 Light"/>
+              </a:rPr>
+            </a:br>
+            <a:r>
+              <a:rPr lang="en-GB" dirty="0" smtClean="0">
+                <a:latin typeface="Frutiger LT Com 45 Light"/>
+              </a:rPr>
+              <a:t>  </a:t>
+            </a:r>
+            <a:r>
+              <a:rPr lang="en-GB" b="1" dirty="0" smtClean="0">
+                <a:latin typeface="Frutiger LT Com 45 Light"/>
+              </a:rPr>
+              <a:t>Full </a:t>
+            </a:r>
+            <a:r>
+              <a:rPr lang="en-GB" b="1" dirty="0">
+                <a:latin typeface="Frutiger LT Com 45 Light"/>
+              </a:rPr>
+              <a:t>DOM </a:t>
+            </a:r>
+            <a:r>
+              <a:rPr lang="en-GB" dirty="0">
+                <a:latin typeface="Frutiger LT Com 45 Light"/>
+              </a:rPr>
+              <a:t>integration. </a:t>
+            </a:r>
+            <a:r>
+              <a:rPr lang="en-GB" dirty="0" smtClean="0">
+                <a:latin typeface="Frutiger LT Com 45 Light"/>
+              </a:rPr>
+              <a:t>Maps to </a:t>
+            </a:r>
+            <a:r>
+              <a:rPr lang="en-GB" b="1" dirty="0" smtClean="0">
+                <a:latin typeface="Frutiger LT Com 45 Light"/>
+              </a:rPr>
+              <a:t>Native</a:t>
+            </a:r>
+            <a:r>
+              <a:rPr lang="en-GB" dirty="0">
+                <a:latin typeface="Frutiger LT Com 45 Light"/>
+              </a:rPr>
+              <a:t>, </a:t>
+            </a:r>
+            <a:r>
+              <a:rPr lang="en-GB" b="1" dirty="0">
+                <a:latin typeface="Frutiger LT Com 45 Light"/>
+              </a:rPr>
+              <a:t>X3D-</a:t>
+            </a:r>
+            <a:r>
+              <a:rPr lang="en-GB" b="1" dirty="0" smtClean="0">
+                <a:latin typeface="Frutiger LT Com 45 Light"/>
+              </a:rPr>
+              <a:t>Plugin, WebGL or Flash</a:t>
+            </a:r>
+            <a:r>
+              <a:rPr lang="en-GB" dirty="0" smtClean="0">
+                <a:latin typeface="Frutiger LT Com 45 Light"/>
+              </a:rPr>
+              <a:t/>
+            </a:r>
+            <a:br>
+              <a:rPr lang="en-GB" dirty="0" smtClean="0">
+                <a:latin typeface="Frutiger LT Com 45 Light"/>
+              </a:rPr>
+            </a:br>
+            <a:r>
+              <a:rPr lang="en-GB" dirty="0" smtClean="0">
+                <a:latin typeface="Frutiger LT Com 45 Light"/>
+              </a:rPr>
+              <a:t>  </a:t>
+            </a:r>
+            <a:r>
+              <a:rPr lang="en-GB" dirty="0"/>
+              <a:t>Utilizes </a:t>
+            </a:r>
+            <a:r>
+              <a:rPr lang="en-GB" b="1" dirty="0"/>
+              <a:t>HTML/JS/CSS </a:t>
+            </a:r>
+            <a:r>
+              <a:rPr lang="en-GB" dirty="0"/>
+              <a:t>for </a:t>
+            </a:r>
+            <a:r>
+              <a:rPr lang="en-GB" b="1" dirty="0"/>
+              <a:t>scripting </a:t>
+            </a:r>
+            <a:r>
+              <a:rPr lang="en-GB" dirty="0"/>
+              <a:t>and </a:t>
+            </a:r>
+            <a:r>
+              <a:rPr lang="en-GB" b="1" dirty="0" smtClean="0"/>
+              <a:t>interaction</a:t>
+            </a:r>
+            <a:r>
+              <a:rPr lang="en-GB" dirty="0" smtClean="0">
+                <a:latin typeface="Frutiger LT Com 45 Light"/>
+              </a:rPr>
+              <a:t/>
+            </a:r>
+            <a:br>
+              <a:rPr lang="en-GB" dirty="0" smtClean="0">
+                <a:latin typeface="Frutiger LT Com 45 Light"/>
+              </a:rPr>
+            </a:br>
+            <a:r>
+              <a:rPr lang="en-GB" dirty="0" smtClean="0">
+                <a:latin typeface="Frutiger LT Com 45 Light"/>
+              </a:rPr>
+              <a:t>  </a:t>
+            </a:r>
+            <a:r>
+              <a:rPr lang="en-GB" dirty="0" smtClean="0">
+                <a:latin typeface="Frutiger LT Com 45 Light"/>
+                <a:hlinkClick r:id="rId5"/>
+              </a:rPr>
+              <a:t>HTML-Profile</a:t>
+            </a:r>
+            <a:r>
+              <a:rPr lang="en-GB" dirty="0" smtClean="0">
+                <a:latin typeface="Frutiger LT Com 45 Light"/>
+              </a:rPr>
+              <a:t>: </a:t>
+            </a:r>
+            <a:r>
+              <a:rPr lang="en-GB" b="1" dirty="0" smtClean="0"/>
+              <a:t>Reduced </a:t>
+            </a:r>
+            <a:r>
+              <a:rPr lang="en-GB" b="1" dirty="0"/>
+              <a:t>complexity </a:t>
+            </a:r>
+            <a:r>
+              <a:rPr lang="en-GB" dirty="0"/>
+              <a:t>and </a:t>
+            </a:r>
+            <a:r>
+              <a:rPr lang="en-GB" b="1" dirty="0"/>
+              <a:t>implementation effort</a:t>
+            </a:r>
+            <a:r>
+              <a:rPr lang="en-GB" dirty="0" smtClean="0">
+                <a:latin typeface="Frutiger LT Com 45 Light"/>
+              </a:rPr>
+              <a:t> </a:t>
+            </a:r>
+          </a:p>
+          <a:p>
+            <a:r>
+              <a:rPr lang="en-GB" b="1" dirty="0" smtClean="0">
+                <a:latin typeface="Frutiger LT Com 45 Light"/>
+              </a:rPr>
+              <a:t>2011</a:t>
+            </a:r>
+            <a:r>
+              <a:rPr lang="en-GB" dirty="0" smtClean="0">
+                <a:latin typeface="Frutiger LT Com 45 Light"/>
+              </a:rPr>
+              <a:t>: </a:t>
+            </a:r>
+            <a:r>
+              <a:rPr lang="en-GB" b="1" dirty="0" smtClean="0">
+                <a:latin typeface="Frutiger LT Com 45 Light"/>
+              </a:rPr>
+              <a:t>W3C Declarative 3D Community Group </a:t>
+            </a:r>
+          </a:p>
+          <a:p>
+            <a:r>
+              <a:rPr lang="en-GB" b="1" dirty="0" smtClean="0">
+                <a:latin typeface="Frutiger LT Com 45 Light"/>
+              </a:rPr>
+              <a:t>2012</a:t>
+            </a:r>
+            <a:r>
+              <a:rPr lang="en-GB" dirty="0" smtClean="0">
+                <a:latin typeface="Frutiger LT Com 45 Light"/>
+              </a:rPr>
+              <a:t>: </a:t>
+            </a:r>
+            <a:r>
+              <a:rPr lang="en-GB" b="1" dirty="0" smtClean="0">
+                <a:latin typeface="Frutiger LT Com 45 Light"/>
+              </a:rPr>
+              <a:t>Component-Plugins</a:t>
+            </a:r>
+            <a:r>
+              <a:rPr lang="en-GB" dirty="0" smtClean="0">
+                <a:latin typeface="Frutiger LT Com 45 Light"/>
+              </a:rPr>
+              <a:t>: Volume, GEO, CAD, Geo2D, …</a:t>
+            </a:r>
+            <a:endParaRPr lang="en-GB" dirty="0">
+              <a:latin typeface="Frutiger LT Com 45 Light"/>
+            </a:endParaRPr>
+          </a:p>
+          <a:p>
+            <a:endParaRPr lang="en-GB" b="1" dirty="0" smtClean="0">
+              <a:latin typeface="Frutiger LT Com 45 Light"/>
+            </a:endParaRPr>
+          </a:p>
+          <a:p>
+            <a:pPr marL="57150" indent="0">
+              <a:buNone/>
+            </a:pPr>
+            <a:endParaRPr lang="en-GB" i="1" dirty="0">
+              <a:latin typeface="Frutiger LT Com 45 Light"/>
             </a:endParaRPr>
           </a:p>
         </p:txBody>
@@ -5759,8 +6810,8 @@
 </p:sld>
 </file>
 
-<file path=ppt/slides/slide9.xml><?xml version="1.0" encoding="utf-8"?>
-<p:sld xmlns:a="http://schemas.openxmlformats.org/drawingml/2006/main" xmlns:r="http://schemas.openxmlformats.org/officeDocument/2006/relationships" xmlns:p="http://schemas.openxmlformats.org/presentationml/2006/main">
+<file path=ppt/slides/slide8.xml><?xml version="1.0" encoding="utf-8"?>
+<p:sld xmlns:a="http://schemas.openxmlformats.org/drawingml/2006/main" xmlns:r="http://schemas.openxmlformats.org/officeDocument/2006/relationships" xmlns:p="http://schemas.openxmlformats.org/presentationml/2006/main" show="0">
   <p:cSld>
     <p:spTree>
       <p:nvGrpSpPr>
@@ -5792,136 +6843,22 @@
           <a:lstStyle/>
           <a:p>
             <a:r>
-              <a:rPr lang="en-US" dirty="0"/>
-              <a:t>Level of </a:t>
-            </a:r>
-            <a:r>
-              <a:rPr lang="en-US" dirty="0" smtClean="0"/>
-              <a:t>Integration (LOI)</a:t>
-            </a:r>
-            <a:br>
-              <a:rPr lang="en-US" dirty="0" smtClean="0"/>
-            </a:br>
+              <a:rPr lang="en-US" dirty="0" smtClean="0"/>
+              <a:t>X3DOM: </a:t>
+            </a:r>
+            <a:r>
+              <a:rPr lang="en-US" dirty="0" smtClean="0">
+                <a:hlinkClick r:id="rId2"/>
+              </a:rPr>
+              <a:t>Portal</a:t>
+            </a:r>
             <a:endParaRPr lang="en-US" dirty="0"/>
-          </a:p>
-        </p:txBody>
-      </p:sp>
-      <p:sp>
-        <p:nvSpPr>
-          <p:cNvPr id="3" name="Content Placeholder 2"/>
-          <p:cNvSpPr>
-            <a:spLocks noGrp="1"/>
-          </p:cNvSpPr>
-          <p:nvPr>
-            <p:ph idx="1"/>
-          </p:nvPr>
-        </p:nvSpPr>
-        <p:spPr/>
-        <p:txBody>
-          <a:bodyPr/>
-          <a:lstStyle/>
-          <a:p>
-            <a:r>
-              <a:rPr lang="en-US" dirty="0" smtClean="0"/>
-              <a:t>LOI 0: Classical </a:t>
-            </a:r>
-            <a:r>
-              <a:rPr lang="en-US" dirty="0"/>
-              <a:t>integration using </a:t>
-            </a:r>
-            <a:r>
-              <a:rPr lang="en-US" dirty="0" smtClean="0"/>
-              <a:t>plug-ins</a:t>
-            </a:r>
-          </a:p>
-          <a:p>
-            <a:r>
-              <a:rPr lang="en-US" dirty="0" smtClean="0"/>
-              <a:t>LOI 1: </a:t>
-            </a:r>
-            <a:r>
-              <a:rPr lang="en-US" dirty="0"/>
-              <a:t>D</a:t>
-            </a:r>
-            <a:r>
-              <a:rPr lang="en-US" dirty="0" smtClean="0"/>
-              <a:t>edicated </a:t>
-            </a:r>
-            <a:r>
-              <a:rPr lang="en-US" dirty="0"/>
-              <a:t>element in the DOM </a:t>
-            </a:r>
-            <a:r>
-              <a:rPr lang="en-US" dirty="0" smtClean="0"/>
-              <a:t>+ API (</a:t>
-            </a:r>
-            <a:r>
-              <a:rPr lang="en-US" dirty="0" err="1" smtClean="0"/>
-              <a:t>WebGL</a:t>
-            </a:r>
-            <a:r>
-              <a:rPr lang="en-US" dirty="0" smtClean="0"/>
-              <a:t>)</a:t>
-            </a:r>
-          </a:p>
-          <a:p>
-            <a:r>
-              <a:rPr lang="en-US" dirty="0"/>
-              <a:t>LOI 2</a:t>
-            </a:r>
-            <a:r>
-              <a:rPr lang="en-US" dirty="0" smtClean="0"/>
-              <a:t>: </a:t>
-            </a:r>
-            <a:r>
-              <a:rPr lang="en-US" dirty="0"/>
-              <a:t>S</a:t>
-            </a:r>
-            <a:r>
-              <a:rPr lang="en-US" dirty="0" smtClean="0"/>
-              <a:t>cene </a:t>
-            </a:r>
-            <a:r>
-              <a:rPr lang="en-US" dirty="0"/>
-              <a:t>description </a:t>
-            </a:r>
-            <a:r>
-              <a:rPr lang="en-US" dirty="0" smtClean="0"/>
-              <a:t>integrated </a:t>
-            </a:r>
-            <a:r>
-              <a:rPr lang="en-US" dirty="0"/>
-              <a:t>in the </a:t>
-            </a:r>
-            <a:r>
-              <a:rPr lang="en-US" dirty="0" smtClean="0"/>
-              <a:t>DOM</a:t>
-            </a:r>
-          </a:p>
-          <a:p>
-            <a:r>
-              <a:rPr lang="en-US" dirty="0" smtClean="0"/>
-              <a:t>LOI 3 and LOI 4: Tight integration</a:t>
-            </a:r>
-            <a:r>
-              <a:rPr lang="en-US" dirty="0"/>
-              <a:t> </a:t>
-            </a:r>
-            <a:r>
-              <a:rPr lang="en-US" dirty="0" smtClean="0"/>
-              <a:t>with </a:t>
-            </a:r>
-            <a:r>
-              <a:rPr lang="en-US" dirty="0"/>
-              <a:t>CSS</a:t>
-            </a:r>
-            <a:endParaRPr lang="en-US" dirty="0" smtClean="0"/>
           </a:p>
         </p:txBody>
       </p:sp>
       <p:pic>
         <p:nvPicPr>
-          <p:cNvPr id="5" name="Picture 4"/>
+          <p:cNvPr id="5" name="Picture 4" descr="Screen Shot 2013-06-20 at 13.03.24.png"/>
           <p:cNvPicPr>
             <a:picLocks noChangeAspect="1"/>
           </p:cNvPicPr>
@@ -5941,8 +6878,8 @@
         </p:blipFill>
         <p:spPr>
           <a:xfrm>
-            <a:off x="2665442" y="3771900"/>
-            <a:ext cx="3753111" cy="1809536"/>
+            <a:off x="662632" y="1664746"/>
+            <a:ext cx="5858441" cy="4240658"/>
           </a:xfrm>
           <a:prstGeom prst="rect">
             <a:avLst/>
@@ -5952,7 +6889,198 @@
     </p:spTree>
     <p:extLst>
       <p:ext uri="{BB962C8B-B14F-4D97-AF65-F5344CB8AC3E}">
-        <p14:creationId xmlns="" xmlns:p14="http://schemas.microsoft.com/office/powerpoint/2010/main" val="2909472201"/>
+        <p14:creationId xmlns="" xmlns:p14="http://schemas.microsoft.com/office/powerpoint/2010/main" val="1829736751"/>
+      </p:ext>
+    </p:extLst>
+  </p:cSld>
+  <p:clrMapOvr>
+    <a:masterClrMapping/>
+  </p:clrMapOvr>
+  <p:transition/>
+  <p:timing>
+    <p:tnLst>
+      <p:par>
+        <p:cTn id="1" dur="indefinite" restart="never" nodeType="tmRoot"/>
+      </p:par>
+    </p:tnLst>
+  </p:timing>
+</p:sld>
+</file>
+
+<file path=ppt/slides/slide9.xml><?xml version="1.0" encoding="utf-8"?>
+<p:sld xmlns:a="http://schemas.openxmlformats.org/drawingml/2006/main" xmlns:r="http://schemas.openxmlformats.org/officeDocument/2006/relationships" xmlns:p="http://schemas.openxmlformats.org/presentationml/2006/main">
+  <p:cSld>
+    <p:spTree>
+      <p:nvGrpSpPr>
+        <p:cNvPr id="1" name=""/>
+        <p:cNvGrpSpPr/>
+        <p:nvPr/>
+      </p:nvGrpSpPr>
+      <p:grpSpPr>
+        <a:xfrm>
+          <a:off x="0" y="0"/>
+          <a:ext cx="0" cy="0"/>
+          <a:chOff x="0" y="0"/>
+          <a:chExt cx="0" cy="0"/>
+        </a:xfrm>
+      </p:grpSpPr>
+      <p:sp>
+        <p:nvSpPr>
+          <p:cNvPr id="2" name="Title 1"/>
+          <p:cNvSpPr>
+            <a:spLocks noGrp="1"/>
+          </p:cNvSpPr>
+          <p:nvPr>
+            <p:ph type="title"/>
+          </p:nvPr>
+        </p:nvSpPr>
+        <p:spPr/>
+        <p:txBody>
+          <a:bodyPr/>
+          <a:lstStyle/>
+          <a:p>
+            <a:r>
+              <a:rPr lang="en-US" dirty="0" smtClean="0"/>
+              <a:t>X3DOM: </a:t>
+            </a:r>
+            <a:r>
+              <a:rPr lang="en-US" dirty="0" smtClean="0">
+                <a:hlinkClick r:id="rId2"/>
+              </a:rPr>
+              <a:t>Showcases</a:t>
+            </a:r>
+            <a:endParaRPr lang="en-US" dirty="0"/>
+          </a:p>
+        </p:txBody>
+      </p:sp>
+      <p:pic>
+        <p:nvPicPr>
+          <p:cNvPr id="10" name="Bild 7" descr="cad_apps.png"/>
+          <p:cNvPicPr>
+            <a:picLocks noChangeAspect="1"/>
+          </p:cNvPicPr>
+          <p:nvPr/>
+        </p:nvPicPr>
+        <p:blipFill>
+          <a:blip r:embed="rId3" cstate="print">
+            <a:extLst>
+              <a:ext uri="{28A0092B-C50C-407E-A947-70E740481C1C}">
+                <a14:useLocalDpi xmlns="" xmlns:a14="http://schemas.microsoft.com/office/drawing/2010/main" val="0"/>
+              </a:ext>
+            </a:extLst>
+          </a:blip>
+          <a:stretch>
+            <a:fillRect/>
+          </a:stretch>
+        </p:blipFill>
+        <p:spPr>
+          <a:xfrm>
+            <a:off x="0" y="1531583"/>
+            <a:ext cx="9144000" cy="1698460"/>
+          </a:xfrm>
+          <a:prstGeom prst="rect">
+            <a:avLst/>
+          </a:prstGeom>
+        </p:spPr>
+      </p:pic>
+      <p:pic>
+        <p:nvPicPr>
+          <p:cNvPr id="11" name="Bild 8" descr="ch_apps.png"/>
+          <p:cNvPicPr>
+            <a:picLocks noChangeAspect="1"/>
+          </p:cNvPicPr>
+          <p:nvPr/>
+        </p:nvPicPr>
+        <p:blipFill>
+          <a:blip r:embed="rId4" cstate="print">
+            <a:extLst>
+              <a:ext uri="{28A0092B-C50C-407E-A947-70E740481C1C}">
+                <a14:useLocalDpi xmlns="" xmlns:a14="http://schemas.microsoft.com/office/drawing/2010/main" val="0"/>
+              </a:ext>
+            </a:extLst>
+          </a:blip>
+          <a:stretch>
+            <a:fillRect/>
+          </a:stretch>
+        </p:blipFill>
+        <p:spPr>
+          <a:xfrm>
+            <a:off x="0" y="3250033"/>
+            <a:ext cx="9144000" cy="1982996"/>
+          </a:xfrm>
+          <a:prstGeom prst="rect">
+            <a:avLst/>
+          </a:prstGeom>
+        </p:spPr>
+      </p:pic>
+      <p:pic>
+        <p:nvPicPr>
+          <p:cNvPr id="9" name="Picture 8" descr="Screen Shot 2013-06-13 at 11.41.23.png">
+            <a:hlinkClick r:id="rId5"/>
+          </p:cNvPr>
+          <p:cNvPicPr>
+            <a:picLocks noChangeAspect="1"/>
+          </p:cNvPicPr>
+          <p:nvPr/>
+        </p:nvPicPr>
+        <p:blipFill>
+          <a:blip r:embed="rId6" cstate="print">
+            <a:extLst>
+              <a:ext uri="{28A0092B-C50C-407E-A947-70E740481C1C}">
+                <a14:useLocalDpi xmlns="" xmlns:a14="http://schemas.microsoft.com/office/drawing/2010/main" val="0"/>
+              </a:ext>
+            </a:extLst>
+          </a:blip>
+          <a:stretch>
+            <a:fillRect/>
+          </a:stretch>
+        </p:blipFill>
+        <p:spPr>
+          <a:xfrm>
+            <a:off x="0" y="3222207"/>
+            <a:ext cx="2765437" cy="2028755"/>
+          </a:xfrm>
+          <a:prstGeom prst="rect">
+            <a:avLst/>
+          </a:prstGeom>
+        </p:spPr>
+      </p:pic>
+      <p:pic>
+        <p:nvPicPr>
+          <p:cNvPr id="8" name="Picture 7" descr="sim-des_bc-visu_bracket.png">
+            <a:hlinkClick r:id="rId7"/>
+          </p:cNvPr>
+          <p:cNvPicPr>
+            <a:picLocks noChangeAspect="1"/>
+          </p:cNvPicPr>
+          <p:nvPr/>
+        </p:nvPicPr>
+        <p:blipFill>
+          <a:blip r:embed="rId8" cstate="print">
+            <a:extLst>
+              <a:ext uri="{28A0092B-C50C-407E-A947-70E740481C1C}">
+                <a14:useLocalDpi xmlns="" xmlns:a14="http://schemas.microsoft.com/office/drawing/2010/main" val="0"/>
+              </a:ext>
+            </a:extLst>
+          </a:blip>
+          <a:stretch>
+            <a:fillRect/>
+          </a:stretch>
+        </p:blipFill>
+        <p:spPr>
+          <a:xfrm>
+            <a:off x="0" y="1525220"/>
+            <a:ext cx="2326137" cy="1769698"/>
+          </a:xfrm>
+          <a:prstGeom prst="rect">
+            <a:avLst/>
+          </a:prstGeom>
+        </p:spPr>
+      </p:pic>
+    </p:spTree>
+    <p:extLst>
+      <p:ext uri="{BB962C8B-B14F-4D97-AF65-F5344CB8AC3E}">
+        <p14:creationId xmlns="" xmlns:p14="http://schemas.microsoft.com/office/powerpoint/2010/main" val="3153481668"/>
       </p:ext>
     </p:extLst>
   </p:cSld>
@@ -5961,7 +7089,7 @@
   </p:clrMapOvr>
   <mc:AlternateContent xmlns:mc="http://schemas.openxmlformats.org/markup-compatibility/2006">
     <mc:Choice xmlns="" xmlns:p14="http://schemas.microsoft.com/office/powerpoint/2010/main" Requires="p14">
-      <p:transition p14:dur="10"/>
+      <p:transition p14:dur="0"/>
     </mc:Choice>
     <mc:Fallback>
       <p:transition/>
